--- a/presentation/xDBpresentation.pptx
+++ b/presentation/xDBpresentation.pptx
@@ -5,7 +5,7 @@
     <p:sldMasterId id="2147483660" r:id="rId1"/>
   </p:sldMasterIdLst>
   <p:notesMasterIdLst>
-    <p:notesMasterId r:id="rId12"/>
+    <p:notesMasterId r:id="rId17"/>
   </p:notesMasterIdLst>
   <p:sldIdLst>
     <p:sldId id="256" r:id="rId2"/>
@@ -18,6 +18,11 @@
     <p:sldId id="266" r:id="rId9"/>
     <p:sldId id="264" r:id="rId10"/>
     <p:sldId id="263" r:id="rId11"/>
+    <p:sldId id="267" r:id="rId12"/>
+    <p:sldId id="268" r:id="rId13"/>
+    <p:sldId id="269" r:id="rId14"/>
+    <p:sldId id="270" r:id="rId15"/>
+    <p:sldId id="271" r:id="rId16"/>
   </p:sldIdLst>
   <p:sldSz cx="12192000" cy="6858000"/>
   <p:notesSz cx="6858000" cy="9144000"/>
@@ -116,6 +121,14 @@
       </a:defRPr>
     </a:lvl9pPr>
   </p:defaultTextStyle>
+  <p:extLst>
+    <p:ext uri="{EFAFB233-063F-42B5-8137-9DF3F51BA10A}">
+      <p15:sldGuideLst xmlns:p15="http://schemas.microsoft.com/office/powerpoint/2012/main"/>
+    </p:ext>
+    <p:ext uri="{2D200454-40CA-4A62-9FC3-DE9A4176ACB9}">
+      <p15:notesGuideLst xmlns:p15="http://schemas.microsoft.com/office/powerpoint/2012/main"/>
+    </p:ext>
+  </p:extLst>
 </p:presentation>
 </file>
 
@@ -2423,10 +2436,10 @@
         <a:lstStyle/>
         <a:p>
           <a:r>
-            <a:rPr lang="de-DE"/>
+            <a:rPr lang="de-DE" dirty="0"/>
             <a:t>Retrieval </a:t>
           </a:r>
-          <a:endParaRPr lang="en-GB"/>
+          <a:endParaRPr lang="en-GB" dirty="0"/>
         </a:p>
       </dgm:t>
     </dgm:pt>
@@ -3246,10 +3259,10 @@
             <a:buNone/>
           </a:pPr>
           <a:r>
-            <a:rPr lang="de-DE" sz="3700" kern="1200"/>
+            <a:rPr lang="de-DE" sz="3700" kern="1200" dirty="0"/>
             <a:t>Retrieval </a:t>
           </a:r>
-          <a:endParaRPr lang="en-GB" sz="3700" kern="1200"/>
+          <a:endParaRPr lang="en-GB" sz="3700" kern="1200" dirty="0"/>
         </a:p>
       </dsp:txBody>
       <dsp:txXfrm>
@@ -8165,6 +8178,215 @@
 </p:notes>
 </file>
 
+<file path=ppt/notesSlides/notesSlide10.xml><?xml version="1.0" encoding="utf-8"?>
+<p:notes xmlns:a="http://schemas.openxmlformats.org/drawingml/2006/main" xmlns:r="http://schemas.openxmlformats.org/officeDocument/2006/relationships" xmlns:p="http://schemas.openxmlformats.org/presentationml/2006/main">
+  <p:cSld>
+    <p:spTree>
+      <p:nvGrpSpPr>
+        <p:cNvPr id="1" name=""/>
+        <p:cNvGrpSpPr/>
+        <p:nvPr/>
+      </p:nvGrpSpPr>
+      <p:grpSpPr>
+        <a:xfrm>
+          <a:off x="0" y="0"/>
+          <a:ext cx="0" cy="0"/>
+          <a:chOff x="0" y="0"/>
+          <a:chExt cx="0" cy="0"/>
+        </a:xfrm>
+      </p:grpSpPr>
+      <p:sp>
+        <p:nvSpPr>
+          <p:cNvPr id="2" name="Folienbildplatzhalter 1"/>
+          <p:cNvSpPr>
+            <a:spLocks noGrp="1" noRot="1" noChangeAspect="1"/>
+          </p:cNvSpPr>
+          <p:nvPr>
+            <p:ph type="sldImg"/>
+          </p:nvPr>
+        </p:nvSpPr>
+        <p:spPr/>
+      </p:sp>
+      <p:sp>
+        <p:nvSpPr>
+          <p:cNvPr id="3" name="Notizenplatzhalter 2"/>
+          <p:cNvSpPr>
+            <a:spLocks noGrp="1"/>
+          </p:cNvSpPr>
+          <p:nvPr>
+            <p:ph type="body" idx="1"/>
+          </p:nvPr>
+        </p:nvSpPr>
+        <p:spPr/>
+        <p:txBody>
+          <a:bodyPr/>
+          <a:lstStyle/>
+          <a:p>
+            <a:r>
+              <a:rPr lang="de-DE" dirty="0"/>
+              <a:t>Ein Beispiel für einfügen. </a:t>
+            </a:r>
+          </a:p>
+          <a:p>
+            <a:r>
+              <a:rPr lang="de-DE" dirty="0" err="1"/>
+              <a:t>Javascript</a:t>
+            </a:r>
+            <a:r>
+              <a:rPr lang="de-DE" dirty="0"/>
+              <a:t> ist wieder die Sprache.</a:t>
+            </a:r>
+          </a:p>
+          <a:p>
+            <a:r>
+              <a:rPr lang="de-DE" dirty="0"/>
+              <a:t>Eigentliches Objekt was erzeugt werden soll ist in JSON.</a:t>
+            </a:r>
+          </a:p>
+          <a:p>
+            <a:r>
+              <a:rPr lang="de-DE" dirty="0"/>
+              <a:t>Dokument Operationen sind </a:t>
+            </a:r>
+            <a:r>
+              <a:rPr lang="de-DE" dirty="0" err="1"/>
+              <a:t>atomic</a:t>
+            </a:r>
+            <a:endParaRPr lang="de-DE" dirty="0"/>
+          </a:p>
+          <a:p>
+            <a:r>
+              <a:rPr lang="de-DE" dirty="0"/>
+              <a:t> </a:t>
+            </a:r>
+            <a:endParaRPr lang="en-GB" dirty="0"/>
+          </a:p>
+        </p:txBody>
+      </p:sp>
+      <p:sp>
+        <p:nvSpPr>
+          <p:cNvPr id="4" name="Foliennummernplatzhalter 3"/>
+          <p:cNvSpPr>
+            <a:spLocks noGrp="1"/>
+          </p:cNvSpPr>
+          <p:nvPr>
+            <p:ph type="sldNum" sz="quarter" idx="5"/>
+          </p:nvPr>
+        </p:nvSpPr>
+        <p:spPr/>
+        <p:txBody>
+          <a:bodyPr/>
+          <a:lstStyle/>
+          <a:p>
+            <a:fld id="{4C416D00-CE6F-4315-92D5-7C9B9CFBC6A4}" type="slidenum">
+              <a:rPr lang="en-GB" smtClean="0"/>
+              <a:t>14</a:t>
+            </a:fld>
+            <a:endParaRPr lang="en-GB"/>
+          </a:p>
+        </p:txBody>
+      </p:sp>
+    </p:spTree>
+    <p:extLst>
+      <p:ext uri="{BB962C8B-B14F-4D97-AF65-F5344CB8AC3E}">
+        <p14:creationId xmlns:p14="http://schemas.microsoft.com/office/powerpoint/2010/main" val="2693207756"/>
+      </p:ext>
+    </p:extLst>
+  </p:cSld>
+  <p:clrMapOvr>
+    <a:masterClrMapping/>
+  </p:clrMapOvr>
+</p:notes>
+</file>
+
+<file path=ppt/notesSlides/notesSlide11.xml><?xml version="1.0" encoding="utf-8"?>
+<p:notes xmlns:a="http://schemas.openxmlformats.org/drawingml/2006/main" xmlns:r="http://schemas.openxmlformats.org/officeDocument/2006/relationships" xmlns:p="http://schemas.openxmlformats.org/presentationml/2006/main">
+  <p:cSld>
+    <p:spTree>
+      <p:nvGrpSpPr>
+        <p:cNvPr id="1" name=""/>
+        <p:cNvGrpSpPr/>
+        <p:nvPr/>
+      </p:nvGrpSpPr>
+      <p:grpSpPr>
+        <a:xfrm>
+          <a:off x="0" y="0"/>
+          <a:ext cx="0" cy="0"/>
+          <a:chOff x="0" y="0"/>
+          <a:chExt cx="0" cy="0"/>
+        </a:xfrm>
+      </p:grpSpPr>
+      <p:sp>
+        <p:nvSpPr>
+          <p:cNvPr id="2" name="Folienbildplatzhalter 1"/>
+          <p:cNvSpPr>
+            <a:spLocks noGrp="1" noRot="1" noChangeAspect="1"/>
+          </p:cNvSpPr>
+          <p:nvPr>
+            <p:ph type="sldImg"/>
+          </p:nvPr>
+        </p:nvSpPr>
+        <p:spPr/>
+      </p:sp>
+      <p:sp>
+        <p:nvSpPr>
+          <p:cNvPr id="3" name="Notizenplatzhalter 2"/>
+          <p:cNvSpPr>
+            <a:spLocks noGrp="1"/>
+          </p:cNvSpPr>
+          <p:nvPr>
+            <p:ph type="body" idx="1"/>
+          </p:nvPr>
+        </p:nvSpPr>
+        <p:spPr/>
+        <p:txBody>
+          <a:bodyPr/>
+          <a:lstStyle/>
+          <a:p>
+            <a:r>
+              <a:rPr lang="de-DE" dirty="0"/>
+              <a:t>Das Objekt, was wir übergeben ist diesmal ebenfalls JSON auch wenn es aussieht als würden wir dieses Objekt einfügen wollen, übergeben wir einfach eine Operation für die Datenbank in JSON.   </a:t>
+            </a:r>
+            <a:endParaRPr lang="en-GB" dirty="0"/>
+          </a:p>
+        </p:txBody>
+      </p:sp>
+      <p:sp>
+        <p:nvSpPr>
+          <p:cNvPr id="4" name="Foliennummernplatzhalter 3"/>
+          <p:cNvSpPr>
+            <a:spLocks noGrp="1"/>
+          </p:cNvSpPr>
+          <p:nvPr>
+            <p:ph type="sldNum" sz="quarter" idx="5"/>
+          </p:nvPr>
+        </p:nvSpPr>
+        <p:spPr/>
+        <p:txBody>
+          <a:bodyPr/>
+          <a:lstStyle/>
+          <a:p>
+            <a:fld id="{4C416D00-CE6F-4315-92D5-7C9B9CFBC6A4}" type="slidenum">
+              <a:rPr lang="en-GB" smtClean="0"/>
+              <a:t>15</a:t>
+            </a:fld>
+            <a:endParaRPr lang="en-GB"/>
+          </a:p>
+        </p:txBody>
+      </p:sp>
+    </p:spTree>
+    <p:extLst>
+      <p:ext uri="{BB962C8B-B14F-4D97-AF65-F5344CB8AC3E}">
+        <p14:creationId xmlns:p14="http://schemas.microsoft.com/office/powerpoint/2010/main" val="2356774121"/>
+      </p:ext>
+    </p:extLst>
+  </p:cSld>
+  <p:clrMapOvr>
+    <a:masterClrMapping/>
+  </p:clrMapOvr>
+</p:notes>
+</file>
+
 <file path=ppt/notesSlides/notesSlide2.xml><?xml version="1.0" encoding="utf-8"?>
 <p:notes xmlns:a="http://schemas.openxmlformats.org/drawingml/2006/main" xmlns:r="http://schemas.openxmlformats.org/officeDocument/2006/relationships" xmlns:p="http://schemas.openxmlformats.org/presentationml/2006/main">
   <p:cSld>
@@ -9533,6 +9755,198 @@
     <p:extLst>
       <p:ext uri="{BB962C8B-B14F-4D97-AF65-F5344CB8AC3E}">
         <p14:creationId xmlns:p14="http://schemas.microsoft.com/office/powerpoint/2010/main" val="3871959231"/>
+      </p:ext>
+    </p:extLst>
+  </p:cSld>
+  <p:clrMapOvr>
+    <a:masterClrMapping/>
+  </p:clrMapOvr>
+</p:notes>
+</file>
+
+<file path=ppt/notesSlides/notesSlide8.xml><?xml version="1.0" encoding="utf-8"?>
+<p:notes xmlns:a="http://schemas.openxmlformats.org/drawingml/2006/main" xmlns:r="http://schemas.openxmlformats.org/officeDocument/2006/relationships" xmlns:p="http://schemas.openxmlformats.org/presentationml/2006/main">
+  <p:cSld>
+    <p:spTree>
+      <p:nvGrpSpPr>
+        <p:cNvPr id="1" name=""/>
+        <p:cNvGrpSpPr/>
+        <p:nvPr/>
+      </p:nvGrpSpPr>
+      <p:grpSpPr>
+        <a:xfrm>
+          <a:off x="0" y="0"/>
+          <a:ext cx="0" cy="0"/>
+          <a:chOff x="0" y="0"/>
+          <a:chExt cx="0" cy="0"/>
+        </a:xfrm>
+      </p:grpSpPr>
+      <p:sp>
+        <p:nvSpPr>
+          <p:cNvPr id="2" name="Folienbildplatzhalter 1"/>
+          <p:cNvSpPr>
+            <a:spLocks noGrp="1" noRot="1" noChangeAspect="1"/>
+          </p:cNvSpPr>
+          <p:nvPr>
+            <p:ph type="sldImg"/>
+          </p:nvPr>
+        </p:nvSpPr>
+        <p:spPr/>
+      </p:sp>
+      <p:sp>
+        <p:nvSpPr>
+          <p:cNvPr id="3" name="Notizenplatzhalter 2"/>
+          <p:cNvSpPr>
+            <a:spLocks noGrp="1"/>
+          </p:cNvSpPr>
+          <p:nvPr>
+            <p:ph type="body" idx="1"/>
+          </p:nvPr>
+        </p:nvSpPr>
+        <p:spPr/>
+        <p:txBody>
+          <a:bodyPr/>
+          <a:lstStyle/>
+          <a:p>
+            <a:endParaRPr lang="en-GB" dirty="0"/>
+          </a:p>
+        </p:txBody>
+      </p:sp>
+      <p:sp>
+        <p:nvSpPr>
+          <p:cNvPr id="4" name="Foliennummernplatzhalter 3"/>
+          <p:cNvSpPr>
+            <a:spLocks noGrp="1"/>
+          </p:cNvSpPr>
+          <p:nvPr>
+            <p:ph type="sldNum" sz="quarter" idx="5"/>
+          </p:nvPr>
+        </p:nvSpPr>
+        <p:spPr/>
+        <p:txBody>
+          <a:bodyPr/>
+          <a:lstStyle/>
+          <a:p>
+            <a:fld id="{4C416D00-CE6F-4315-92D5-7C9B9CFBC6A4}" type="slidenum">
+              <a:rPr lang="en-GB" smtClean="0"/>
+              <a:t>12</a:t>
+            </a:fld>
+            <a:endParaRPr lang="en-GB"/>
+          </a:p>
+        </p:txBody>
+      </p:sp>
+    </p:spTree>
+    <p:extLst>
+      <p:ext uri="{BB962C8B-B14F-4D97-AF65-F5344CB8AC3E}">
+        <p14:creationId xmlns:p14="http://schemas.microsoft.com/office/powerpoint/2010/main" val="3894398137"/>
+      </p:ext>
+    </p:extLst>
+  </p:cSld>
+  <p:clrMapOvr>
+    <a:masterClrMapping/>
+  </p:clrMapOvr>
+</p:notes>
+</file>
+
+<file path=ppt/notesSlides/notesSlide9.xml><?xml version="1.0" encoding="utf-8"?>
+<p:notes xmlns:a="http://schemas.openxmlformats.org/drawingml/2006/main" xmlns:r="http://schemas.openxmlformats.org/officeDocument/2006/relationships" xmlns:p="http://schemas.openxmlformats.org/presentationml/2006/main">
+  <p:cSld>
+    <p:spTree>
+      <p:nvGrpSpPr>
+        <p:cNvPr id="1" name=""/>
+        <p:cNvGrpSpPr/>
+        <p:nvPr/>
+      </p:nvGrpSpPr>
+      <p:grpSpPr>
+        <a:xfrm>
+          <a:off x="0" y="0"/>
+          <a:ext cx="0" cy="0"/>
+          <a:chOff x="0" y="0"/>
+          <a:chExt cx="0" cy="0"/>
+        </a:xfrm>
+      </p:grpSpPr>
+      <p:sp>
+        <p:nvSpPr>
+          <p:cNvPr id="2" name="Folienbildplatzhalter 1"/>
+          <p:cNvSpPr>
+            <a:spLocks noGrp="1" noRot="1" noChangeAspect="1"/>
+          </p:cNvSpPr>
+          <p:nvPr>
+            <p:ph type="sldImg"/>
+          </p:nvPr>
+        </p:nvSpPr>
+        <p:spPr/>
+      </p:sp>
+      <p:sp>
+        <p:nvSpPr>
+          <p:cNvPr id="3" name="Notizenplatzhalter 2"/>
+          <p:cNvSpPr>
+            <a:spLocks noGrp="1"/>
+          </p:cNvSpPr>
+          <p:nvPr>
+            <p:ph type="body" idx="1"/>
+          </p:nvPr>
+        </p:nvSpPr>
+        <p:spPr/>
+        <p:txBody>
+          <a:bodyPr/>
+          <a:lstStyle/>
+          <a:p>
+            <a:r>
+              <a:rPr lang="de-DE" dirty="0"/>
+              <a:t>Treiber sind gut um die REST </a:t>
+            </a:r>
+            <a:r>
+              <a:rPr lang="de-DE" dirty="0" err="1"/>
+              <a:t>requests</a:t>
+            </a:r>
+            <a:r>
+              <a:rPr lang="de-DE" dirty="0"/>
+              <a:t> nicht selbst implementieren zu müssen. </a:t>
+            </a:r>
+          </a:p>
+          <a:p>
+            <a:r>
+              <a:rPr lang="de-DE" dirty="0"/>
+              <a:t>Meiste aktuelle Programmiersprachen werden von MongoDB unterstützt.</a:t>
+            </a:r>
+          </a:p>
+          <a:p>
+            <a:r>
+              <a:rPr lang="de-DE" dirty="0"/>
+              <a:t>Selbst Programmiersprachen wie Haskell werden von der Community unterstützt</a:t>
+            </a:r>
+            <a:endParaRPr lang="en-GB" dirty="0"/>
+          </a:p>
+        </p:txBody>
+      </p:sp>
+      <p:sp>
+        <p:nvSpPr>
+          <p:cNvPr id="4" name="Foliennummernplatzhalter 3"/>
+          <p:cNvSpPr>
+            <a:spLocks noGrp="1"/>
+          </p:cNvSpPr>
+          <p:nvPr>
+            <p:ph type="sldNum" sz="quarter" idx="5"/>
+          </p:nvPr>
+        </p:nvSpPr>
+        <p:spPr/>
+        <p:txBody>
+          <a:bodyPr/>
+          <a:lstStyle/>
+          <a:p>
+            <a:fld id="{4C416D00-CE6F-4315-92D5-7C9B9CFBC6A4}" type="slidenum">
+              <a:rPr lang="en-GB" smtClean="0"/>
+              <a:t>13</a:t>
+            </a:fld>
+            <a:endParaRPr lang="en-GB"/>
+          </a:p>
+        </p:txBody>
+      </p:sp>
+    </p:spTree>
+    <p:extLst>
+      <p:ext uri="{BB962C8B-B14F-4D97-AF65-F5344CB8AC3E}">
+        <p14:creationId xmlns:p14="http://schemas.microsoft.com/office/powerpoint/2010/main" val="3933483134"/>
       </p:ext>
     </p:extLst>
   </p:cSld>
@@ -10325,13 +10739,13 @@
   <p:clrMapOvr>
     <a:masterClrMapping/>
   </p:clrMapOvr>
-  <mc:AlternateContent xmlns:mc="http://schemas.openxmlformats.org/markup-compatibility/2006">
-    <mc:Choice xmlns:p14="http://schemas.microsoft.com/office/powerpoint/2010/main" Requires="p14">
+  <mc:AlternateContent xmlns:mc="http://schemas.openxmlformats.org/markup-compatibility/2006" xmlns:p14="http://schemas.microsoft.com/office/powerpoint/2010/main">
+    <mc:Choice Requires="p14">
       <p:transition spd="med" p14:dur="700">
         <p:fade/>
       </p:transition>
     </mc:Choice>
-    <mc:Fallback>
+    <mc:Fallback xmlns="">
       <p:transition spd="med">
         <p:fade/>
       </p:transition>
@@ -15414,13 +15828,13 @@
     <a:masterClrMapping/>
   </p:clrMapOvr>
   <mc:AlternateContent xmlns:mc="http://schemas.openxmlformats.org/markup-compatibility/2006">
-    <mc:Choice xmlns:p14="http://schemas.microsoft.com/office/powerpoint/2010/main" Requires="p14">
-      <p:transition spd="med" p14:dur="700">
-        <p:fade/>
+    <mc:Choice xmlns:p159="http://schemas.microsoft.com/office/powerpoint/2015/09/main" Requires="p159">
+      <p:transition xmlns:p14="http://schemas.microsoft.com/office/powerpoint/2010/main" spd="slow" p14:dur="2000">
+        <p159:morph option="byObject"/>
       </p:transition>
     </mc:Choice>
     <mc:Fallback>
-      <p:transition spd="med">
+      <p:transition spd="slow">
         <p:fade/>
       </p:transition>
     </mc:Fallback>
@@ -15610,6 +16024,18 @@
   <p:clrMapOvr>
     <a:masterClrMapping/>
   </p:clrMapOvr>
+  <mc:AlternateContent xmlns:mc="http://schemas.openxmlformats.org/markup-compatibility/2006">
+    <mc:Choice xmlns:p159="http://schemas.microsoft.com/office/powerpoint/2015/09/main" Requires="p159">
+      <p:transition xmlns:p14="http://schemas.microsoft.com/office/powerpoint/2010/main" spd="slow" p14:dur="2000">
+        <p159:morph option="byObject"/>
+      </p:transition>
+    </mc:Choice>
+    <mc:Fallback>
+      <p:transition spd="slow">
+        <p:fade/>
+      </p:transition>
+    </mc:Fallback>
+  </mc:AlternateContent>
   <p:timing>
     <p:tnLst>
       <p:par>
@@ -15696,6 +16122,1503 @@
 </p:sld>
 </file>
 
+<file path=ppt/slides/slide11.xml><?xml version="1.0" encoding="utf-8"?>
+<p:sld xmlns:a="http://schemas.openxmlformats.org/drawingml/2006/main" xmlns:r="http://schemas.openxmlformats.org/officeDocument/2006/relationships" xmlns:p="http://schemas.openxmlformats.org/presentationml/2006/main">
+  <p:cSld>
+    <p:spTree>
+      <p:nvGrpSpPr>
+        <p:cNvPr id="1" name=""/>
+        <p:cNvGrpSpPr/>
+        <p:nvPr/>
+      </p:nvGrpSpPr>
+      <p:grpSpPr>
+        <a:xfrm>
+          <a:off x="0" y="0"/>
+          <a:ext cx="0" cy="0"/>
+          <a:chOff x="0" y="0"/>
+          <a:chExt cx="0" cy="0"/>
+        </a:xfrm>
+      </p:grpSpPr>
+      <p:sp>
+        <p:nvSpPr>
+          <p:cNvPr id="2" name="Titel 1">
+            <a:extLst>
+              <a:ext uri="{FF2B5EF4-FFF2-40B4-BE49-F238E27FC236}">
+                <a16:creationId xmlns:a16="http://schemas.microsoft.com/office/drawing/2014/main" id="{7FEBD078-AE7C-4475-8379-70C882200C38}"/>
+              </a:ext>
+            </a:extLst>
+          </p:cNvPr>
+          <p:cNvSpPr>
+            <a:spLocks noGrp="1"/>
+          </p:cNvSpPr>
+          <p:nvPr>
+            <p:ph type="ctrTitle"/>
+          </p:nvPr>
+        </p:nvSpPr>
+        <p:spPr/>
+        <p:txBody>
+          <a:bodyPr/>
+          <a:lstStyle/>
+          <a:p>
+            <a:r>
+              <a:rPr lang="de-DE" dirty="0"/>
+              <a:t>MongoDB</a:t>
+            </a:r>
+            <a:endParaRPr lang="en-GB" dirty="0"/>
+          </a:p>
+        </p:txBody>
+      </p:sp>
+      <p:sp>
+        <p:nvSpPr>
+          <p:cNvPr id="3" name="Untertitel 2">
+            <a:extLst>
+              <a:ext uri="{FF2B5EF4-FFF2-40B4-BE49-F238E27FC236}">
+                <a16:creationId xmlns:a16="http://schemas.microsoft.com/office/drawing/2014/main" id="{79F364D8-A428-49B2-A98C-6BFFBF71D29C}"/>
+              </a:ext>
+            </a:extLst>
+          </p:cNvPr>
+          <p:cNvSpPr>
+            <a:spLocks noGrp="1"/>
+          </p:cNvSpPr>
+          <p:nvPr>
+            <p:ph type="subTitle" idx="1"/>
+          </p:nvPr>
+        </p:nvSpPr>
+        <p:spPr/>
+        <p:txBody>
+          <a:bodyPr/>
+          <a:lstStyle/>
+          <a:p>
+            <a:endParaRPr lang="en-GB"/>
+          </a:p>
+        </p:txBody>
+      </p:sp>
+    </p:spTree>
+    <p:extLst>
+      <p:ext uri="{BB962C8B-B14F-4D97-AF65-F5344CB8AC3E}">
+        <p14:creationId xmlns:p14="http://schemas.microsoft.com/office/powerpoint/2010/main" val="2258103023"/>
+      </p:ext>
+    </p:extLst>
+  </p:cSld>
+  <p:clrMapOvr>
+    <a:masterClrMapping/>
+  </p:clrMapOvr>
+  <mc:AlternateContent xmlns:mc="http://schemas.openxmlformats.org/markup-compatibility/2006">
+    <mc:Choice xmlns:p159="http://schemas.microsoft.com/office/powerpoint/2015/09/main" Requires="p159">
+      <p:transition xmlns:p14="http://schemas.microsoft.com/office/powerpoint/2010/main" spd="slow" p14:dur="2000">
+        <p159:morph option="byObject"/>
+      </p:transition>
+    </mc:Choice>
+    <mc:Fallback>
+      <p:transition spd="slow">
+        <p:fade/>
+      </p:transition>
+    </mc:Fallback>
+  </mc:AlternateContent>
+</p:sld>
+</file>
+
+<file path=ppt/slides/slide12.xml><?xml version="1.0" encoding="utf-8"?>
+<p:sld xmlns:a="http://schemas.openxmlformats.org/drawingml/2006/main" xmlns:r="http://schemas.openxmlformats.org/officeDocument/2006/relationships" xmlns:p="http://schemas.openxmlformats.org/presentationml/2006/main">
+  <p:cSld>
+    <p:spTree>
+      <p:nvGrpSpPr>
+        <p:cNvPr id="1" name=""/>
+        <p:cNvGrpSpPr/>
+        <p:nvPr/>
+      </p:nvGrpSpPr>
+      <p:grpSpPr>
+        <a:xfrm>
+          <a:off x="0" y="0"/>
+          <a:ext cx="0" cy="0"/>
+          <a:chOff x="0" y="0"/>
+          <a:chExt cx="0" cy="0"/>
+        </a:xfrm>
+      </p:grpSpPr>
+      <p:sp>
+        <p:nvSpPr>
+          <p:cNvPr id="2" name="Inhaltsplatzhalter 1">
+            <a:extLst>
+              <a:ext uri="{FF2B5EF4-FFF2-40B4-BE49-F238E27FC236}">
+                <a16:creationId xmlns:a16="http://schemas.microsoft.com/office/drawing/2014/main" id="{20208C26-478C-40D1-894B-ABC614C42690}"/>
+              </a:ext>
+            </a:extLst>
+          </p:cNvPr>
+          <p:cNvSpPr>
+            <a:spLocks noGrp="1"/>
+          </p:cNvSpPr>
+          <p:nvPr>
+            <p:ph idx="1"/>
+          </p:nvPr>
+        </p:nvSpPr>
+        <p:spPr/>
+        <p:txBody>
+          <a:bodyPr/>
+          <a:lstStyle/>
+          <a:p>
+            <a:endParaRPr lang="de-DE" dirty="0"/>
+          </a:p>
+          <a:p>
+            <a:r>
+              <a:rPr lang="de-DE" dirty="0"/>
+              <a:t>REST Schnittstelle über Port </a:t>
+            </a:r>
+            <a:r>
+              <a:rPr lang="en-GB" dirty="0"/>
+              <a:t>27017</a:t>
+            </a:r>
+            <a:endParaRPr lang="de-DE" dirty="0"/>
+          </a:p>
+          <a:p>
+            <a:r>
+              <a:rPr lang="de-DE" dirty="0"/>
+              <a:t>MongoDBs integrierte Abfragesprache ist JavaScript</a:t>
+            </a:r>
+          </a:p>
+          <a:p>
+            <a:r>
+              <a:rPr lang="en-GB" dirty="0" err="1"/>
+              <a:t>MongoDBs</a:t>
+            </a:r>
+            <a:r>
+              <a:rPr lang="en-GB" dirty="0"/>
+              <a:t> shell </a:t>
+            </a:r>
+            <a:r>
+              <a:rPr lang="en-GB" dirty="0" err="1"/>
+              <a:t>ist</a:t>
+            </a:r>
+            <a:r>
+              <a:rPr lang="en-GB" dirty="0"/>
+              <a:t> </a:t>
+            </a:r>
+            <a:r>
+              <a:rPr lang="en-GB" dirty="0" err="1"/>
+              <a:t>somit</a:t>
+            </a:r>
+            <a:r>
+              <a:rPr lang="en-GB" dirty="0"/>
+              <a:t> </a:t>
+            </a:r>
+            <a:r>
+              <a:rPr lang="en-GB" dirty="0" err="1"/>
+              <a:t>eine</a:t>
+            </a:r>
+            <a:r>
+              <a:rPr lang="en-GB" dirty="0"/>
+              <a:t> interactive JavaScript </a:t>
+            </a:r>
+            <a:r>
+              <a:rPr lang="en-GB" dirty="0" err="1"/>
+              <a:t>Umgebung</a:t>
+            </a:r>
+            <a:endParaRPr lang="en-GB" dirty="0"/>
+          </a:p>
+          <a:p>
+            <a:r>
+              <a:rPr lang="en-GB" dirty="0" err="1"/>
+              <a:t>Eigentliche</a:t>
+            </a:r>
+            <a:r>
+              <a:rPr lang="en-GB" dirty="0"/>
+              <a:t> </a:t>
+            </a:r>
+            <a:r>
+              <a:rPr lang="en-GB" dirty="0" err="1"/>
+              <a:t>Abfragen</a:t>
+            </a:r>
+            <a:r>
+              <a:rPr lang="en-GB" dirty="0"/>
+              <a:t> </a:t>
+            </a:r>
+            <a:r>
+              <a:rPr lang="en-GB" dirty="0" err="1"/>
+              <a:t>sind</a:t>
+            </a:r>
+            <a:r>
+              <a:rPr lang="en-GB" dirty="0"/>
+              <a:t> </a:t>
+            </a:r>
+            <a:r>
+              <a:rPr lang="en-GB" dirty="0" err="1"/>
+              <a:t>dann</a:t>
+            </a:r>
+            <a:r>
+              <a:rPr lang="en-GB" dirty="0"/>
+              <a:t> JSON</a:t>
+            </a:r>
+          </a:p>
+        </p:txBody>
+      </p:sp>
+      <p:sp>
+        <p:nvSpPr>
+          <p:cNvPr id="3" name="Datumsplatzhalter 2">
+            <a:extLst>
+              <a:ext uri="{FF2B5EF4-FFF2-40B4-BE49-F238E27FC236}">
+                <a16:creationId xmlns:a16="http://schemas.microsoft.com/office/drawing/2014/main" id="{474A41E5-A596-4D05-A625-10DC8131AA81}"/>
+              </a:ext>
+            </a:extLst>
+          </p:cNvPr>
+          <p:cNvSpPr>
+            <a:spLocks noGrp="1"/>
+          </p:cNvSpPr>
+          <p:nvPr>
+            <p:ph type="dt" sz="half" idx="10"/>
+          </p:nvPr>
+        </p:nvSpPr>
+        <p:spPr/>
+        <p:txBody>
+          <a:bodyPr/>
+          <a:lstStyle/>
+          <a:p>
+            <a:fld id="{651B85B5-C028-4797-999F-2256A4317902}" type="datetime1">
+              <a:rPr lang="de-DE" smtClean="0"/>
+              <a:t>29.04.2020</a:t>
+            </a:fld>
+            <a:endParaRPr lang="en-GB"/>
+          </a:p>
+        </p:txBody>
+      </p:sp>
+      <p:sp>
+        <p:nvSpPr>
+          <p:cNvPr id="4" name="Fußzeilenplatzhalter 3">
+            <a:extLst>
+              <a:ext uri="{FF2B5EF4-FFF2-40B4-BE49-F238E27FC236}">
+                <a16:creationId xmlns:a16="http://schemas.microsoft.com/office/drawing/2014/main" id="{104A08D0-AAF8-4902-89AC-2B92CC3A6004}"/>
+              </a:ext>
+            </a:extLst>
+          </p:cNvPr>
+          <p:cNvSpPr>
+            <a:spLocks noGrp="1"/>
+          </p:cNvSpPr>
+          <p:nvPr>
+            <p:ph type="ftr" sz="quarter" idx="11"/>
+          </p:nvPr>
+        </p:nvSpPr>
+        <p:spPr/>
+        <p:txBody>
+          <a:bodyPr/>
+          <a:lstStyle/>
+          <a:p>
+            <a:r>
+              <a:rPr lang="en-GB"/>
+              <a:t>Document Stores - Victor Wolf</a:t>
+            </a:r>
+          </a:p>
+        </p:txBody>
+      </p:sp>
+      <p:sp>
+        <p:nvSpPr>
+          <p:cNvPr id="5" name="Foliennummernplatzhalter 4">
+            <a:extLst>
+              <a:ext uri="{FF2B5EF4-FFF2-40B4-BE49-F238E27FC236}">
+                <a16:creationId xmlns:a16="http://schemas.microsoft.com/office/drawing/2014/main" id="{BF628400-1A57-40C8-A0CB-CA1D63B3A93F}"/>
+              </a:ext>
+            </a:extLst>
+          </p:cNvPr>
+          <p:cNvSpPr>
+            <a:spLocks noGrp="1"/>
+          </p:cNvSpPr>
+          <p:nvPr>
+            <p:ph type="sldNum" sz="quarter" idx="12"/>
+          </p:nvPr>
+        </p:nvSpPr>
+        <p:spPr/>
+        <p:txBody>
+          <a:bodyPr/>
+          <a:lstStyle/>
+          <a:p>
+            <a:fld id="{83E1CBDC-688B-449B-A4B9-E4A634A960D0}" type="slidenum">
+              <a:rPr lang="en-GB" smtClean="0"/>
+              <a:t>12</a:t>
+            </a:fld>
+            <a:endParaRPr lang="en-GB"/>
+          </a:p>
+        </p:txBody>
+      </p:sp>
+      <p:sp>
+        <p:nvSpPr>
+          <p:cNvPr id="6" name="Titel 5">
+            <a:extLst>
+              <a:ext uri="{FF2B5EF4-FFF2-40B4-BE49-F238E27FC236}">
+                <a16:creationId xmlns:a16="http://schemas.microsoft.com/office/drawing/2014/main" id="{73D83E50-995E-4984-8C09-8A6CF305AD72}"/>
+              </a:ext>
+            </a:extLst>
+          </p:cNvPr>
+          <p:cNvSpPr>
+            <a:spLocks noGrp="1"/>
+          </p:cNvSpPr>
+          <p:nvPr>
+            <p:ph type="title"/>
+          </p:nvPr>
+        </p:nvSpPr>
+        <p:spPr/>
+        <p:txBody>
+          <a:bodyPr/>
+          <a:lstStyle/>
+          <a:p>
+            <a:r>
+              <a:rPr lang="de-DE" dirty="0"/>
+              <a:t>API - Abfragesprache </a:t>
+            </a:r>
+            <a:endParaRPr lang="en-GB" dirty="0"/>
+          </a:p>
+        </p:txBody>
+      </p:sp>
+      <p:pic>
+        <p:nvPicPr>
+          <p:cNvPr id="7" name="Grafik 6">
+            <a:extLst>
+              <a:ext uri="{FF2B5EF4-FFF2-40B4-BE49-F238E27FC236}">
+                <a16:creationId xmlns:a16="http://schemas.microsoft.com/office/drawing/2014/main" id="{09447FB2-969B-4CB9-A729-F0F59F3F0135}"/>
+              </a:ext>
+            </a:extLst>
+          </p:cNvPr>
+          <p:cNvPicPr>
+            <a:picLocks noChangeAspect="1"/>
+          </p:cNvPicPr>
+          <p:nvPr/>
+        </p:nvPicPr>
+        <p:blipFill>
+          <a:blip r:embed="rId3"/>
+          <a:stretch>
+            <a:fillRect/>
+          </a:stretch>
+        </p:blipFill>
+        <p:spPr>
+          <a:xfrm>
+            <a:off x="935222" y="4414837"/>
+            <a:ext cx="7181850" cy="771525"/>
+          </a:xfrm>
+          <a:prstGeom prst="rect">
+            <a:avLst/>
+          </a:prstGeom>
+        </p:spPr>
+      </p:pic>
+    </p:spTree>
+    <p:extLst>
+      <p:ext uri="{BB962C8B-B14F-4D97-AF65-F5344CB8AC3E}">
+        <p14:creationId xmlns:p14="http://schemas.microsoft.com/office/powerpoint/2010/main" val="1087557312"/>
+      </p:ext>
+    </p:extLst>
+  </p:cSld>
+  <p:clrMapOvr>
+    <a:masterClrMapping/>
+  </p:clrMapOvr>
+  <mc:AlternateContent xmlns:mc="http://schemas.openxmlformats.org/markup-compatibility/2006">
+    <mc:Choice xmlns:p159="http://schemas.microsoft.com/office/powerpoint/2015/09/main" Requires="p159">
+      <p:transition xmlns:p14="http://schemas.microsoft.com/office/powerpoint/2010/main" spd="slow" p14:dur="2000">
+        <p159:morph option="byObject"/>
+      </p:transition>
+    </mc:Choice>
+    <mc:Fallback>
+      <p:transition spd="slow">
+        <p:fade/>
+      </p:transition>
+    </mc:Fallback>
+  </mc:AlternateContent>
+</p:sld>
+</file>
+
+<file path=ppt/slides/slide13.xml><?xml version="1.0" encoding="utf-8"?>
+<p:sld xmlns:a="http://schemas.openxmlformats.org/drawingml/2006/main" xmlns:r="http://schemas.openxmlformats.org/officeDocument/2006/relationships" xmlns:p="http://schemas.openxmlformats.org/presentationml/2006/main">
+  <p:cSld>
+    <p:spTree>
+      <p:nvGrpSpPr>
+        <p:cNvPr id="1" name=""/>
+        <p:cNvGrpSpPr/>
+        <p:nvPr/>
+      </p:nvGrpSpPr>
+      <p:grpSpPr>
+        <a:xfrm>
+          <a:off x="0" y="0"/>
+          <a:ext cx="0" cy="0"/>
+          <a:chOff x="0" y="0"/>
+          <a:chExt cx="0" cy="0"/>
+        </a:xfrm>
+      </p:grpSpPr>
+      <p:pic>
+        <p:nvPicPr>
+          <p:cNvPr id="8" name="Inhaltsplatzhalter 7" descr="Ein Bild, das Uhr enthält.&#10;&#10;Automatisch generierte Beschreibung">
+            <a:extLst>
+              <a:ext uri="{FF2B5EF4-FFF2-40B4-BE49-F238E27FC236}">
+                <a16:creationId xmlns:a16="http://schemas.microsoft.com/office/drawing/2014/main" id="{145F1E83-AF10-4FCF-A400-A598C6B760F7}"/>
+              </a:ext>
+            </a:extLst>
+          </p:cNvPr>
+          <p:cNvPicPr>
+            <a:picLocks noGrp="1" noChangeAspect="1"/>
+          </p:cNvPicPr>
+          <p:nvPr>
+            <p:ph idx="1"/>
+          </p:nvPr>
+        </p:nvPicPr>
+        <p:blipFill>
+          <a:blip r:embed="rId3">
+            <a:extLst>
+              <a:ext uri="{28A0092B-C50C-407E-A947-70E740481C1C}">
+                <a14:useLocalDpi xmlns:a14="http://schemas.microsoft.com/office/drawing/2010/main" val="0"/>
+              </a:ext>
+            </a:extLst>
+          </a:blip>
+          <a:stretch>
+            <a:fillRect/>
+          </a:stretch>
+        </p:blipFill>
+        <p:spPr>
+          <a:xfrm rot="20694624">
+            <a:off x="884923" y="1867703"/>
+            <a:ext cx="1838299" cy="1838299"/>
+          </a:xfrm>
+        </p:spPr>
+      </p:pic>
+      <p:sp>
+        <p:nvSpPr>
+          <p:cNvPr id="3" name="Datumsplatzhalter 2">
+            <a:extLst>
+              <a:ext uri="{FF2B5EF4-FFF2-40B4-BE49-F238E27FC236}">
+                <a16:creationId xmlns:a16="http://schemas.microsoft.com/office/drawing/2014/main" id="{26A7DC0B-E350-4D07-93E1-009DA9DDA674}"/>
+              </a:ext>
+            </a:extLst>
+          </p:cNvPr>
+          <p:cNvSpPr>
+            <a:spLocks noGrp="1"/>
+          </p:cNvSpPr>
+          <p:nvPr>
+            <p:ph type="dt" sz="half" idx="10"/>
+          </p:nvPr>
+        </p:nvSpPr>
+        <p:spPr/>
+        <p:txBody>
+          <a:bodyPr/>
+          <a:lstStyle/>
+          <a:p>
+            <a:fld id="{651B85B5-C028-4797-999F-2256A4317902}" type="datetime1">
+              <a:rPr lang="de-DE" smtClean="0"/>
+              <a:t>29.04.2020</a:t>
+            </a:fld>
+            <a:endParaRPr lang="en-GB"/>
+          </a:p>
+        </p:txBody>
+      </p:sp>
+      <p:sp>
+        <p:nvSpPr>
+          <p:cNvPr id="4" name="Fußzeilenplatzhalter 3">
+            <a:extLst>
+              <a:ext uri="{FF2B5EF4-FFF2-40B4-BE49-F238E27FC236}">
+                <a16:creationId xmlns:a16="http://schemas.microsoft.com/office/drawing/2014/main" id="{E6ADD472-D4E4-4C39-8236-CC6E06270A75}"/>
+              </a:ext>
+            </a:extLst>
+          </p:cNvPr>
+          <p:cNvSpPr>
+            <a:spLocks noGrp="1"/>
+          </p:cNvSpPr>
+          <p:nvPr>
+            <p:ph type="ftr" sz="quarter" idx="11"/>
+          </p:nvPr>
+        </p:nvSpPr>
+        <p:spPr/>
+        <p:txBody>
+          <a:bodyPr/>
+          <a:lstStyle/>
+          <a:p>
+            <a:r>
+              <a:rPr lang="en-GB"/>
+              <a:t>Document Stores - Victor Wolf</a:t>
+            </a:r>
+          </a:p>
+        </p:txBody>
+      </p:sp>
+      <p:sp>
+        <p:nvSpPr>
+          <p:cNvPr id="5" name="Foliennummernplatzhalter 4">
+            <a:extLst>
+              <a:ext uri="{FF2B5EF4-FFF2-40B4-BE49-F238E27FC236}">
+                <a16:creationId xmlns:a16="http://schemas.microsoft.com/office/drawing/2014/main" id="{0288545F-8AB9-4E5D-A534-935F0884B8F2}"/>
+              </a:ext>
+            </a:extLst>
+          </p:cNvPr>
+          <p:cNvSpPr>
+            <a:spLocks noGrp="1"/>
+          </p:cNvSpPr>
+          <p:nvPr>
+            <p:ph type="sldNum" sz="quarter" idx="12"/>
+          </p:nvPr>
+        </p:nvSpPr>
+        <p:spPr/>
+        <p:txBody>
+          <a:bodyPr/>
+          <a:lstStyle/>
+          <a:p>
+            <a:fld id="{83E1CBDC-688B-449B-A4B9-E4A634A960D0}" type="slidenum">
+              <a:rPr lang="en-GB" smtClean="0"/>
+              <a:t>13</a:t>
+            </a:fld>
+            <a:endParaRPr lang="en-GB"/>
+          </a:p>
+        </p:txBody>
+      </p:sp>
+      <p:sp>
+        <p:nvSpPr>
+          <p:cNvPr id="6" name="Titel 5">
+            <a:extLst>
+              <a:ext uri="{FF2B5EF4-FFF2-40B4-BE49-F238E27FC236}">
+                <a16:creationId xmlns:a16="http://schemas.microsoft.com/office/drawing/2014/main" id="{8825C453-830B-43BD-A269-8E756E601628}"/>
+              </a:ext>
+            </a:extLst>
+          </p:cNvPr>
+          <p:cNvSpPr>
+            <a:spLocks noGrp="1"/>
+          </p:cNvSpPr>
+          <p:nvPr>
+            <p:ph type="title"/>
+          </p:nvPr>
+        </p:nvSpPr>
+        <p:spPr/>
+        <p:txBody>
+          <a:bodyPr/>
+          <a:lstStyle/>
+          <a:p>
+            <a:r>
+              <a:rPr lang="de-DE" dirty="0"/>
+              <a:t>API - Treiber</a:t>
+            </a:r>
+            <a:endParaRPr lang="en-GB" dirty="0"/>
+          </a:p>
+        </p:txBody>
+      </p:sp>
+      <p:pic>
+        <p:nvPicPr>
+          <p:cNvPr id="18" name="Grafik 17" descr="Ein Bild, das Zeichnung enthält.&#10;&#10;Automatisch generierte Beschreibung">
+            <a:extLst>
+              <a:ext uri="{FF2B5EF4-FFF2-40B4-BE49-F238E27FC236}">
+                <a16:creationId xmlns:a16="http://schemas.microsoft.com/office/drawing/2014/main" id="{C0C0B092-57DC-4DD6-A7E2-C5C498EC7CAE}"/>
+              </a:ext>
+            </a:extLst>
+          </p:cNvPr>
+          <p:cNvPicPr>
+            <a:picLocks noChangeAspect="1"/>
+          </p:cNvPicPr>
+          <p:nvPr/>
+        </p:nvPicPr>
+        <p:blipFill>
+          <a:blip r:embed="rId4">
+            <a:extLst>
+              <a:ext uri="{28A0092B-C50C-407E-A947-70E740481C1C}">
+                <a14:useLocalDpi xmlns:a14="http://schemas.microsoft.com/office/drawing/2010/main" val="0"/>
+              </a:ext>
+            </a:extLst>
+          </a:blip>
+          <a:stretch>
+            <a:fillRect/>
+          </a:stretch>
+        </p:blipFill>
+        <p:spPr>
+          <a:xfrm rot="21248478">
+            <a:off x="3609128" y="1554190"/>
+            <a:ext cx="1370244" cy="1593466"/>
+          </a:xfrm>
+          <a:prstGeom prst="rect">
+            <a:avLst/>
+          </a:prstGeom>
+        </p:spPr>
+      </p:pic>
+      <p:pic>
+        <p:nvPicPr>
+          <p:cNvPr id="20" name="Grafik 19" descr="Ein Bild, das Zeichnung enthält.&#10;&#10;Automatisch generierte Beschreibung">
+            <a:extLst>
+              <a:ext uri="{FF2B5EF4-FFF2-40B4-BE49-F238E27FC236}">
+                <a16:creationId xmlns:a16="http://schemas.microsoft.com/office/drawing/2014/main" id="{CE286645-EF5B-45B6-AEF7-C553E1F08E1F}"/>
+              </a:ext>
+            </a:extLst>
+          </p:cNvPr>
+          <p:cNvPicPr>
+            <a:picLocks noChangeAspect="1"/>
+          </p:cNvPicPr>
+          <p:nvPr/>
+        </p:nvPicPr>
+        <p:blipFill>
+          <a:blip r:embed="rId5">
+            <a:extLst>
+              <a:ext uri="{28A0092B-C50C-407E-A947-70E740481C1C}">
+                <a14:useLocalDpi xmlns:a14="http://schemas.microsoft.com/office/drawing/2010/main" val="0"/>
+              </a:ext>
+            </a:extLst>
+          </a:blip>
+          <a:stretch>
+            <a:fillRect/>
+          </a:stretch>
+        </p:blipFill>
+        <p:spPr>
+          <a:xfrm rot="406942">
+            <a:off x="3125885" y="3755524"/>
+            <a:ext cx="1176511" cy="1320800"/>
+          </a:xfrm>
+          <a:prstGeom prst="rect">
+            <a:avLst/>
+          </a:prstGeom>
+        </p:spPr>
+      </p:pic>
+      <p:pic>
+        <p:nvPicPr>
+          <p:cNvPr id="22" name="Grafik 21" descr="Ein Bild, das Zeichnung, Essen enthält.&#10;&#10;Automatisch generierte Beschreibung">
+            <a:extLst>
+              <a:ext uri="{FF2B5EF4-FFF2-40B4-BE49-F238E27FC236}">
+                <a16:creationId xmlns:a16="http://schemas.microsoft.com/office/drawing/2014/main" id="{A88372E3-FA9D-4A7E-8733-0E113E70E359}"/>
+              </a:ext>
+            </a:extLst>
+          </p:cNvPr>
+          <p:cNvPicPr>
+            <a:picLocks noChangeAspect="1"/>
+          </p:cNvPicPr>
+          <p:nvPr/>
+        </p:nvPicPr>
+        <p:blipFill>
+          <a:blip r:embed="rId6">
+            <a:extLst>
+              <a:ext uri="{28A0092B-C50C-407E-A947-70E740481C1C}">
+                <a14:useLocalDpi xmlns:a14="http://schemas.microsoft.com/office/drawing/2010/main" val="0"/>
+              </a:ext>
+            </a:extLst>
+          </a:blip>
+          <a:stretch>
+            <a:fillRect/>
+          </a:stretch>
+        </p:blipFill>
+        <p:spPr>
+          <a:xfrm>
+            <a:off x="5346545" y="2586557"/>
+            <a:ext cx="1552575" cy="2943225"/>
+          </a:xfrm>
+          <a:prstGeom prst="rect">
+            <a:avLst/>
+          </a:prstGeom>
+        </p:spPr>
+      </p:pic>
+      <p:pic>
+        <p:nvPicPr>
+          <p:cNvPr id="24" name="Grafik 23" descr="Ein Bild, das Zeichnung, Teller enthält.&#10;&#10;Automatisch generierte Beschreibung">
+            <a:extLst>
+              <a:ext uri="{FF2B5EF4-FFF2-40B4-BE49-F238E27FC236}">
+                <a16:creationId xmlns:a16="http://schemas.microsoft.com/office/drawing/2014/main" id="{83CF546F-CB9A-42F8-B577-49D1AF5C568E}"/>
+              </a:ext>
+            </a:extLst>
+          </p:cNvPr>
+          <p:cNvPicPr>
+            <a:picLocks noChangeAspect="1"/>
+          </p:cNvPicPr>
+          <p:nvPr/>
+        </p:nvPicPr>
+        <p:blipFill>
+          <a:blip r:embed="rId7">
+            <a:extLst>
+              <a:ext uri="{28A0092B-C50C-407E-A947-70E740481C1C}">
+                <a14:useLocalDpi xmlns:a14="http://schemas.microsoft.com/office/drawing/2010/main" val="0"/>
+              </a:ext>
+            </a:extLst>
+          </a:blip>
+          <a:stretch>
+            <a:fillRect/>
+          </a:stretch>
+        </p:blipFill>
+        <p:spPr>
+          <a:xfrm>
+            <a:off x="5368322" y="742946"/>
+            <a:ext cx="2311456" cy="1219312"/>
+          </a:xfrm>
+          <a:prstGeom prst="rect">
+            <a:avLst/>
+          </a:prstGeom>
+        </p:spPr>
+      </p:pic>
+      <p:pic>
+        <p:nvPicPr>
+          <p:cNvPr id="26" name="Grafik 25" descr="Ein Bild, das Essen enthält.&#10;&#10;Automatisch generierte Beschreibung">
+            <a:extLst>
+              <a:ext uri="{FF2B5EF4-FFF2-40B4-BE49-F238E27FC236}">
+                <a16:creationId xmlns:a16="http://schemas.microsoft.com/office/drawing/2014/main" id="{CF04CFBC-739A-4DF7-92F5-4869A1967686}"/>
+              </a:ext>
+            </a:extLst>
+          </p:cNvPr>
+          <p:cNvPicPr>
+            <a:picLocks noChangeAspect="1"/>
+          </p:cNvPicPr>
+          <p:nvPr/>
+        </p:nvPicPr>
+        <p:blipFill>
+          <a:blip r:embed="rId8">
+            <a:extLst>
+              <a:ext uri="{28A0092B-C50C-407E-A947-70E740481C1C}">
+                <a14:useLocalDpi xmlns:a14="http://schemas.microsoft.com/office/drawing/2010/main" val="0"/>
+              </a:ext>
+            </a:extLst>
+          </a:blip>
+          <a:stretch>
+            <a:fillRect/>
+          </a:stretch>
+        </p:blipFill>
+        <p:spPr>
+          <a:xfrm rot="1572962">
+            <a:off x="6899999" y="2647895"/>
+            <a:ext cx="2764153" cy="1132574"/>
+          </a:xfrm>
+          <a:prstGeom prst="rect">
+            <a:avLst/>
+          </a:prstGeom>
+        </p:spPr>
+      </p:pic>
+    </p:spTree>
+    <p:extLst>
+      <p:ext uri="{BB962C8B-B14F-4D97-AF65-F5344CB8AC3E}">
+        <p14:creationId xmlns:p14="http://schemas.microsoft.com/office/powerpoint/2010/main" val="2016066524"/>
+      </p:ext>
+    </p:extLst>
+  </p:cSld>
+  <p:clrMapOvr>
+    <a:masterClrMapping/>
+  </p:clrMapOvr>
+  <mc:AlternateContent xmlns:mc="http://schemas.openxmlformats.org/markup-compatibility/2006">
+    <mc:Choice xmlns:p159="http://schemas.microsoft.com/office/powerpoint/2015/09/main" Requires="p159">
+      <p:transition xmlns:p14="http://schemas.microsoft.com/office/powerpoint/2010/main" spd="slow" p14:dur="2000">
+        <p159:morph option="byObject"/>
+      </p:transition>
+    </mc:Choice>
+    <mc:Fallback>
+      <p:transition spd="slow">
+        <p:fade/>
+      </p:transition>
+    </mc:Fallback>
+  </mc:AlternateContent>
+  <p:timing>
+    <p:tnLst>
+      <p:par>
+        <p:cTn id="1" dur="indefinite" restart="never" nodeType="tmRoot">
+          <p:childTnLst>
+            <p:seq concurrent="1" nextAc="seek">
+              <p:cTn id="2" dur="indefinite" nodeType="mainSeq">
+                <p:childTnLst>
+                  <p:par>
+                    <p:cTn id="3" fill="hold">
+                      <p:stCondLst>
+                        <p:cond delay="indefinite"/>
+                      </p:stCondLst>
+                      <p:childTnLst>
+                        <p:par>
+                          <p:cTn id="4" fill="hold">
+                            <p:stCondLst>
+                              <p:cond delay="0"/>
+                            </p:stCondLst>
+                            <p:childTnLst>
+                              <p:par>
+                                <p:cTn id="5" presetID="10" presetClass="entr" presetSubtype="0" fill="hold" nodeType="clickEffect">
+                                  <p:stCondLst>
+                                    <p:cond delay="0"/>
+                                  </p:stCondLst>
+                                  <p:childTnLst>
+                                    <p:set>
+                                      <p:cBhvr>
+                                        <p:cTn id="6" dur="1" fill="hold">
+                                          <p:stCondLst>
+                                            <p:cond delay="0"/>
+                                          </p:stCondLst>
+                                        </p:cTn>
+                                        <p:tgtEl>
+                                          <p:spTgt spid="8"/>
+                                        </p:tgtEl>
+                                        <p:attrNameLst>
+                                          <p:attrName>style.visibility</p:attrName>
+                                        </p:attrNameLst>
+                                      </p:cBhvr>
+                                      <p:to>
+                                        <p:strVal val="visible"/>
+                                      </p:to>
+                                    </p:set>
+                                    <p:animEffect transition="in" filter="fade">
+                                      <p:cBhvr>
+                                        <p:cTn id="7" dur="500"/>
+                                        <p:tgtEl>
+                                          <p:spTgt spid="8"/>
+                                        </p:tgtEl>
+                                      </p:cBhvr>
+                                    </p:animEffect>
+                                  </p:childTnLst>
+                                </p:cTn>
+                              </p:par>
+                            </p:childTnLst>
+                          </p:cTn>
+                        </p:par>
+                      </p:childTnLst>
+                    </p:cTn>
+                  </p:par>
+                  <p:par>
+                    <p:cTn id="8" fill="hold">
+                      <p:stCondLst>
+                        <p:cond delay="indefinite"/>
+                      </p:stCondLst>
+                      <p:childTnLst>
+                        <p:par>
+                          <p:cTn id="9" fill="hold">
+                            <p:stCondLst>
+                              <p:cond delay="0"/>
+                            </p:stCondLst>
+                            <p:childTnLst>
+                              <p:par>
+                                <p:cTn id="10" presetID="10" presetClass="entr" presetSubtype="0" fill="hold" nodeType="clickEffect">
+                                  <p:stCondLst>
+                                    <p:cond delay="0"/>
+                                  </p:stCondLst>
+                                  <p:childTnLst>
+                                    <p:set>
+                                      <p:cBhvr>
+                                        <p:cTn id="11" dur="1" fill="hold">
+                                          <p:stCondLst>
+                                            <p:cond delay="0"/>
+                                          </p:stCondLst>
+                                        </p:cTn>
+                                        <p:tgtEl>
+                                          <p:spTgt spid="20"/>
+                                        </p:tgtEl>
+                                        <p:attrNameLst>
+                                          <p:attrName>style.visibility</p:attrName>
+                                        </p:attrNameLst>
+                                      </p:cBhvr>
+                                      <p:to>
+                                        <p:strVal val="visible"/>
+                                      </p:to>
+                                    </p:set>
+                                    <p:animEffect transition="in" filter="fade">
+                                      <p:cBhvr>
+                                        <p:cTn id="12" dur="500"/>
+                                        <p:tgtEl>
+                                          <p:spTgt spid="20"/>
+                                        </p:tgtEl>
+                                      </p:cBhvr>
+                                    </p:animEffect>
+                                  </p:childTnLst>
+                                </p:cTn>
+                              </p:par>
+                              <p:par>
+                                <p:cTn id="13" presetID="10" presetClass="entr" presetSubtype="0" fill="hold" nodeType="withEffect">
+                                  <p:stCondLst>
+                                    <p:cond delay="0"/>
+                                  </p:stCondLst>
+                                  <p:childTnLst>
+                                    <p:set>
+                                      <p:cBhvr>
+                                        <p:cTn id="14" dur="1" fill="hold">
+                                          <p:stCondLst>
+                                            <p:cond delay="0"/>
+                                          </p:stCondLst>
+                                        </p:cTn>
+                                        <p:tgtEl>
+                                          <p:spTgt spid="18"/>
+                                        </p:tgtEl>
+                                        <p:attrNameLst>
+                                          <p:attrName>style.visibility</p:attrName>
+                                        </p:attrNameLst>
+                                      </p:cBhvr>
+                                      <p:to>
+                                        <p:strVal val="visible"/>
+                                      </p:to>
+                                    </p:set>
+                                    <p:animEffect transition="in" filter="fade">
+                                      <p:cBhvr>
+                                        <p:cTn id="15" dur="500"/>
+                                        <p:tgtEl>
+                                          <p:spTgt spid="18"/>
+                                        </p:tgtEl>
+                                      </p:cBhvr>
+                                    </p:animEffect>
+                                  </p:childTnLst>
+                                </p:cTn>
+                              </p:par>
+                            </p:childTnLst>
+                          </p:cTn>
+                        </p:par>
+                      </p:childTnLst>
+                    </p:cTn>
+                  </p:par>
+                  <p:par>
+                    <p:cTn id="16" fill="hold">
+                      <p:stCondLst>
+                        <p:cond delay="indefinite"/>
+                      </p:stCondLst>
+                      <p:childTnLst>
+                        <p:par>
+                          <p:cTn id="17" fill="hold">
+                            <p:stCondLst>
+                              <p:cond delay="0"/>
+                            </p:stCondLst>
+                            <p:childTnLst>
+                              <p:par>
+                                <p:cTn id="18" presetID="10" presetClass="entr" presetSubtype="0" fill="hold" nodeType="clickEffect">
+                                  <p:stCondLst>
+                                    <p:cond delay="0"/>
+                                  </p:stCondLst>
+                                  <p:childTnLst>
+                                    <p:set>
+                                      <p:cBhvr>
+                                        <p:cTn id="19" dur="1" fill="hold">
+                                          <p:stCondLst>
+                                            <p:cond delay="0"/>
+                                          </p:stCondLst>
+                                        </p:cTn>
+                                        <p:tgtEl>
+                                          <p:spTgt spid="22"/>
+                                        </p:tgtEl>
+                                        <p:attrNameLst>
+                                          <p:attrName>style.visibility</p:attrName>
+                                        </p:attrNameLst>
+                                      </p:cBhvr>
+                                      <p:to>
+                                        <p:strVal val="visible"/>
+                                      </p:to>
+                                    </p:set>
+                                    <p:animEffect transition="in" filter="fade">
+                                      <p:cBhvr>
+                                        <p:cTn id="20" dur="500"/>
+                                        <p:tgtEl>
+                                          <p:spTgt spid="22"/>
+                                        </p:tgtEl>
+                                      </p:cBhvr>
+                                    </p:animEffect>
+                                  </p:childTnLst>
+                                </p:cTn>
+                              </p:par>
+                            </p:childTnLst>
+                          </p:cTn>
+                        </p:par>
+                      </p:childTnLst>
+                    </p:cTn>
+                  </p:par>
+                  <p:par>
+                    <p:cTn id="21" fill="hold">
+                      <p:stCondLst>
+                        <p:cond delay="indefinite"/>
+                      </p:stCondLst>
+                      <p:childTnLst>
+                        <p:par>
+                          <p:cTn id="22" fill="hold">
+                            <p:stCondLst>
+                              <p:cond delay="0"/>
+                            </p:stCondLst>
+                            <p:childTnLst>
+                              <p:par>
+                                <p:cTn id="23" presetID="10" presetClass="entr" presetSubtype="0" fill="hold" nodeType="clickEffect">
+                                  <p:stCondLst>
+                                    <p:cond delay="0"/>
+                                  </p:stCondLst>
+                                  <p:childTnLst>
+                                    <p:set>
+                                      <p:cBhvr>
+                                        <p:cTn id="24" dur="1" fill="hold">
+                                          <p:stCondLst>
+                                            <p:cond delay="0"/>
+                                          </p:stCondLst>
+                                        </p:cTn>
+                                        <p:tgtEl>
+                                          <p:spTgt spid="24"/>
+                                        </p:tgtEl>
+                                        <p:attrNameLst>
+                                          <p:attrName>style.visibility</p:attrName>
+                                        </p:attrNameLst>
+                                      </p:cBhvr>
+                                      <p:to>
+                                        <p:strVal val="visible"/>
+                                      </p:to>
+                                    </p:set>
+                                    <p:animEffect transition="in" filter="fade">
+                                      <p:cBhvr>
+                                        <p:cTn id="25" dur="500"/>
+                                        <p:tgtEl>
+                                          <p:spTgt spid="24"/>
+                                        </p:tgtEl>
+                                      </p:cBhvr>
+                                    </p:animEffect>
+                                  </p:childTnLst>
+                                </p:cTn>
+                              </p:par>
+                            </p:childTnLst>
+                          </p:cTn>
+                        </p:par>
+                      </p:childTnLst>
+                    </p:cTn>
+                  </p:par>
+                  <p:par>
+                    <p:cTn id="26" fill="hold">
+                      <p:stCondLst>
+                        <p:cond delay="indefinite"/>
+                      </p:stCondLst>
+                      <p:childTnLst>
+                        <p:par>
+                          <p:cTn id="27" fill="hold">
+                            <p:stCondLst>
+                              <p:cond delay="0"/>
+                            </p:stCondLst>
+                            <p:childTnLst>
+                              <p:par>
+                                <p:cTn id="28" presetID="10" presetClass="entr" presetSubtype="0" fill="hold" nodeType="clickEffect">
+                                  <p:stCondLst>
+                                    <p:cond delay="0"/>
+                                  </p:stCondLst>
+                                  <p:childTnLst>
+                                    <p:set>
+                                      <p:cBhvr>
+                                        <p:cTn id="29" dur="1" fill="hold">
+                                          <p:stCondLst>
+                                            <p:cond delay="0"/>
+                                          </p:stCondLst>
+                                        </p:cTn>
+                                        <p:tgtEl>
+                                          <p:spTgt spid="26"/>
+                                        </p:tgtEl>
+                                        <p:attrNameLst>
+                                          <p:attrName>style.visibility</p:attrName>
+                                        </p:attrNameLst>
+                                      </p:cBhvr>
+                                      <p:to>
+                                        <p:strVal val="visible"/>
+                                      </p:to>
+                                    </p:set>
+                                    <p:animEffect transition="in" filter="fade">
+                                      <p:cBhvr>
+                                        <p:cTn id="30" dur="500"/>
+                                        <p:tgtEl>
+                                          <p:spTgt spid="26"/>
+                                        </p:tgtEl>
+                                      </p:cBhvr>
+                                    </p:animEffect>
+                                  </p:childTnLst>
+                                </p:cTn>
+                              </p:par>
+                            </p:childTnLst>
+                          </p:cTn>
+                        </p:par>
+                      </p:childTnLst>
+                    </p:cTn>
+                  </p:par>
+                </p:childTnLst>
+              </p:cTn>
+              <p:prevCondLst>
+                <p:cond evt="onPrev" delay="0">
+                  <p:tgtEl>
+                    <p:sldTgt/>
+                  </p:tgtEl>
+                </p:cond>
+              </p:prevCondLst>
+              <p:nextCondLst>
+                <p:cond evt="onNext" delay="0">
+                  <p:tgtEl>
+                    <p:sldTgt/>
+                  </p:tgtEl>
+                </p:cond>
+              </p:nextCondLst>
+            </p:seq>
+          </p:childTnLst>
+        </p:cTn>
+      </p:par>
+    </p:tnLst>
+  </p:timing>
+</p:sld>
+</file>
+
+<file path=ppt/slides/slide14.xml><?xml version="1.0" encoding="utf-8"?>
+<p:sld xmlns:a="http://schemas.openxmlformats.org/drawingml/2006/main" xmlns:r="http://schemas.openxmlformats.org/officeDocument/2006/relationships" xmlns:p="http://schemas.openxmlformats.org/presentationml/2006/main">
+  <p:cSld>
+    <p:spTree>
+      <p:nvGrpSpPr>
+        <p:cNvPr id="1" name=""/>
+        <p:cNvGrpSpPr/>
+        <p:nvPr/>
+      </p:nvGrpSpPr>
+      <p:grpSpPr>
+        <a:xfrm>
+          <a:off x="0" y="0"/>
+          <a:ext cx="0" cy="0"/>
+          <a:chOff x="0" y="0"/>
+          <a:chExt cx="0" cy="0"/>
+        </a:xfrm>
+      </p:grpSpPr>
+      <p:pic>
+        <p:nvPicPr>
+          <p:cNvPr id="7" name="Inhaltsplatzhalter 6">
+            <a:extLst>
+              <a:ext uri="{FF2B5EF4-FFF2-40B4-BE49-F238E27FC236}">
+                <a16:creationId xmlns:a16="http://schemas.microsoft.com/office/drawing/2014/main" id="{25ED17FB-381C-4186-8A68-39A17250B8F1}"/>
+              </a:ext>
+            </a:extLst>
+          </p:cNvPr>
+          <p:cNvPicPr>
+            <a:picLocks noGrp="1" noChangeAspect="1"/>
+          </p:cNvPicPr>
+          <p:nvPr>
+            <p:ph idx="1"/>
+          </p:nvPr>
+        </p:nvPicPr>
+        <p:blipFill>
+          <a:blip r:embed="rId3"/>
+          <a:stretch>
+            <a:fillRect/>
+          </a:stretch>
+        </p:blipFill>
+        <p:spPr>
+          <a:xfrm>
+            <a:off x="2056255" y="2366962"/>
+            <a:ext cx="5838825" cy="2124075"/>
+          </a:xfrm>
+          <a:prstGeom prst="rect">
+            <a:avLst/>
+          </a:prstGeom>
+        </p:spPr>
+      </p:pic>
+      <p:sp>
+        <p:nvSpPr>
+          <p:cNvPr id="3" name="Datumsplatzhalter 2">
+            <a:extLst>
+              <a:ext uri="{FF2B5EF4-FFF2-40B4-BE49-F238E27FC236}">
+                <a16:creationId xmlns:a16="http://schemas.microsoft.com/office/drawing/2014/main" id="{9F1C2905-AC21-4414-9AE6-2A6BBB8B3CA8}"/>
+              </a:ext>
+            </a:extLst>
+          </p:cNvPr>
+          <p:cNvSpPr>
+            <a:spLocks noGrp="1"/>
+          </p:cNvSpPr>
+          <p:nvPr>
+            <p:ph type="dt" sz="half" idx="10"/>
+          </p:nvPr>
+        </p:nvSpPr>
+        <p:spPr/>
+        <p:txBody>
+          <a:bodyPr/>
+          <a:lstStyle/>
+          <a:p>
+            <a:fld id="{651B85B5-C028-4797-999F-2256A4317902}" type="datetime1">
+              <a:rPr lang="de-DE" smtClean="0"/>
+              <a:t>29.04.2020</a:t>
+            </a:fld>
+            <a:endParaRPr lang="en-GB"/>
+          </a:p>
+        </p:txBody>
+      </p:sp>
+      <p:sp>
+        <p:nvSpPr>
+          <p:cNvPr id="4" name="Fußzeilenplatzhalter 3">
+            <a:extLst>
+              <a:ext uri="{FF2B5EF4-FFF2-40B4-BE49-F238E27FC236}">
+                <a16:creationId xmlns:a16="http://schemas.microsoft.com/office/drawing/2014/main" id="{196E7262-0A50-4344-A7DD-23BEA963246F}"/>
+              </a:ext>
+            </a:extLst>
+          </p:cNvPr>
+          <p:cNvSpPr>
+            <a:spLocks noGrp="1"/>
+          </p:cNvSpPr>
+          <p:nvPr>
+            <p:ph type="ftr" sz="quarter" idx="11"/>
+          </p:nvPr>
+        </p:nvSpPr>
+        <p:spPr/>
+        <p:txBody>
+          <a:bodyPr/>
+          <a:lstStyle/>
+          <a:p>
+            <a:r>
+              <a:rPr lang="en-GB"/>
+              <a:t>Document Stores - Victor Wolf</a:t>
+            </a:r>
+          </a:p>
+        </p:txBody>
+      </p:sp>
+      <p:sp>
+        <p:nvSpPr>
+          <p:cNvPr id="5" name="Foliennummernplatzhalter 4">
+            <a:extLst>
+              <a:ext uri="{FF2B5EF4-FFF2-40B4-BE49-F238E27FC236}">
+                <a16:creationId xmlns:a16="http://schemas.microsoft.com/office/drawing/2014/main" id="{FADA0DCF-2436-4009-9D21-2D45FB1B5659}"/>
+              </a:ext>
+            </a:extLst>
+          </p:cNvPr>
+          <p:cNvSpPr>
+            <a:spLocks noGrp="1"/>
+          </p:cNvSpPr>
+          <p:nvPr>
+            <p:ph type="sldNum" sz="quarter" idx="12"/>
+          </p:nvPr>
+        </p:nvSpPr>
+        <p:spPr/>
+        <p:txBody>
+          <a:bodyPr/>
+          <a:lstStyle/>
+          <a:p>
+            <a:fld id="{83E1CBDC-688B-449B-A4B9-E4A634A960D0}" type="slidenum">
+              <a:rPr lang="en-GB" smtClean="0"/>
+              <a:t>14</a:t>
+            </a:fld>
+            <a:endParaRPr lang="en-GB"/>
+          </a:p>
+        </p:txBody>
+      </p:sp>
+      <p:sp>
+        <p:nvSpPr>
+          <p:cNvPr id="6" name="Titel 5">
+            <a:extLst>
+              <a:ext uri="{FF2B5EF4-FFF2-40B4-BE49-F238E27FC236}">
+                <a16:creationId xmlns:a16="http://schemas.microsoft.com/office/drawing/2014/main" id="{827A9718-1CDE-407A-B5FA-54F46ED020D0}"/>
+              </a:ext>
+            </a:extLst>
+          </p:cNvPr>
+          <p:cNvSpPr>
+            <a:spLocks noGrp="1"/>
+          </p:cNvSpPr>
+          <p:nvPr>
+            <p:ph type="title"/>
+          </p:nvPr>
+        </p:nvSpPr>
+        <p:spPr/>
+        <p:txBody>
+          <a:bodyPr/>
+          <a:lstStyle/>
+          <a:p>
+            <a:r>
+              <a:rPr lang="de-DE" dirty="0"/>
+              <a:t>CRUD </a:t>
+            </a:r>
+            <a:r>
+              <a:rPr lang="de-DE" dirty="0" err="1"/>
+              <a:t>Operations</a:t>
+            </a:r>
+            <a:r>
+              <a:rPr lang="de-DE" dirty="0"/>
+              <a:t> - Create</a:t>
+            </a:r>
+            <a:endParaRPr lang="en-GB" dirty="0"/>
+          </a:p>
+        </p:txBody>
+      </p:sp>
+    </p:spTree>
+    <p:extLst>
+      <p:ext uri="{BB962C8B-B14F-4D97-AF65-F5344CB8AC3E}">
+        <p14:creationId xmlns:p14="http://schemas.microsoft.com/office/powerpoint/2010/main" val="2349470506"/>
+      </p:ext>
+    </p:extLst>
+  </p:cSld>
+  <p:clrMapOvr>
+    <a:masterClrMapping/>
+  </p:clrMapOvr>
+  <mc:AlternateContent xmlns:mc="http://schemas.openxmlformats.org/markup-compatibility/2006">
+    <mc:Choice xmlns:p159="http://schemas.microsoft.com/office/powerpoint/2015/09/main" Requires="p159">
+      <p:transition xmlns:p14="http://schemas.microsoft.com/office/powerpoint/2010/main" spd="slow" p14:dur="2000">
+        <p159:morph option="byObject"/>
+      </p:transition>
+    </mc:Choice>
+    <mc:Fallback>
+      <p:transition spd="slow">
+        <p:fade/>
+      </p:transition>
+    </mc:Fallback>
+  </mc:AlternateContent>
+</p:sld>
+</file>
+
+<file path=ppt/slides/slide15.xml><?xml version="1.0" encoding="utf-8"?>
+<p:sld xmlns:a="http://schemas.openxmlformats.org/drawingml/2006/main" xmlns:r="http://schemas.openxmlformats.org/officeDocument/2006/relationships" xmlns:p="http://schemas.openxmlformats.org/presentationml/2006/main">
+  <p:cSld>
+    <p:spTree>
+      <p:nvGrpSpPr>
+        <p:cNvPr id="1" name=""/>
+        <p:cNvGrpSpPr/>
+        <p:nvPr/>
+      </p:nvGrpSpPr>
+      <p:grpSpPr>
+        <a:xfrm>
+          <a:off x="0" y="0"/>
+          <a:ext cx="0" cy="0"/>
+          <a:chOff x="0" y="0"/>
+          <a:chExt cx="0" cy="0"/>
+        </a:xfrm>
+      </p:grpSpPr>
+      <p:pic>
+        <p:nvPicPr>
+          <p:cNvPr id="7" name="Inhaltsplatzhalter 6">
+            <a:extLst>
+              <a:ext uri="{FF2B5EF4-FFF2-40B4-BE49-F238E27FC236}">
+                <a16:creationId xmlns:a16="http://schemas.microsoft.com/office/drawing/2014/main" id="{C7244923-0860-4648-B572-7AEE3A8FDF1E}"/>
+              </a:ext>
+            </a:extLst>
+          </p:cNvPr>
+          <p:cNvPicPr>
+            <a:picLocks noGrp="1" noChangeAspect="1"/>
+          </p:cNvPicPr>
+          <p:nvPr>
+            <p:ph idx="1"/>
+          </p:nvPr>
+        </p:nvPicPr>
+        <p:blipFill>
+          <a:blip r:embed="rId3"/>
+          <a:stretch>
+            <a:fillRect/>
+          </a:stretch>
+        </p:blipFill>
+        <p:spPr>
+          <a:xfrm>
+            <a:off x="1951480" y="2900362"/>
+            <a:ext cx="6048375" cy="1057275"/>
+          </a:xfrm>
+          <a:prstGeom prst="rect">
+            <a:avLst/>
+          </a:prstGeom>
+        </p:spPr>
+      </p:pic>
+      <p:sp>
+        <p:nvSpPr>
+          <p:cNvPr id="3" name="Datumsplatzhalter 2">
+            <a:extLst>
+              <a:ext uri="{FF2B5EF4-FFF2-40B4-BE49-F238E27FC236}">
+                <a16:creationId xmlns:a16="http://schemas.microsoft.com/office/drawing/2014/main" id="{81E4A92A-F073-4D8B-947C-5BB1D33BFB9D}"/>
+              </a:ext>
+            </a:extLst>
+          </p:cNvPr>
+          <p:cNvSpPr>
+            <a:spLocks noGrp="1"/>
+          </p:cNvSpPr>
+          <p:nvPr>
+            <p:ph type="dt" sz="half" idx="10"/>
+          </p:nvPr>
+        </p:nvSpPr>
+        <p:spPr/>
+        <p:txBody>
+          <a:bodyPr/>
+          <a:lstStyle/>
+          <a:p>
+            <a:fld id="{651B85B5-C028-4797-999F-2256A4317902}" type="datetime1">
+              <a:rPr lang="de-DE" smtClean="0"/>
+              <a:t>29.04.2020</a:t>
+            </a:fld>
+            <a:endParaRPr lang="en-GB"/>
+          </a:p>
+        </p:txBody>
+      </p:sp>
+      <p:sp>
+        <p:nvSpPr>
+          <p:cNvPr id="4" name="Fußzeilenplatzhalter 3">
+            <a:extLst>
+              <a:ext uri="{FF2B5EF4-FFF2-40B4-BE49-F238E27FC236}">
+                <a16:creationId xmlns:a16="http://schemas.microsoft.com/office/drawing/2014/main" id="{C8B12DDB-4C03-4639-8A5A-F92C76930300}"/>
+              </a:ext>
+            </a:extLst>
+          </p:cNvPr>
+          <p:cNvSpPr>
+            <a:spLocks noGrp="1"/>
+          </p:cNvSpPr>
+          <p:nvPr>
+            <p:ph type="ftr" sz="quarter" idx="11"/>
+          </p:nvPr>
+        </p:nvSpPr>
+        <p:spPr/>
+        <p:txBody>
+          <a:bodyPr/>
+          <a:lstStyle/>
+          <a:p>
+            <a:r>
+              <a:rPr lang="en-GB" dirty="0"/>
+              <a:t>Document Stores - Victor Wolf</a:t>
+            </a:r>
+          </a:p>
+        </p:txBody>
+      </p:sp>
+      <p:sp>
+        <p:nvSpPr>
+          <p:cNvPr id="5" name="Foliennummernplatzhalter 4">
+            <a:extLst>
+              <a:ext uri="{FF2B5EF4-FFF2-40B4-BE49-F238E27FC236}">
+                <a16:creationId xmlns:a16="http://schemas.microsoft.com/office/drawing/2014/main" id="{3F0E9747-9033-4E8F-BAE0-D1CDD1C194FA}"/>
+              </a:ext>
+            </a:extLst>
+          </p:cNvPr>
+          <p:cNvSpPr>
+            <a:spLocks noGrp="1"/>
+          </p:cNvSpPr>
+          <p:nvPr>
+            <p:ph type="sldNum" sz="quarter" idx="12"/>
+          </p:nvPr>
+        </p:nvSpPr>
+        <p:spPr/>
+        <p:txBody>
+          <a:bodyPr/>
+          <a:lstStyle/>
+          <a:p>
+            <a:fld id="{83E1CBDC-688B-449B-A4B9-E4A634A960D0}" type="slidenum">
+              <a:rPr lang="en-GB" smtClean="0"/>
+              <a:t>15</a:t>
+            </a:fld>
+            <a:endParaRPr lang="en-GB"/>
+          </a:p>
+        </p:txBody>
+      </p:sp>
+      <p:sp>
+        <p:nvSpPr>
+          <p:cNvPr id="6" name="Titel 5">
+            <a:extLst>
+              <a:ext uri="{FF2B5EF4-FFF2-40B4-BE49-F238E27FC236}">
+                <a16:creationId xmlns:a16="http://schemas.microsoft.com/office/drawing/2014/main" id="{58A05147-E64F-4A74-9D5F-71972B6497B6}"/>
+              </a:ext>
+            </a:extLst>
+          </p:cNvPr>
+          <p:cNvSpPr>
+            <a:spLocks noGrp="1"/>
+          </p:cNvSpPr>
+          <p:nvPr>
+            <p:ph type="title"/>
+          </p:nvPr>
+        </p:nvSpPr>
+        <p:spPr/>
+        <p:txBody>
+          <a:bodyPr/>
+          <a:lstStyle/>
+          <a:p>
+            <a:r>
+              <a:rPr lang="de-DE" dirty="0"/>
+              <a:t>CRUD </a:t>
+            </a:r>
+            <a:r>
+              <a:rPr lang="de-DE" dirty="0" err="1"/>
+              <a:t>Operations</a:t>
+            </a:r>
+            <a:r>
+              <a:rPr lang="de-DE" dirty="0"/>
+              <a:t> - Retrieval</a:t>
+            </a:r>
+            <a:br>
+              <a:rPr lang="en-GB" dirty="0"/>
+            </a:br>
+            <a:endParaRPr lang="en-GB" dirty="0"/>
+          </a:p>
+        </p:txBody>
+      </p:sp>
+    </p:spTree>
+    <p:extLst>
+      <p:ext uri="{BB962C8B-B14F-4D97-AF65-F5344CB8AC3E}">
+        <p14:creationId xmlns:p14="http://schemas.microsoft.com/office/powerpoint/2010/main" val="1641560012"/>
+      </p:ext>
+    </p:extLst>
+  </p:cSld>
+  <p:clrMapOvr>
+    <a:masterClrMapping/>
+  </p:clrMapOvr>
+  <mc:AlternateContent xmlns:mc="http://schemas.openxmlformats.org/markup-compatibility/2006">
+    <mc:Choice xmlns:p159="http://schemas.microsoft.com/office/powerpoint/2015/09/main" Requires="p159">
+      <p:transition xmlns:p14="http://schemas.microsoft.com/office/powerpoint/2010/main" spd="slow" p14:dur="2000">
+        <p159:morph option="byObject"/>
+      </p:transition>
+    </mc:Choice>
+    <mc:Fallback>
+      <p:transition spd="slow">
+        <p:fade/>
+      </p:transition>
+    </mc:Fallback>
+  </mc:AlternateContent>
+</p:sld>
+</file>
+
 <file path=ppt/slides/slide2.xml><?xml version="1.0" encoding="utf-8"?>
 <p:sld xmlns:a="http://schemas.openxmlformats.org/drawingml/2006/main" xmlns:r="http://schemas.openxmlformats.org/officeDocument/2006/relationships" xmlns:p="http://schemas.openxmlformats.org/presentationml/2006/main">
   <p:cSld>
@@ -15939,13 +17862,13 @@
     <a:masterClrMapping/>
   </p:clrMapOvr>
   <mc:AlternateContent xmlns:mc="http://schemas.openxmlformats.org/markup-compatibility/2006">
-    <mc:Choice xmlns:p14="http://schemas.microsoft.com/office/powerpoint/2010/main" Requires="p14">
-      <p:transition spd="med" p14:dur="700">
-        <p:fade/>
+    <mc:Choice xmlns:p159="http://schemas.microsoft.com/office/powerpoint/2015/09/main" Requires="p159">
+      <p:transition xmlns:p14="http://schemas.microsoft.com/office/powerpoint/2010/main" spd="slow" p14:dur="2000">
+        <p159:morph option="byObject"/>
       </p:transition>
     </mc:Choice>
     <mc:Fallback>
-      <p:transition spd="med">
+      <p:transition spd="slow">
         <p:fade/>
       </p:transition>
     </mc:Fallback>
@@ -15988,7 +17911,9 @@
         </p:nvSpPr>
         <p:spPr/>
         <p:txBody>
-          <a:bodyPr/>
+          <a:bodyPr>
+            <a:normAutofit lnSpcReduction="10000"/>
+          </a:bodyPr>
           <a:lstStyle/>
           <a:p>
             <a:r>
@@ -16000,7 +17925,28 @@
             <a:pPr lvl="1"/>
             <a:r>
               <a:rPr lang="de-DE" dirty="0"/>
+              <a:t>Grundlagen</a:t>
+            </a:r>
+          </a:p>
+          <a:p>
+            <a:pPr lvl="1"/>
+            <a:r>
+              <a:rPr lang="de-DE" dirty="0"/>
               <a:t>API</a:t>
+            </a:r>
+          </a:p>
+          <a:p>
+            <a:pPr lvl="2"/>
+            <a:r>
+              <a:rPr lang="de-DE" dirty="0"/>
+              <a:t>Abfragesprache</a:t>
+            </a:r>
+          </a:p>
+          <a:p>
+            <a:pPr lvl="2"/>
+            <a:r>
+              <a:rPr lang="de-DE" dirty="0"/>
+              <a:t>Treiber für andere Sprachen</a:t>
             </a:r>
           </a:p>
           <a:p>
@@ -16028,6 +17974,13 @@
               <a:t>Sharding</a:t>
             </a:r>
             <a:endParaRPr lang="de-DE" dirty="0"/>
+          </a:p>
+          <a:p>
+            <a:pPr lvl="1"/>
+            <a:r>
+              <a:rPr lang="de-DE" dirty="0"/>
+              <a:t>Vergleich zu Couch Base</a:t>
+            </a:r>
           </a:p>
           <a:p>
             <a:r>
@@ -16173,13 +18126,13 @@
     <a:masterClrMapping/>
   </p:clrMapOvr>
   <mc:AlternateContent xmlns:mc="http://schemas.openxmlformats.org/markup-compatibility/2006">
-    <mc:Choice xmlns:p14="http://schemas.microsoft.com/office/powerpoint/2010/main" Requires="p14">
-      <p:transition spd="med" p14:dur="700">
-        <p:fade/>
+    <mc:Choice xmlns:p159="http://schemas.microsoft.com/office/powerpoint/2015/09/main" Requires="p159">
+      <p:transition xmlns:p14="http://schemas.microsoft.com/office/powerpoint/2010/main" spd="slow" p14:dur="2000">
+        <p159:morph option="byObject"/>
       </p:transition>
     </mc:Choice>
     <mc:Fallback>
-      <p:transition spd="med">
+      <p:transition spd="slow">
         <p:fade/>
       </p:transition>
     </mc:Fallback>
@@ -16589,6 +18542,18 @@
   <p:clrMapOvr>
     <a:masterClrMapping/>
   </p:clrMapOvr>
+  <mc:AlternateContent xmlns:mc="http://schemas.openxmlformats.org/markup-compatibility/2006">
+    <mc:Choice xmlns:p159="http://schemas.microsoft.com/office/powerpoint/2015/09/main" Requires="p159">
+      <p:transition xmlns:p14="http://schemas.microsoft.com/office/powerpoint/2010/main" spd="slow" p14:dur="2000">
+        <p159:morph option="byObject"/>
+      </p:transition>
+    </mc:Choice>
+    <mc:Fallback>
+      <p:transition spd="slow">
+        <p:fade/>
+      </p:transition>
+    </mc:Fallback>
+  </mc:AlternateContent>
   <p:timing>
     <p:tnLst>
       <p:par>
@@ -17115,6 +19080,18 @@
   <p:clrMapOvr>
     <a:masterClrMapping/>
   </p:clrMapOvr>
+  <mc:AlternateContent xmlns:mc="http://schemas.openxmlformats.org/markup-compatibility/2006">
+    <mc:Choice xmlns:p159="http://schemas.microsoft.com/office/powerpoint/2015/09/main" Requires="p159">
+      <p:transition xmlns:p14="http://schemas.microsoft.com/office/powerpoint/2010/main" spd="slow" p14:dur="2000">
+        <p159:morph option="byObject"/>
+      </p:transition>
+    </mc:Choice>
+    <mc:Fallback>
+      <p:transition spd="slow">
+        <p:fade/>
+      </p:transition>
+    </mc:Fallback>
+  </mc:AlternateContent>
   <p:timing>
     <p:tnLst>
       <p:par>
@@ -17522,13 +19499,13 @@
     <a:masterClrMapping/>
   </p:clrMapOvr>
   <mc:AlternateContent xmlns:mc="http://schemas.openxmlformats.org/markup-compatibility/2006">
-    <mc:Choice xmlns:p14="http://schemas.microsoft.com/office/powerpoint/2010/main" Requires="p14">
-      <p:transition spd="med" p14:dur="700">
-        <p:fade/>
+    <mc:Choice xmlns:p159="http://schemas.microsoft.com/office/powerpoint/2015/09/main" Requires="p159">
+      <p:transition xmlns:p14="http://schemas.microsoft.com/office/powerpoint/2010/main" spd="slow" p14:dur="2000">
+        <p159:morph option="byObject"/>
       </p:transition>
     </mc:Choice>
     <mc:Fallback>
-      <p:transition spd="med">
+      <p:transition spd="slow">
         <p:fade/>
       </p:transition>
     </mc:Fallback>
@@ -17734,13 +19711,13 @@
   <p:clrMapOvr>
     <a:masterClrMapping/>
   </p:clrMapOvr>
-  <mc:AlternateContent xmlns:mc="http://schemas.openxmlformats.org/markup-compatibility/2006">
-    <mc:Choice xmlns:p159="http://schemas.microsoft.com/office/powerpoint/2015/09/main" Requires="p159">
+  <mc:AlternateContent xmlns:mc="http://schemas.openxmlformats.org/markup-compatibility/2006" xmlns:p159="http://schemas.microsoft.com/office/powerpoint/2015/09/main">
+    <mc:Choice Requires="p159">
       <p:transition xmlns:p14="http://schemas.microsoft.com/office/powerpoint/2010/main" spd="slow" p14:dur="2000">
         <p159:morph option="byObject"/>
       </p:transition>
     </mc:Choice>
-    <mc:Fallback>
+    <mc:Fallback xmlns="">
       <p:transition spd="slow">
         <p:fade/>
       </p:transition>
@@ -18100,6 +20077,18 @@
   <p:clrMapOvr>
     <a:masterClrMapping/>
   </p:clrMapOvr>
+  <mc:AlternateContent xmlns:mc="http://schemas.openxmlformats.org/markup-compatibility/2006">
+    <mc:Choice xmlns:p159="http://schemas.microsoft.com/office/powerpoint/2015/09/main" Requires="p159">
+      <p:transition xmlns:p14="http://schemas.microsoft.com/office/powerpoint/2010/main" spd="slow" p14:dur="2000">
+        <p159:morph option="byObject"/>
+      </p:transition>
+    </mc:Choice>
+    <mc:Fallback>
+      <p:transition spd="slow">
+        <p:fade/>
+      </p:transition>
+    </mc:Fallback>
+  </mc:AlternateContent>
 </p:sld>
 </file>
 
@@ -18360,6 +20349,18 @@
   <p:clrMapOvr>
     <a:masterClrMapping/>
   </p:clrMapOvr>
+  <mc:AlternateContent xmlns:mc="http://schemas.openxmlformats.org/markup-compatibility/2006">
+    <mc:Choice xmlns:p159="http://schemas.microsoft.com/office/powerpoint/2015/09/main" Requires="p159">
+      <p:transition xmlns:p14="http://schemas.microsoft.com/office/powerpoint/2010/main" spd="slow" p14:dur="2000">
+        <p159:morph option="byObject"/>
+      </p:transition>
+    </mc:Choice>
+    <mc:Fallback>
+      <p:transition spd="slow">
+        <p:fade/>
+      </p:transition>
+    </mc:Fallback>
+  </mc:AlternateContent>
   <p:timing>
     <p:tnLst>
       <p:par>

--- a/presentation/xDBpresentation.pptx
+++ b/presentation/xDBpresentation.pptx
@@ -5,7 +5,7 @@
     <p:sldMasterId id="2147483660" r:id="rId1"/>
   </p:sldMasterIdLst>
   <p:notesMasterIdLst>
-    <p:notesMasterId r:id="rId17"/>
+    <p:notesMasterId r:id="rId20"/>
   </p:notesMasterIdLst>
   <p:sldIdLst>
     <p:sldId id="256" r:id="rId2"/>
@@ -19,10 +19,13 @@
     <p:sldId id="264" r:id="rId10"/>
     <p:sldId id="263" r:id="rId11"/>
     <p:sldId id="267" r:id="rId12"/>
-    <p:sldId id="268" r:id="rId13"/>
-    <p:sldId id="269" r:id="rId14"/>
-    <p:sldId id="270" r:id="rId15"/>
-    <p:sldId id="271" r:id="rId16"/>
+    <p:sldId id="273" r:id="rId13"/>
+    <p:sldId id="268" r:id="rId14"/>
+    <p:sldId id="269" r:id="rId15"/>
+    <p:sldId id="270" r:id="rId16"/>
+    <p:sldId id="271" r:id="rId17"/>
+    <p:sldId id="272" r:id="rId18"/>
+    <p:sldId id="274" r:id="rId19"/>
   </p:sldIdLst>
   <p:sldSz cx="12192000" cy="6858000"/>
   <p:notesSz cx="6858000" cy="9144000"/>
@@ -1627,6 +1630,753 @@
 </file>
 
 <file path=ppt/diagrams/colors3.xml><?xml version="1.0" encoding="utf-8"?>
+<dgm:colorsDef xmlns:dgm="http://schemas.openxmlformats.org/drawingml/2006/diagram" xmlns:a="http://schemas.openxmlformats.org/drawingml/2006/main" uniqueId="urn:microsoft.com/office/officeart/2005/8/colors/accent1_2">
+  <dgm:title val=""/>
+  <dgm:desc val=""/>
+  <dgm:catLst>
+    <dgm:cat type="accent1" pri="11200"/>
+  </dgm:catLst>
+  <dgm:styleLbl name="node0">
+    <dgm:fillClrLst meth="repeat">
+      <a:schemeClr val="accent1"/>
+    </dgm:fillClrLst>
+    <dgm:linClrLst meth="repeat">
+      <a:schemeClr val="lt1"/>
+    </dgm:linClrLst>
+    <dgm:effectClrLst/>
+    <dgm:txLinClrLst/>
+    <dgm:txFillClrLst/>
+    <dgm:txEffectClrLst/>
+  </dgm:styleLbl>
+  <dgm:styleLbl name="alignNode1">
+    <dgm:fillClrLst meth="repeat">
+      <a:schemeClr val="accent1"/>
+    </dgm:fillClrLst>
+    <dgm:linClrLst meth="repeat">
+      <a:schemeClr val="accent1"/>
+    </dgm:linClrLst>
+    <dgm:effectClrLst/>
+    <dgm:txLinClrLst/>
+    <dgm:txFillClrLst/>
+    <dgm:txEffectClrLst/>
+  </dgm:styleLbl>
+  <dgm:styleLbl name="node1">
+    <dgm:fillClrLst meth="repeat">
+      <a:schemeClr val="accent1"/>
+    </dgm:fillClrLst>
+    <dgm:linClrLst meth="repeat">
+      <a:schemeClr val="lt1"/>
+    </dgm:linClrLst>
+    <dgm:effectClrLst/>
+    <dgm:txLinClrLst/>
+    <dgm:txFillClrLst/>
+    <dgm:txEffectClrLst/>
+  </dgm:styleLbl>
+  <dgm:styleLbl name="lnNode1">
+    <dgm:fillClrLst meth="repeat">
+      <a:schemeClr val="accent1"/>
+    </dgm:fillClrLst>
+    <dgm:linClrLst meth="repeat">
+      <a:schemeClr val="lt1"/>
+    </dgm:linClrLst>
+    <dgm:effectClrLst/>
+    <dgm:txLinClrLst/>
+    <dgm:txFillClrLst/>
+    <dgm:txEffectClrLst/>
+  </dgm:styleLbl>
+  <dgm:styleLbl name="vennNode1">
+    <dgm:fillClrLst meth="repeat">
+      <a:schemeClr val="accent1">
+        <a:alpha val="50000"/>
+      </a:schemeClr>
+    </dgm:fillClrLst>
+    <dgm:linClrLst meth="repeat">
+      <a:schemeClr val="lt1"/>
+    </dgm:linClrLst>
+    <dgm:effectClrLst/>
+    <dgm:txLinClrLst/>
+    <dgm:txFillClrLst/>
+    <dgm:txEffectClrLst/>
+  </dgm:styleLbl>
+  <dgm:styleLbl name="node2">
+    <dgm:fillClrLst meth="repeat">
+      <a:schemeClr val="accent1"/>
+    </dgm:fillClrLst>
+    <dgm:linClrLst meth="repeat">
+      <a:schemeClr val="lt1"/>
+    </dgm:linClrLst>
+    <dgm:effectClrLst/>
+    <dgm:txLinClrLst/>
+    <dgm:txFillClrLst/>
+    <dgm:txEffectClrLst/>
+  </dgm:styleLbl>
+  <dgm:styleLbl name="node3">
+    <dgm:fillClrLst meth="repeat">
+      <a:schemeClr val="accent1"/>
+    </dgm:fillClrLst>
+    <dgm:linClrLst meth="repeat">
+      <a:schemeClr val="lt1"/>
+    </dgm:linClrLst>
+    <dgm:effectClrLst/>
+    <dgm:txLinClrLst/>
+    <dgm:txFillClrLst/>
+    <dgm:txEffectClrLst/>
+  </dgm:styleLbl>
+  <dgm:styleLbl name="node4">
+    <dgm:fillClrLst meth="repeat">
+      <a:schemeClr val="accent1"/>
+    </dgm:fillClrLst>
+    <dgm:linClrLst meth="repeat">
+      <a:schemeClr val="lt1"/>
+    </dgm:linClrLst>
+    <dgm:effectClrLst/>
+    <dgm:txLinClrLst/>
+    <dgm:txFillClrLst/>
+    <dgm:txEffectClrLst/>
+  </dgm:styleLbl>
+  <dgm:styleLbl name="fgImgPlace1">
+    <dgm:fillClrLst meth="repeat">
+      <a:schemeClr val="accent1">
+        <a:tint val="50000"/>
+      </a:schemeClr>
+    </dgm:fillClrLst>
+    <dgm:linClrLst meth="repeat">
+      <a:schemeClr val="lt1"/>
+    </dgm:linClrLst>
+    <dgm:effectClrLst/>
+    <dgm:txLinClrLst/>
+    <dgm:txFillClrLst meth="repeat">
+      <a:schemeClr val="lt1"/>
+    </dgm:txFillClrLst>
+    <dgm:txEffectClrLst/>
+  </dgm:styleLbl>
+  <dgm:styleLbl name="alignImgPlace1">
+    <dgm:fillClrLst meth="repeat">
+      <a:schemeClr val="accent1">
+        <a:tint val="50000"/>
+      </a:schemeClr>
+    </dgm:fillClrLst>
+    <dgm:linClrLst meth="repeat">
+      <a:schemeClr val="lt1"/>
+    </dgm:linClrLst>
+    <dgm:effectClrLst/>
+    <dgm:txLinClrLst/>
+    <dgm:txFillClrLst meth="repeat">
+      <a:schemeClr val="lt1"/>
+    </dgm:txFillClrLst>
+    <dgm:txEffectClrLst/>
+  </dgm:styleLbl>
+  <dgm:styleLbl name="bgImgPlace1">
+    <dgm:fillClrLst meth="repeat">
+      <a:schemeClr val="accent1">
+        <a:tint val="50000"/>
+      </a:schemeClr>
+    </dgm:fillClrLst>
+    <dgm:linClrLst meth="repeat">
+      <a:schemeClr val="lt1"/>
+    </dgm:linClrLst>
+    <dgm:effectClrLst/>
+    <dgm:txLinClrLst/>
+    <dgm:txFillClrLst meth="repeat">
+      <a:schemeClr val="lt1"/>
+    </dgm:txFillClrLst>
+    <dgm:txEffectClrLst/>
+  </dgm:styleLbl>
+  <dgm:styleLbl name="sibTrans2D1">
+    <dgm:fillClrLst meth="repeat">
+      <a:schemeClr val="accent1">
+        <a:tint val="60000"/>
+      </a:schemeClr>
+    </dgm:fillClrLst>
+    <dgm:linClrLst meth="repeat">
+      <a:schemeClr val="accent1">
+        <a:tint val="60000"/>
+      </a:schemeClr>
+    </dgm:linClrLst>
+    <dgm:effectClrLst/>
+    <dgm:txLinClrLst/>
+    <dgm:txFillClrLst/>
+    <dgm:txEffectClrLst/>
+  </dgm:styleLbl>
+  <dgm:styleLbl name="fgSibTrans2D1">
+    <dgm:fillClrLst meth="repeat">
+      <a:schemeClr val="accent1">
+        <a:tint val="60000"/>
+      </a:schemeClr>
+    </dgm:fillClrLst>
+    <dgm:linClrLst meth="repeat">
+      <a:schemeClr val="accent1">
+        <a:tint val="60000"/>
+      </a:schemeClr>
+    </dgm:linClrLst>
+    <dgm:effectClrLst/>
+    <dgm:txLinClrLst/>
+    <dgm:txFillClrLst/>
+    <dgm:txEffectClrLst/>
+  </dgm:styleLbl>
+  <dgm:styleLbl name="bgSibTrans2D1">
+    <dgm:fillClrLst meth="repeat">
+      <a:schemeClr val="accent1">
+        <a:tint val="60000"/>
+      </a:schemeClr>
+    </dgm:fillClrLst>
+    <dgm:linClrLst meth="repeat">
+      <a:schemeClr val="accent1">
+        <a:tint val="60000"/>
+      </a:schemeClr>
+    </dgm:linClrLst>
+    <dgm:effectClrLst/>
+    <dgm:txLinClrLst/>
+    <dgm:txFillClrLst/>
+    <dgm:txEffectClrLst/>
+  </dgm:styleLbl>
+  <dgm:styleLbl name="sibTrans1D1">
+    <dgm:fillClrLst meth="repeat">
+      <a:schemeClr val="accent1"/>
+    </dgm:fillClrLst>
+    <dgm:linClrLst meth="repeat">
+      <a:schemeClr val="accent1"/>
+    </dgm:linClrLst>
+    <dgm:effectClrLst/>
+    <dgm:txLinClrLst/>
+    <dgm:txFillClrLst meth="repeat">
+      <a:schemeClr val="tx1"/>
+    </dgm:txFillClrLst>
+    <dgm:txEffectClrLst/>
+  </dgm:styleLbl>
+  <dgm:styleLbl name="callout">
+    <dgm:fillClrLst meth="repeat">
+      <a:schemeClr val="accent1"/>
+    </dgm:fillClrLst>
+    <dgm:linClrLst meth="repeat">
+      <a:schemeClr val="accent1">
+        <a:tint val="50000"/>
+      </a:schemeClr>
+    </dgm:linClrLst>
+    <dgm:effectClrLst/>
+    <dgm:txLinClrLst/>
+    <dgm:txFillClrLst meth="repeat">
+      <a:schemeClr val="tx1"/>
+    </dgm:txFillClrLst>
+    <dgm:txEffectClrLst/>
+  </dgm:styleLbl>
+  <dgm:styleLbl name="asst0">
+    <dgm:fillClrLst meth="repeat">
+      <a:schemeClr val="accent1"/>
+    </dgm:fillClrLst>
+    <dgm:linClrLst meth="repeat">
+      <a:schemeClr val="lt1"/>
+    </dgm:linClrLst>
+    <dgm:effectClrLst/>
+    <dgm:txLinClrLst/>
+    <dgm:txFillClrLst/>
+    <dgm:txEffectClrLst/>
+  </dgm:styleLbl>
+  <dgm:styleLbl name="asst1">
+    <dgm:fillClrLst meth="repeat">
+      <a:schemeClr val="accent1"/>
+    </dgm:fillClrLst>
+    <dgm:linClrLst meth="repeat">
+      <a:schemeClr val="lt1"/>
+    </dgm:linClrLst>
+    <dgm:effectClrLst/>
+    <dgm:txLinClrLst/>
+    <dgm:txFillClrLst/>
+    <dgm:txEffectClrLst/>
+  </dgm:styleLbl>
+  <dgm:styleLbl name="asst2">
+    <dgm:fillClrLst meth="repeat">
+      <a:schemeClr val="accent1"/>
+    </dgm:fillClrLst>
+    <dgm:linClrLst meth="repeat">
+      <a:schemeClr val="lt1"/>
+    </dgm:linClrLst>
+    <dgm:effectClrLst/>
+    <dgm:txLinClrLst/>
+    <dgm:txFillClrLst/>
+    <dgm:txEffectClrLst/>
+  </dgm:styleLbl>
+  <dgm:styleLbl name="asst3">
+    <dgm:fillClrLst meth="repeat">
+      <a:schemeClr val="accent1"/>
+    </dgm:fillClrLst>
+    <dgm:linClrLst meth="repeat">
+      <a:schemeClr val="lt1"/>
+    </dgm:linClrLst>
+    <dgm:effectClrLst/>
+    <dgm:txLinClrLst/>
+    <dgm:txFillClrLst/>
+    <dgm:txEffectClrLst/>
+  </dgm:styleLbl>
+  <dgm:styleLbl name="asst4">
+    <dgm:fillClrLst meth="repeat">
+      <a:schemeClr val="accent1"/>
+    </dgm:fillClrLst>
+    <dgm:linClrLst meth="repeat">
+      <a:schemeClr val="lt1"/>
+    </dgm:linClrLst>
+    <dgm:effectClrLst/>
+    <dgm:txLinClrLst/>
+    <dgm:txFillClrLst/>
+    <dgm:txEffectClrLst/>
+  </dgm:styleLbl>
+  <dgm:styleLbl name="parChTrans2D1">
+    <dgm:fillClrLst meth="repeat">
+      <a:schemeClr val="accent1">
+        <a:tint val="60000"/>
+      </a:schemeClr>
+    </dgm:fillClrLst>
+    <dgm:linClrLst meth="repeat">
+      <a:schemeClr val="accent1">
+        <a:tint val="60000"/>
+      </a:schemeClr>
+    </dgm:linClrLst>
+    <dgm:effectClrLst/>
+    <dgm:txLinClrLst/>
+    <dgm:txFillClrLst meth="repeat">
+      <a:schemeClr val="lt1"/>
+    </dgm:txFillClrLst>
+    <dgm:txEffectClrLst/>
+  </dgm:styleLbl>
+  <dgm:styleLbl name="parChTrans2D2">
+    <dgm:fillClrLst meth="repeat">
+      <a:schemeClr val="accent1"/>
+    </dgm:fillClrLst>
+    <dgm:linClrLst meth="repeat">
+      <a:schemeClr val="accent1"/>
+    </dgm:linClrLst>
+    <dgm:effectClrLst/>
+    <dgm:txLinClrLst/>
+    <dgm:txFillClrLst meth="repeat">
+      <a:schemeClr val="lt1"/>
+    </dgm:txFillClrLst>
+    <dgm:txEffectClrLst/>
+  </dgm:styleLbl>
+  <dgm:styleLbl name="parChTrans2D3">
+    <dgm:fillClrLst meth="repeat">
+      <a:schemeClr val="accent1"/>
+    </dgm:fillClrLst>
+    <dgm:linClrLst meth="repeat">
+      <a:schemeClr val="accent1"/>
+    </dgm:linClrLst>
+    <dgm:effectClrLst/>
+    <dgm:txLinClrLst/>
+    <dgm:txFillClrLst meth="repeat">
+      <a:schemeClr val="lt1"/>
+    </dgm:txFillClrLst>
+    <dgm:txEffectClrLst/>
+  </dgm:styleLbl>
+  <dgm:styleLbl name="parChTrans2D4">
+    <dgm:fillClrLst meth="repeat">
+      <a:schemeClr val="accent1"/>
+    </dgm:fillClrLst>
+    <dgm:linClrLst meth="repeat">
+      <a:schemeClr val="accent1"/>
+    </dgm:linClrLst>
+    <dgm:effectClrLst/>
+    <dgm:txLinClrLst/>
+    <dgm:txFillClrLst meth="repeat">
+      <a:schemeClr val="lt1"/>
+    </dgm:txFillClrLst>
+    <dgm:txEffectClrLst/>
+  </dgm:styleLbl>
+  <dgm:styleLbl name="parChTrans1D1">
+    <dgm:fillClrLst meth="repeat">
+      <a:schemeClr val="accent1"/>
+    </dgm:fillClrLst>
+    <dgm:linClrLst meth="repeat">
+      <a:schemeClr val="accent1">
+        <a:shade val="60000"/>
+      </a:schemeClr>
+    </dgm:linClrLst>
+    <dgm:effectClrLst/>
+    <dgm:txLinClrLst/>
+    <dgm:txFillClrLst meth="repeat">
+      <a:schemeClr val="tx1"/>
+    </dgm:txFillClrLst>
+    <dgm:txEffectClrLst/>
+  </dgm:styleLbl>
+  <dgm:styleLbl name="parChTrans1D2">
+    <dgm:fillClrLst meth="repeat">
+      <a:schemeClr val="accent1"/>
+    </dgm:fillClrLst>
+    <dgm:linClrLst meth="repeat">
+      <a:schemeClr val="accent1">
+        <a:shade val="60000"/>
+      </a:schemeClr>
+    </dgm:linClrLst>
+    <dgm:effectClrLst/>
+    <dgm:txLinClrLst/>
+    <dgm:txFillClrLst meth="repeat">
+      <a:schemeClr val="tx1"/>
+    </dgm:txFillClrLst>
+    <dgm:txEffectClrLst/>
+  </dgm:styleLbl>
+  <dgm:styleLbl name="parChTrans1D3">
+    <dgm:fillClrLst meth="repeat">
+      <a:schemeClr val="accent1"/>
+    </dgm:fillClrLst>
+    <dgm:linClrLst meth="repeat">
+      <a:schemeClr val="accent1">
+        <a:shade val="80000"/>
+      </a:schemeClr>
+    </dgm:linClrLst>
+    <dgm:effectClrLst/>
+    <dgm:txLinClrLst/>
+    <dgm:txFillClrLst meth="repeat">
+      <a:schemeClr val="tx1"/>
+    </dgm:txFillClrLst>
+    <dgm:txEffectClrLst/>
+  </dgm:styleLbl>
+  <dgm:styleLbl name="parChTrans1D4">
+    <dgm:fillClrLst meth="repeat">
+      <a:schemeClr val="accent1"/>
+    </dgm:fillClrLst>
+    <dgm:linClrLst meth="repeat">
+      <a:schemeClr val="accent1">
+        <a:shade val="80000"/>
+      </a:schemeClr>
+    </dgm:linClrLst>
+    <dgm:effectClrLst/>
+    <dgm:txLinClrLst/>
+    <dgm:txFillClrLst meth="repeat">
+      <a:schemeClr val="tx1"/>
+    </dgm:txFillClrLst>
+    <dgm:txEffectClrLst/>
+  </dgm:styleLbl>
+  <dgm:styleLbl name="fgAcc1">
+    <dgm:fillClrLst meth="repeat">
+      <a:schemeClr val="lt1">
+        <a:alpha val="90000"/>
+      </a:schemeClr>
+    </dgm:fillClrLst>
+    <dgm:linClrLst meth="repeat">
+      <a:schemeClr val="accent1"/>
+    </dgm:linClrLst>
+    <dgm:effectClrLst/>
+    <dgm:txLinClrLst/>
+    <dgm:txFillClrLst meth="repeat">
+      <a:schemeClr val="dk1"/>
+    </dgm:txFillClrLst>
+    <dgm:txEffectClrLst/>
+  </dgm:styleLbl>
+  <dgm:styleLbl name="conFgAcc1">
+    <dgm:fillClrLst meth="repeat">
+      <a:schemeClr val="lt1">
+        <a:alpha val="90000"/>
+      </a:schemeClr>
+    </dgm:fillClrLst>
+    <dgm:linClrLst meth="repeat">
+      <a:schemeClr val="accent1"/>
+    </dgm:linClrLst>
+    <dgm:effectClrLst/>
+    <dgm:txLinClrLst/>
+    <dgm:txFillClrLst meth="repeat">
+      <a:schemeClr val="dk1"/>
+    </dgm:txFillClrLst>
+    <dgm:txEffectClrLst/>
+  </dgm:styleLbl>
+  <dgm:styleLbl name="alignAcc1">
+    <dgm:fillClrLst meth="repeat">
+      <a:schemeClr val="lt1">
+        <a:alpha val="90000"/>
+      </a:schemeClr>
+    </dgm:fillClrLst>
+    <dgm:linClrLst meth="repeat">
+      <a:schemeClr val="accent1"/>
+    </dgm:linClrLst>
+    <dgm:effectClrLst/>
+    <dgm:txLinClrLst/>
+    <dgm:txFillClrLst meth="repeat">
+      <a:schemeClr val="dk1"/>
+    </dgm:txFillClrLst>
+    <dgm:txEffectClrLst/>
+  </dgm:styleLbl>
+  <dgm:styleLbl name="trAlignAcc1">
+    <dgm:fillClrLst meth="repeat">
+      <a:schemeClr val="lt1">
+        <a:alpha val="40000"/>
+      </a:schemeClr>
+    </dgm:fillClrLst>
+    <dgm:linClrLst meth="repeat">
+      <a:schemeClr val="accent1"/>
+    </dgm:linClrLst>
+    <dgm:effectClrLst/>
+    <dgm:txLinClrLst/>
+    <dgm:txFillClrLst meth="repeat">
+      <a:schemeClr val="dk1"/>
+    </dgm:txFillClrLst>
+    <dgm:txEffectClrLst/>
+  </dgm:styleLbl>
+  <dgm:styleLbl name="bgAcc1">
+    <dgm:fillClrLst meth="repeat">
+      <a:schemeClr val="lt1">
+        <a:alpha val="90000"/>
+      </a:schemeClr>
+    </dgm:fillClrLst>
+    <dgm:linClrLst meth="repeat">
+      <a:schemeClr val="accent1"/>
+    </dgm:linClrLst>
+    <dgm:effectClrLst/>
+    <dgm:txLinClrLst/>
+    <dgm:txFillClrLst meth="repeat">
+      <a:schemeClr val="dk1"/>
+    </dgm:txFillClrLst>
+    <dgm:txEffectClrLst/>
+  </dgm:styleLbl>
+  <dgm:styleLbl name="solidFgAcc1">
+    <dgm:fillClrLst meth="repeat">
+      <a:schemeClr val="lt1"/>
+    </dgm:fillClrLst>
+    <dgm:linClrLst meth="repeat">
+      <a:schemeClr val="accent1"/>
+    </dgm:linClrLst>
+    <dgm:effectClrLst/>
+    <dgm:txLinClrLst/>
+    <dgm:txFillClrLst meth="repeat">
+      <a:schemeClr val="dk1"/>
+    </dgm:txFillClrLst>
+    <dgm:txEffectClrLst/>
+  </dgm:styleLbl>
+  <dgm:styleLbl name="solidAlignAcc1">
+    <dgm:fillClrLst meth="repeat">
+      <a:schemeClr val="lt1"/>
+    </dgm:fillClrLst>
+    <dgm:linClrLst meth="repeat">
+      <a:schemeClr val="accent1"/>
+    </dgm:linClrLst>
+    <dgm:effectClrLst/>
+    <dgm:txLinClrLst/>
+    <dgm:txFillClrLst meth="repeat">
+      <a:schemeClr val="dk1"/>
+    </dgm:txFillClrLst>
+    <dgm:txEffectClrLst/>
+  </dgm:styleLbl>
+  <dgm:styleLbl name="solidBgAcc1">
+    <dgm:fillClrLst meth="repeat">
+      <a:schemeClr val="lt1"/>
+    </dgm:fillClrLst>
+    <dgm:linClrLst meth="repeat">
+      <a:schemeClr val="accent1"/>
+    </dgm:linClrLst>
+    <dgm:effectClrLst/>
+    <dgm:txLinClrLst/>
+    <dgm:txFillClrLst meth="repeat">
+      <a:schemeClr val="dk1"/>
+    </dgm:txFillClrLst>
+    <dgm:txEffectClrLst/>
+  </dgm:styleLbl>
+  <dgm:styleLbl name="fgAccFollowNode1">
+    <dgm:fillClrLst meth="repeat">
+      <a:schemeClr val="accent1">
+        <a:alpha val="90000"/>
+        <a:tint val="40000"/>
+      </a:schemeClr>
+    </dgm:fillClrLst>
+    <dgm:linClrLst meth="repeat">
+      <a:schemeClr val="accent1">
+        <a:alpha val="90000"/>
+        <a:tint val="40000"/>
+      </a:schemeClr>
+    </dgm:linClrLst>
+    <dgm:effectClrLst/>
+    <dgm:txLinClrLst/>
+    <dgm:txFillClrLst meth="repeat">
+      <a:schemeClr val="dk1"/>
+    </dgm:txFillClrLst>
+    <dgm:txEffectClrLst/>
+  </dgm:styleLbl>
+  <dgm:styleLbl name="alignAccFollowNode1">
+    <dgm:fillClrLst meth="repeat">
+      <a:schemeClr val="accent1">
+        <a:alpha val="90000"/>
+        <a:tint val="40000"/>
+      </a:schemeClr>
+    </dgm:fillClrLst>
+    <dgm:linClrLst meth="repeat">
+      <a:schemeClr val="accent1">
+        <a:alpha val="90000"/>
+        <a:tint val="40000"/>
+      </a:schemeClr>
+    </dgm:linClrLst>
+    <dgm:effectClrLst/>
+    <dgm:txLinClrLst/>
+    <dgm:txFillClrLst meth="repeat">
+      <a:schemeClr val="dk1"/>
+    </dgm:txFillClrLst>
+    <dgm:txEffectClrLst/>
+  </dgm:styleLbl>
+  <dgm:styleLbl name="bgAccFollowNode1">
+    <dgm:fillClrLst meth="repeat">
+      <a:schemeClr val="accent1">
+        <a:alpha val="90000"/>
+        <a:tint val="40000"/>
+      </a:schemeClr>
+    </dgm:fillClrLst>
+    <dgm:linClrLst meth="repeat">
+      <a:schemeClr val="accent1">
+        <a:alpha val="90000"/>
+        <a:tint val="40000"/>
+      </a:schemeClr>
+    </dgm:linClrLst>
+    <dgm:effectClrLst/>
+    <dgm:txLinClrLst/>
+    <dgm:txFillClrLst meth="repeat">
+      <a:schemeClr val="dk1"/>
+    </dgm:txFillClrLst>
+    <dgm:txEffectClrLst/>
+  </dgm:styleLbl>
+  <dgm:styleLbl name="fgAcc0">
+    <dgm:fillClrLst meth="repeat">
+      <a:schemeClr val="lt1">
+        <a:alpha val="90000"/>
+      </a:schemeClr>
+    </dgm:fillClrLst>
+    <dgm:linClrLst meth="repeat">
+      <a:schemeClr val="accent1"/>
+    </dgm:linClrLst>
+    <dgm:effectClrLst/>
+    <dgm:txLinClrLst/>
+    <dgm:txFillClrLst meth="repeat">
+      <a:schemeClr val="dk1"/>
+    </dgm:txFillClrLst>
+    <dgm:txEffectClrLst/>
+  </dgm:styleLbl>
+  <dgm:styleLbl name="fgAcc2">
+    <dgm:fillClrLst meth="repeat">
+      <a:schemeClr val="lt1">
+        <a:alpha val="90000"/>
+      </a:schemeClr>
+    </dgm:fillClrLst>
+    <dgm:linClrLst meth="repeat">
+      <a:schemeClr val="accent1"/>
+    </dgm:linClrLst>
+    <dgm:effectClrLst/>
+    <dgm:txLinClrLst/>
+    <dgm:txFillClrLst meth="repeat">
+      <a:schemeClr val="dk1"/>
+    </dgm:txFillClrLst>
+    <dgm:txEffectClrLst/>
+  </dgm:styleLbl>
+  <dgm:styleLbl name="fgAcc3">
+    <dgm:fillClrLst meth="repeat">
+      <a:schemeClr val="lt1">
+        <a:alpha val="90000"/>
+      </a:schemeClr>
+    </dgm:fillClrLst>
+    <dgm:linClrLst meth="repeat">
+      <a:schemeClr val="accent1"/>
+    </dgm:linClrLst>
+    <dgm:effectClrLst/>
+    <dgm:txLinClrLst/>
+    <dgm:txFillClrLst meth="repeat">
+      <a:schemeClr val="dk1"/>
+    </dgm:txFillClrLst>
+    <dgm:txEffectClrLst/>
+  </dgm:styleLbl>
+  <dgm:styleLbl name="fgAcc4">
+    <dgm:fillClrLst meth="repeat">
+      <a:schemeClr val="lt1">
+        <a:alpha val="90000"/>
+      </a:schemeClr>
+    </dgm:fillClrLst>
+    <dgm:linClrLst meth="repeat">
+      <a:schemeClr val="accent1"/>
+    </dgm:linClrLst>
+    <dgm:effectClrLst/>
+    <dgm:txLinClrLst/>
+    <dgm:txFillClrLst meth="repeat">
+      <a:schemeClr val="dk1"/>
+    </dgm:txFillClrLst>
+    <dgm:txEffectClrLst/>
+  </dgm:styleLbl>
+  <dgm:styleLbl name="bgShp">
+    <dgm:fillClrLst meth="repeat">
+      <a:schemeClr val="accent1">
+        <a:tint val="40000"/>
+      </a:schemeClr>
+    </dgm:fillClrLst>
+    <dgm:linClrLst meth="repeat">
+      <a:schemeClr val="accent1"/>
+    </dgm:linClrLst>
+    <dgm:effectClrLst/>
+    <dgm:txLinClrLst/>
+    <dgm:txFillClrLst meth="repeat">
+      <a:schemeClr val="dk1"/>
+    </dgm:txFillClrLst>
+    <dgm:txEffectClrLst/>
+  </dgm:styleLbl>
+  <dgm:styleLbl name="dkBgShp">
+    <dgm:fillClrLst meth="repeat">
+      <a:schemeClr val="accent1">
+        <a:shade val="80000"/>
+      </a:schemeClr>
+    </dgm:fillClrLst>
+    <dgm:linClrLst meth="repeat">
+      <a:schemeClr val="accent1"/>
+    </dgm:linClrLst>
+    <dgm:effectClrLst/>
+    <dgm:txLinClrLst/>
+    <dgm:txFillClrLst meth="repeat">
+      <a:schemeClr val="lt1"/>
+    </dgm:txFillClrLst>
+    <dgm:txEffectClrLst/>
+  </dgm:styleLbl>
+  <dgm:styleLbl name="trBgShp">
+    <dgm:fillClrLst meth="repeat">
+      <a:schemeClr val="accent1">
+        <a:tint val="50000"/>
+        <a:alpha val="40000"/>
+      </a:schemeClr>
+    </dgm:fillClrLst>
+    <dgm:linClrLst meth="repeat">
+      <a:schemeClr val="accent1"/>
+    </dgm:linClrLst>
+    <dgm:effectClrLst/>
+    <dgm:txLinClrLst/>
+    <dgm:txFillClrLst meth="repeat">
+      <a:schemeClr val="lt1"/>
+    </dgm:txFillClrLst>
+    <dgm:txEffectClrLst/>
+  </dgm:styleLbl>
+  <dgm:styleLbl name="fgShp">
+    <dgm:fillClrLst meth="repeat">
+      <a:schemeClr val="accent1">
+        <a:tint val="60000"/>
+      </a:schemeClr>
+    </dgm:fillClrLst>
+    <dgm:linClrLst meth="repeat">
+      <a:schemeClr val="lt1"/>
+    </dgm:linClrLst>
+    <dgm:effectClrLst/>
+    <dgm:txLinClrLst/>
+    <dgm:txFillClrLst meth="repeat">
+      <a:schemeClr val="dk1"/>
+    </dgm:txFillClrLst>
+    <dgm:txEffectClrLst/>
+  </dgm:styleLbl>
+  <dgm:styleLbl name="revTx">
+    <dgm:fillClrLst meth="repeat">
+      <a:schemeClr val="lt1">
+        <a:alpha val="0"/>
+      </a:schemeClr>
+    </dgm:fillClrLst>
+    <dgm:linClrLst meth="repeat">
+      <a:schemeClr val="dk1">
+        <a:alpha val="0"/>
+      </a:schemeClr>
+    </dgm:linClrLst>
+    <dgm:effectClrLst/>
+    <dgm:txLinClrLst/>
+    <dgm:txFillClrLst meth="repeat">
+      <a:schemeClr val="tx1"/>
+    </dgm:txFillClrLst>
+    <dgm:txEffectClrLst/>
+  </dgm:styleLbl>
+</dgm:colorsDef>
+</file>
+
+<file path=ppt/diagrams/colors4.xml><?xml version="1.0" encoding="utf-8"?>
 <dgm:colorsDef xmlns:dgm="http://schemas.openxmlformats.org/drawingml/2006/diagram" xmlns:a="http://schemas.openxmlformats.org/drawingml/2006/main" uniqueId="urn:microsoft.com/office/officeart/2005/8/colors/accent1_2">
   <dgm:title val=""/>
   <dgm:desc val=""/>
@@ -2874,6 +3624,92 @@
 </file>
 
 <file path=ppt/diagrams/data3.xml><?xml version="1.0" encoding="utf-8"?>
+<dgm:dataModel xmlns:dgm="http://schemas.openxmlformats.org/drawingml/2006/diagram" xmlns:a="http://schemas.openxmlformats.org/drawingml/2006/main">
+  <dgm:ptLst>
+    <dgm:pt modelId="{6BE61B78-EB05-4761-8C7C-4068E8B41FBD}" type="doc">
+      <dgm:prSet loTypeId="urn:microsoft.com/office/officeart/2005/8/layout/vList2" loCatId="list" qsTypeId="urn:microsoft.com/office/officeart/2005/8/quickstyle/simple4" qsCatId="simple" csTypeId="urn:microsoft.com/office/officeart/2005/8/colors/accent1_2" csCatId="accent1"/>
+      <dgm:spPr/>
+      <dgm:t>
+        <a:bodyPr/>
+        <a:lstStyle/>
+        <a:p>
+          <a:endParaRPr lang="en-GB"/>
+        </a:p>
+      </dgm:t>
+    </dgm:pt>
+    <dgm:pt modelId="{508E1A3C-FD9B-421E-AF35-DEAA3ACD746C}">
+      <dgm:prSet/>
+      <dgm:spPr/>
+      <dgm:t>
+        <a:bodyPr/>
+        <a:lstStyle/>
+        <a:p>
+          <a:r>
+            <a:rPr lang="de-DE"/>
+            <a:t>Abfragesprache und/oder Treiber für andere Programmiersprachen</a:t>
+          </a:r>
+          <a:endParaRPr lang="en-GB"/>
+        </a:p>
+      </dgm:t>
+    </dgm:pt>
+    <dgm:pt modelId="{08B3BA6D-AB6D-435C-86D0-E740F56CC554}" type="parTrans" cxnId="{6E73E76D-1603-42C9-BD0A-ED2E4BB3D516}">
+      <dgm:prSet/>
+      <dgm:spPr/>
+      <dgm:t>
+        <a:bodyPr/>
+        <a:lstStyle/>
+        <a:p>
+          <a:endParaRPr lang="en-GB"/>
+        </a:p>
+      </dgm:t>
+    </dgm:pt>
+    <dgm:pt modelId="{57A6D83E-90C2-41AF-8366-5B9D3C5DFE51}" type="sibTrans" cxnId="{6E73E76D-1603-42C9-BD0A-ED2E4BB3D516}">
+      <dgm:prSet/>
+      <dgm:spPr/>
+      <dgm:t>
+        <a:bodyPr/>
+        <a:lstStyle/>
+        <a:p>
+          <a:endParaRPr lang="en-GB"/>
+        </a:p>
+      </dgm:t>
+    </dgm:pt>
+    <dgm:pt modelId="{E548A8A7-D61D-4394-A23A-76C84CD3027D}" type="pres">
+      <dgm:prSet presAssocID="{6BE61B78-EB05-4761-8C7C-4068E8B41FBD}" presName="linear" presStyleCnt="0">
+        <dgm:presLayoutVars>
+          <dgm:animLvl val="lvl"/>
+          <dgm:resizeHandles val="exact"/>
+        </dgm:presLayoutVars>
+      </dgm:prSet>
+      <dgm:spPr/>
+    </dgm:pt>
+    <dgm:pt modelId="{2F3290E7-E08A-441D-84A6-A738C93296A9}" type="pres">
+      <dgm:prSet presAssocID="{508E1A3C-FD9B-421E-AF35-DEAA3ACD746C}" presName="parentText" presStyleLbl="node1" presStyleIdx="0" presStyleCnt="1" custLinFactNeighborY="-13811">
+        <dgm:presLayoutVars>
+          <dgm:chMax val="0"/>
+          <dgm:bulletEnabled val="1"/>
+        </dgm:presLayoutVars>
+      </dgm:prSet>
+      <dgm:spPr/>
+    </dgm:pt>
+  </dgm:ptLst>
+  <dgm:cxnLst>
+    <dgm:cxn modelId="{6E73E76D-1603-42C9-BD0A-ED2E4BB3D516}" srcId="{6BE61B78-EB05-4761-8C7C-4068E8B41FBD}" destId="{508E1A3C-FD9B-421E-AF35-DEAA3ACD746C}" srcOrd="0" destOrd="0" parTransId="{08B3BA6D-AB6D-435C-86D0-E740F56CC554}" sibTransId="{57A6D83E-90C2-41AF-8366-5B9D3C5DFE51}"/>
+    <dgm:cxn modelId="{D194A4C2-90F4-4A06-A611-F1652C8F45FC}" type="presOf" srcId="{508E1A3C-FD9B-421E-AF35-DEAA3ACD746C}" destId="{2F3290E7-E08A-441D-84A6-A738C93296A9}" srcOrd="0" destOrd="0" presId="urn:microsoft.com/office/officeart/2005/8/layout/vList2"/>
+    <dgm:cxn modelId="{5775EBDD-4EB1-4D2D-907C-916820DFC335}" type="presOf" srcId="{6BE61B78-EB05-4761-8C7C-4068E8B41FBD}" destId="{E548A8A7-D61D-4394-A23A-76C84CD3027D}" srcOrd="0" destOrd="0" presId="urn:microsoft.com/office/officeart/2005/8/layout/vList2"/>
+    <dgm:cxn modelId="{BDB68F50-172F-498E-B70B-F2F029D98FEF}" type="presParOf" srcId="{E548A8A7-D61D-4394-A23A-76C84CD3027D}" destId="{2F3290E7-E08A-441D-84A6-A738C93296A9}" srcOrd="0" destOrd="0" presId="urn:microsoft.com/office/officeart/2005/8/layout/vList2"/>
+  </dgm:cxnLst>
+  <dgm:bg/>
+  <dgm:whole/>
+  <dgm:extLst>
+    <a:ext uri="http://schemas.microsoft.com/office/drawing/2008/diagram">
+      <dsp:dataModelExt xmlns:dsp="http://schemas.microsoft.com/office/drawing/2008/diagram" relId="rId8" minVer="http://schemas.openxmlformats.org/drawingml/2006/diagram"/>
+    </a:ext>
+  </dgm:extLst>
+</dgm:dataModel>
+</file>
+
+<file path=ppt/diagrams/data4.xml><?xml version="1.0" encoding="utf-8"?>
 <dgm:dataModel xmlns:dgm="http://schemas.openxmlformats.org/drawingml/2006/diagram" xmlns:a="http://schemas.openxmlformats.org/drawingml/2006/main">
   <dgm:ptLst>
     <dgm:pt modelId="{98AAB27E-C0E9-4FCC-A8B7-02FFFA21E478}" type="doc">
@@ -3852,6 +4688,111 @@
       <dsp:cNvGrpSpPr/>
     </dsp:nvGrpSpPr>
     <dsp:grpSpPr/>
+    <dsp:sp modelId="{2F3290E7-E08A-441D-84A6-A738C93296A9}">
+      <dsp:nvSpPr>
+        <dsp:cNvPr id="0" name=""/>
+        <dsp:cNvSpPr/>
+      </dsp:nvSpPr>
+      <dsp:spPr>
+        <a:xfrm>
+          <a:off x="0" y="69325"/>
+          <a:ext cx="6629400" cy="397800"/>
+        </a:xfrm>
+        <a:prstGeom prst="roundRect">
+          <a:avLst/>
+        </a:prstGeom>
+        <a:gradFill rotWithShape="0">
+          <a:gsLst>
+            <a:gs pos="0">
+              <a:schemeClr val="accent1">
+                <a:hueOff val="0"/>
+                <a:satOff val="0"/>
+                <a:lumOff val="0"/>
+                <a:alphaOff val="0"/>
+                <a:tint val="96000"/>
+                <a:lumMod val="100000"/>
+              </a:schemeClr>
+            </a:gs>
+            <a:gs pos="78000">
+              <a:schemeClr val="accent1">
+                <a:hueOff val="0"/>
+                <a:satOff val="0"/>
+                <a:lumOff val="0"/>
+                <a:alphaOff val="0"/>
+                <a:shade val="94000"/>
+                <a:lumMod val="94000"/>
+              </a:schemeClr>
+            </a:gs>
+          </a:gsLst>
+          <a:lin ang="5400000" scaled="0"/>
+        </a:gradFill>
+        <a:ln>
+          <a:noFill/>
+        </a:ln>
+        <a:effectLst>
+          <a:outerShdw blurRad="38100" dist="25400" dir="5400000" rotWithShape="0">
+            <a:srgbClr val="000000">
+              <a:alpha val="35000"/>
+            </a:srgbClr>
+          </a:outerShdw>
+        </a:effectLst>
+      </dsp:spPr>
+      <dsp:style>
+        <a:lnRef idx="0">
+          <a:scrgbClr r="0" g="0" b="0"/>
+        </a:lnRef>
+        <a:fillRef idx="3">
+          <a:scrgbClr r="0" g="0" b="0"/>
+        </a:fillRef>
+        <a:effectRef idx="2">
+          <a:scrgbClr r="0" g="0" b="0"/>
+        </a:effectRef>
+        <a:fontRef idx="minor">
+          <a:schemeClr val="lt1"/>
+        </a:fontRef>
+      </dsp:style>
+      <dsp:txBody>
+        <a:bodyPr spcFirstLastPara="0" vert="horz" wrap="square" lIns="64770" tIns="64770" rIns="64770" bIns="64770" numCol="1" spcCol="1270" anchor="ctr" anchorCtr="0">
+          <a:noAutofit/>
+        </a:bodyPr>
+        <a:lstStyle/>
+        <a:p>
+          <a:pPr marL="0" lvl="0" indent="0" algn="l" defTabSz="755650">
+            <a:lnSpc>
+              <a:spcPct val="90000"/>
+            </a:lnSpc>
+            <a:spcBef>
+              <a:spcPct val="0"/>
+            </a:spcBef>
+            <a:spcAft>
+              <a:spcPct val="35000"/>
+            </a:spcAft>
+            <a:buNone/>
+          </a:pPr>
+          <a:r>
+            <a:rPr lang="de-DE" sz="1700" kern="1200"/>
+            <a:t>Abfragesprache und/oder Treiber für andere Programmiersprachen</a:t>
+          </a:r>
+          <a:endParaRPr lang="en-GB" sz="1700" kern="1200"/>
+        </a:p>
+      </dsp:txBody>
+      <dsp:txXfrm>
+        <a:off x="19419" y="88744"/>
+        <a:ext cx="6590562" cy="358962"/>
+      </dsp:txXfrm>
+    </dsp:sp>
+  </dsp:spTree>
+</dsp:drawing>
+</file>
+
+<file path=ppt/diagrams/drawing4.xml><?xml version="1.0" encoding="utf-8"?>
+<dsp:drawing xmlns:dgm="http://schemas.openxmlformats.org/drawingml/2006/diagram" xmlns:dsp="http://schemas.microsoft.com/office/drawing/2008/diagram" xmlns:a="http://schemas.openxmlformats.org/drawingml/2006/main">
+  <dsp:spTree>
+    <dsp:nvGrpSpPr>
+      <dsp:cNvPr id="0" name=""/>
+      <dsp:cNvGrpSpPr/>
+    </dsp:nvGrpSpPr>
+    <dsp:grpSpPr/>
     <dsp:sp modelId="{18C7EE0E-8EAA-4EEB-9D19-30745E0D87D2}">
       <dsp:nvSpPr>
         <dsp:cNvPr id="0" name=""/>
@@ -4478,6 +5419,173 @@
 </file>
 
 <file path=ppt/diagrams/layout3.xml><?xml version="1.0" encoding="utf-8"?>
+<dgm:layoutDef xmlns:dgm="http://schemas.openxmlformats.org/drawingml/2006/diagram" xmlns:a="http://schemas.openxmlformats.org/drawingml/2006/main" uniqueId="urn:microsoft.com/office/officeart/2005/8/layout/vList2">
+  <dgm:title val=""/>
+  <dgm:desc val=""/>
+  <dgm:catLst>
+    <dgm:cat type="list" pri="3000"/>
+    <dgm:cat type="convert" pri="1000"/>
+  </dgm:catLst>
+  <dgm:sampData>
+    <dgm:dataModel>
+      <dgm:ptLst>
+        <dgm:pt modelId="0" type="doc"/>
+        <dgm:pt modelId="1">
+          <dgm:prSet phldr="1"/>
+        </dgm:pt>
+        <dgm:pt modelId="11">
+          <dgm:prSet phldr="1"/>
+        </dgm:pt>
+        <dgm:pt modelId="2">
+          <dgm:prSet phldr="1"/>
+        </dgm:pt>
+        <dgm:pt modelId="21">
+          <dgm:prSet phldr="1"/>
+        </dgm:pt>
+      </dgm:ptLst>
+      <dgm:cxnLst>
+        <dgm:cxn modelId="4" srcId="0" destId="1" srcOrd="0" destOrd="0"/>
+        <dgm:cxn modelId="5" srcId="0" destId="2" srcOrd="1" destOrd="0"/>
+        <dgm:cxn modelId="12" srcId="1" destId="11" srcOrd="0" destOrd="0"/>
+        <dgm:cxn modelId="23" srcId="2" destId="21" srcOrd="0" destOrd="0"/>
+      </dgm:cxnLst>
+      <dgm:bg/>
+      <dgm:whole/>
+    </dgm:dataModel>
+  </dgm:sampData>
+  <dgm:styleData>
+    <dgm:dataModel>
+      <dgm:ptLst>
+        <dgm:pt modelId="0" type="doc"/>
+        <dgm:pt modelId="1"/>
+        <dgm:pt modelId="2"/>
+      </dgm:ptLst>
+      <dgm:cxnLst>
+        <dgm:cxn modelId="3" srcId="0" destId="1" srcOrd="0" destOrd="0"/>
+        <dgm:cxn modelId="4" srcId="0" destId="2" srcOrd="1" destOrd="0"/>
+      </dgm:cxnLst>
+      <dgm:bg/>
+      <dgm:whole/>
+    </dgm:dataModel>
+  </dgm:styleData>
+  <dgm:clrData>
+    <dgm:dataModel>
+      <dgm:ptLst>
+        <dgm:pt modelId="0" type="doc"/>
+        <dgm:pt modelId="1"/>
+        <dgm:pt modelId="2"/>
+        <dgm:pt modelId="3"/>
+        <dgm:pt modelId="4"/>
+      </dgm:ptLst>
+      <dgm:cxnLst>
+        <dgm:cxn modelId="5" srcId="0" destId="1" srcOrd="0" destOrd="0"/>
+        <dgm:cxn modelId="6" srcId="0" destId="2" srcOrd="1" destOrd="0"/>
+        <dgm:cxn modelId="7" srcId="0" destId="3" srcOrd="2" destOrd="0"/>
+        <dgm:cxn modelId="8" srcId="0" destId="4" srcOrd="3" destOrd="0"/>
+      </dgm:cxnLst>
+      <dgm:bg/>
+      <dgm:whole/>
+    </dgm:dataModel>
+  </dgm:clrData>
+  <dgm:layoutNode name="linear">
+    <dgm:varLst>
+      <dgm:animLvl val="lvl"/>
+      <dgm:resizeHandles val="exact"/>
+    </dgm:varLst>
+    <dgm:alg type="lin">
+      <dgm:param type="linDir" val="fromT"/>
+      <dgm:param type="vertAlign" val="mid"/>
+    </dgm:alg>
+    <dgm:shape xmlns:r="http://schemas.openxmlformats.org/officeDocument/2006/relationships" r:blip="">
+      <dgm:adjLst/>
+    </dgm:shape>
+    <dgm:presOf/>
+    <dgm:constrLst>
+      <dgm:constr type="w" for="ch" forName="parentText" refType="w"/>
+      <dgm:constr type="h" for="ch" forName="parentText" refType="primFontSz" refFor="ch" refForName="parentText" fact="0.52"/>
+      <dgm:constr type="w" for="ch" forName="childText" refType="w"/>
+      <dgm:constr type="h" for="ch" forName="childText" refType="primFontSz" refFor="ch" refForName="parentText" fact="0.46"/>
+      <dgm:constr type="h" for="ch" forName="parentText" op="equ"/>
+      <dgm:constr type="primFontSz" for="ch" forName="parentText" op="equ" val="65"/>
+      <dgm:constr type="primFontSz" for="ch" forName="childText" refType="primFontSz" refFor="ch" refForName="parentText" op="equ"/>
+      <dgm:constr type="h" for="ch" forName="spacer" refType="primFontSz" refFor="ch" refForName="parentText" fact="0.08"/>
+    </dgm:constrLst>
+    <dgm:ruleLst>
+      <dgm:rule type="primFontSz" for="ch" forName="parentText" val="5" fact="NaN" max="NaN"/>
+    </dgm:ruleLst>
+    <dgm:forEach name="Name0" axis="ch" ptType="node">
+      <dgm:layoutNode name="parentText" styleLbl="node1">
+        <dgm:varLst>
+          <dgm:chMax val="0"/>
+          <dgm:bulletEnabled val="1"/>
+        </dgm:varLst>
+        <dgm:alg type="tx">
+          <dgm:param type="parTxLTRAlign" val="l"/>
+          <dgm:param type="parTxRTLAlign" val="r"/>
+        </dgm:alg>
+        <dgm:shape xmlns:r="http://schemas.openxmlformats.org/officeDocument/2006/relationships" type="roundRect" r:blip="">
+          <dgm:adjLst/>
+        </dgm:shape>
+        <dgm:presOf axis="self"/>
+        <dgm:constrLst>
+          <dgm:constr type="tMarg" refType="primFontSz" fact="0.3"/>
+          <dgm:constr type="bMarg" refType="primFontSz" fact="0.3"/>
+          <dgm:constr type="lMarg" refType="primFontSz" fact="0.3"/>
+          <dgm:constr type="rMarg" refType="primFontSz" fact="0.3"/>
+        </dgm:constrLst>
+        <dgm:ruleLst>
+          <dgm:rule type="h" val="INF" fact="NaN" max="NaN"/>
+        </dgm:ruleLst>
+      </dgm:layoutNode>
+      <dgm:choose name="Name1">
+        <dgm:if name="Name2" axis="ch" ptType="node" func="cnt" op="gte" val="1">
+          <dgm:layoutNode name="childText" styleLbl="revTx">
+            <dgm:varLst>
+              <dgm:bulletEnabled val="1"/>
+            </dgm:varLst>
+            <dgm:alg type="tx">
+              <dgm:param type="stBulletLvl" val="1"/>
+              <dgm:param type="lnSpAfChP" val="20"/>
+            </dgm:alg>
+            <dgm:shape xmlns:r="http://schemas.openxmlformats.org/officeDocument/2006/relationships" type="rect" r:blip="">
+              <dgm:adjLst/>
+            </dgm:shape>
+            <dgm:presOf axis="des" ptType="node"/>
+            <dgm:constrLst>
+              <dgm:constr type="tMarg" refType="primFontSz" fact="0.1"/>
+              <dgm:constr type="bMarg" refType="primFontSz" fact="0.1"/>
+              <dgm:constr type="lMarg" refType="w" fact="0.09"/>
+            </dgm:constrLst>
+            <dgm:ruleLst>
+              <dgm:rule type="h" val="INF" fact="NaN" max="NaN"/>
+            </dgm:ruleLst>
+          </dgm:layoutNode>
+        </dgm:if>
+        <dgm:else name="Name3">
+          <dgm:choose name="Name4">
+            <dgm:if name="Name5" axis="par ch" ptType="doc node" func="cnt" op="gte" val="2">
+              <dgm:forEach name="Name6" axis="followSib" ptType="sibTrans" cnt="1">
+                <dgm:layoutNode name="spacer">
+                  <dgm:alg type="sp"/>
+                  <dgm:shape xmlns:r="http://schemas.openxmlformats.org/officeDocument/2006/relationships" r:blip="">
+                    <dgm:adjLst/>
+                  </dgm:shape>
+                  <dgm:presOf/>
+                  <dgm:constrLst/>
+                  <dgm:ruleLst/>
+                </dgm:layoutNode>
+              </dgm:forEach>
+            </dgm:if>
+            <dgm:else name="Name7"/>
+          </dgm:choose>
+        </dgm:else>
+      </dgm:choose>
+    </dgm:forEach>
+  </dgm:layoutNode>
+</dgm:layoutDef>
+</file>
+
+<file path=ppt/diagrams/layout4.xml><?xml version="1.0" encoding="utf-8"?>
 <dgm:layoutDef xmlns:dgm="http://schemas.openxmlformats.org/drawingml/2006/diagram" xmlns:a="http://schemas.openxmlformats.org/drawingml/2006/main" uniqueId="urn:microsoft.com/office/officeart/2005/8/layout/default">
   <dgm:title val=""/>
   <dgm:desc val=""/>
@@ -7726,6 +8834,1040 @@
 </dgm:styleDef>
 </file>
 
+<file path=ppt/diagrams/quickStyle4.xml><?xml version="1.0" encoding="utf-8"?>
+<dgm:styleDef xmlns:dgm="http://schemas.openxmlformats.org/drawingml/2006/diagram" xmlns:a="http://schemas.openxmlformats.org/drawingml/2006/main" uniqueId="urn:microsoft.com/office/officeart/2005/8/quickstyle/simple4">
+  <dgm:title val=""/>
+  <dgm:desc val=""/>
+  <dgm:catLst>
+    <dgm:cat type="simple" pri="10400"/>
+  </dgm:catLst>
+  <dgm:scene3d>
+    <a:camera prst="orthographicFront"/>
+    <a:lightRig rig="threePt" dir="t"/>
+  </dgm:scene3d>
+  <dgm:styleLbl name="node0">
+    <dgm:scene3d>
+      <a:camera prst="orthographicFront"/>
+      <a:lightRig rig="threePt" dir="t"/>
+    </dgm:scene3d>
+    <dgm:sp3d/>
+    <dgm:txPr/>
+    <dgm:style>
+      <a:lnRef idx="0">
+        <a:scrgbClr r="0" g="0" b="0"/>
+      </a:lnRef>
+      <a:fillRef idx="3">
+        <a:scrgbClr r="0" g="0" b="0"/>
+      </a:fillRef>
+      <a:effectRef idx="2">
+        <a:scrgbClr r="0" g="0" b="0"/>
+      </a:effectRef>
+      <a:fontRef idx="minor">
+        <a:schemeClr val="lt1"/>
+      </a:fontRef>
+    </dgm:style>
+  </dgm:styleLbl>
+  <dgm:styleLbl name="lnNode1">
+    <dgm:scene3d>
+      <a:camera prst="orthographicFront"/>
+      <a:lightRig rig="threePt" dir="t"/>
+    </dgm:scene3d>
+    <dgm:sp3d/>
+    <dgm:txPr/>
+    <dgm:style>
+      <a:lnRef idx="1">
+        <a:scrgbClr r="0" g="0" b="0"/>
+      </a:lnRef>
+      <a:fillRef idx="3">
+        <a:scrgbClr r="0" g="0" b="0"/>
+      </a:fillRef>
+      <a:effectRef idx="2">
+        <a:scrgbClr r="0" g="0" b="0"/>
+      </a:effectRef>
+      <a:fontRef idx="minor">
+        <a:schemeClr val="lt1"/>
+      </a:fontRef>
+    </dgm:style>
+  </dgm:styleLbl>
+  <dgm:styleLbl name="vennNode1">
+    <dgm:scene3d>
+      <a:camera prst="orthographicFront"/>
+      <a:lightRig rig="threePt" dir="t"/>
+    </dgm:scene3d>
+    <dgm:sp3d/>
+    <dgm:txPr/>
+    <dgm:style>
+      <a:lnRef idx="0">
+        <a:scrgbClr r="0" g="0" b="0"/>
+      </a:lnRef>
+      <a:fillRef idx="3">
+        <a:scrgbClr r="0" g="0" b="0"/>
+      </a:fillRef>
+      <a:effectRef idx="0">
+        <a:scrgbClr r="0" g="0" b="0"/>
+      </a:effectRef>
+      <a:fontRef idx="minor">
+        <a:schemeClr val="tx1"/>
+      </a:fontRef>
+    </dgm:style>
+  </dgm:styleLbl>
+  <dgm:styleLbl name="alignNode1">
+    <dgm:scene3d>
+      <a:camera prst="orthographicFront"/>
+      <a:lightRig rig="threePt" dir="t"/>
+    </dgm:scene3d>
+    <dgm:sp3d/>
+    <dgm:txPr/>
+    <dgm:style>
+      <a:lnRef idx="1">
+        <a:scrgbClr r="0" g="0" b="0"/>
+      </a:lnRef>
+      <a:fillRef idx="3">
+        <a:scrgbClr r="0" g="0" b="0"/>
+      </a:fillRef>
+      <a:effectRef idx="2">
+        <a:scrgbClr r="0" g="0" b="0"/>
+      </a:effectRef>
+      <a:fontRef idx="minor">
+        <a:schemeClr val="lt1"/>
+      </a:fontRef>
+    </dgm:style>
+  </dgm:styleLbl>
+  <dgm:styleLbl name="node1">
+    <dgm:scene3d>
+      <a:camera prst="orthographicFront"/>
+      <a:lightRig rig="threePt" dir="t"/>
+    </dgm:scene3d>
+    <dgm:sp3d/>
+    <dgm:txPr/>
+    <dgm:style>
+      <a:lnRef idx="0">
+        <a:scrgbClr r="0" g="0" b="0"/>
+      </a:lnRef>
+      <a:fillRef idx="3">
+        <a:scrgbClr r="0" g="0" b="0"/>
+      </a:fillRef>
+      <a:effectRef idx="2">
+        <a:scrgbClr r="0" g="0" b="0"/>
+      </a:effectRef>
+      <a:fontRef idx="minor">
+        <a:schemeClr val="lt1"/>
+      </a:fontRef>
+    </dgm:style>
+  </dgm:styleLbl>
+  <dgm:styleLbl name="node2">
+    <dgm:scene3d>
+      <a:camera prst="orthographicFront"/>
+      <a:lightRig rig="threePt" dir="t"/>
+    </dgm:scene3d>
+    <dgm:sp3d/>
+    <dgm:txPr/>
+    <dgm:style>
+      <a:lnRef idx="0">
+        <a:scrgbClr r="0" g="0" b="0"/>
+      </a:lnRef>
+      <a:fillRef idx="3">
+        <a:scrgbClr r="0" g="0" b="0"/>
+      </a:fillRef>
+      <a:effectRef idx="2">
+        <a:scrgbClr r="0" g="0" b="0"/>
+      </a:effectRef>
+      <a:fontRef idx="minor">
+        <a:schemeClr val="lt1"/>
+      </a:fontRef>
+    </dgm:style>
+  </dgm:styleLbl>
+  <dgm:styleLbl name="node3">
+    <dgm:scene3d>
+      <a:camera prst="orthographicFront"/>
+      <a:lightRig rig="threePt" dir="t"/>
+    </dgm:scene3d>
+    <dgm:sp3d/>
+    <dgm:txPr/>
+    <dgm:style>
+      <a:lnRef idx="0">
+        <a:scrgbClr r="0" g="0" b="0"/>
+      </a:lnRef>
+      <a:fillRef idx="3">
+        <a:scrgbClr r="0" g="0" b="0"/>
+      </a:fillRef>
+      <a:effectRef idx="2">
+        <a:scrgbClr r="0" g="0" b="0"/>
+      </a:effectRef>
+      <a:fontRef idx="minor">
+        <a:schemeClr val="lt1"/>
+      </a:fontRef>
+    </dgm:style>
+  </dgm:styleLbl>
+  <dgm:styleLbl name="node4">
+    <dgm:scene3d>
+      <a:camera prst="orthographicFront"/>
+      <a:lightRig rig="threePt" dir="t"/>
+    </dgm:scene3d>
+    <dgm:sp3d/>
+    <dgm:txPr/>
+    <dgm:style>
+      <a:lnRef idx="0">
+        <a:scrgbClr r="0" g="0" b="0"/>
+      </a:lnRef>
+      <a:fillRef idx="3">
+        <a:scrgbClr r="0" g="0" b="0"/>
+      </a:fillRef>
+      <a:effectRef idx="2">
+        <a:scrgbClr r="0" g="0" b="0"/>
+      </a:effectRef>
+      <a:fontRef idx="minor">
+        <a:schemeClr val="lt1"/>
+      </a:fontRef>
+    </dgm:style>
+  </dgm:styleLbl>
+  <dgm:styleLbl name="fgImgPlace1">
+    <dgm:scene3d>
+      <a:camera prst="orthographicFront"/>
+      <a:lightRig rig="threePt" dir="t"/>
+    </dgm:scene3d>
+    <dgm:sp3d/>
+    <dgm:txPr/>
+    <dgm:style>
+      <a:lnRef idx="0">
+        <a:scrgbClr r="0" g="0" b="0"/>
+      </a:lnRef>
+      <a:fillRef idx="1">
+        <a:scrgbClr r="0" g="0" b="0"/>
+      </a:fillRef>
+      <a:effectRef idx="2">
+        <a:scrgbClr r="0" g="0" b="0"/>
+      </a:effectRef>
+      <a:fontRef idx="minor"/>
+    </dgm:style>
+  </dgm:styleLbl>
+  <dgm:styleLbl name="alignImgPlace1">
+    <dgm:scene3d>
+      <a:camera prst="orthographicFront"/>
+      <a:lightRig rig="threePt" dir="t"/>
+    </dgm:scene3d>
+    <dgm:sp3d/>
+    <dgm:txPr/>
+    <dgm:style>
+      <a:lnRef idx="0">
+        <a:scrgbClr r="0" g="0" b="0"/>
+      </a:lnRef>
+      <a:fillRef idx="1">
+        <a:scrgbClr r="0" g="0" b="0"/>
+      </a:fillRef>
+      <a:effectRef idx="2">
+        <a:scrgbClr r="0" g="0" b="0"/>
+      </a:effectRef>
+      <a:fontRef idx="minor"/>
+    </dgm:style>
+  </dgm:styleLbl>
+  <dgm:styleLbl name="bgImgPlace1">
+    <dgm:scene3d>
+      <a:camera prst="orthographicFront"/>
+      <a:lightRig rig="threePt" dir="t"/>
+    </dgm:scene3d>
+    <dgm:sp3d/>
+    <dgm:txPr/>
+    <dgm:style>
+      <a:lnRef idx="0">
+        <a:scrgbClr r="0" g="0" b="0"/>
+      </a:lnRef>
+      <a:fillRef idx="1">
+        <a:scrgbClr r="0" g="0" b="0"/>
+      </a:fillRef>
+      <a:effectRef idx="2">
+        <a:scrgbClr r="0" g="0" b="0"/>
+      </a:effectRef>
+      <a:fontRef idx="minor"/>
+    </dgm:style>
+  </dgm:styleLbl>
+  <dgm:styleLbl name="sibTrans2D1">
+    <dgm:scene3d>
+      <a:camera prst="orthographicFront"/>
+      <a:lightRig rig="threePt" dir="t"/>
+    </dgm:scene3d>
+    <dgm:sp3d/>
+    <dgm:txPr/>
+    <dgm:style>
+      <a:lnRef idx="0">
+        <a:scrgbClr r="0" g="0" b="0"/>
+      </a:lnRef>
+      <a:fillRef idx="3">
+        <a:scrgbClr r="0" g="0" b="0"/>
+      </a:fillRef>
+      <a:effectRef idx="2">
+        <a:scrgbClr r="0" g="0" b="0"/>
+      </a:effectRef>
+      <a:fontRef idx="minor">
+        <a:schemeClr val="lt1"/>
+      </a:fontRef>
+    </dgm:style>
+  </dgm:styleLbl>
+  <dgm:styleLbl name="fgSibTrans2D1">
+    <dgm:scene3d>
+      <a:camera prst="orthographicFront"/>
+      <a:lightRig rig="threePt" dir="t"/>
+    </dgm:scene3d>
+    <dgm:sp3d/>
+    <dgm:txPr/>
+    <dgm:style>
+      <a:lnRef idx="0">
+        <a:scrgbClr r="0" g="0" b="0"/>
+      </a:lnRef>
+      <a:fillRef idx="3">
+        <a:scrgbClr r="0" g="0" b="0"/>
+      </a:fillRef>
+      <a:effectRef idx="2">
+        <a:scrgbClr r="0" g="0" b="0"/>
+      </a:effectRef>
+      <a:fontRef idx="minor">
+        <a:schemeClr val="lt1"/>
+      </a:fontRef>
+    </dgm:style>
+  </dgm:styleLbl>
+  <dgm:styleLbl name="bgSibTrans2D1">
+    <dgm:scene3d>
+      <a:camera prst="orthographicFront"/>
+      <a:lightRig rig="threePt" dir="t"/>
+    </dgm:scene3d>
+    <dgm:sp3d/>
+    <dgm:txPr/>
+    <dgm:style>
+      <a:lnRef idx="0">
+        <a:scrgbClr r="0" g="0" b="0"/>
+      </a:lnRef>
+      <a:fillRef idx="3">
+        <a:scrgbClr r="0" g="0" b="0"/>
+      </a:fillRef>
+      <a:effectRef idx="2">
+        <a:scrgbClr r="0" g="0" b="0"/>
+      </a:effectRef>
+      <a:fontRef idx="minor">
+        <a:schemeClr val="lt1"/>
+      </a:fontRef>
+    </dgm:style>
+  </dgm:styleLbl>
+  <dgm:styleLbl name="sibTrans1D1">
+    <dgm:scene3d>
+      <a:camera prst="orthographicFront"/>
+      <a:lightRig rig="threePt" dir="t"/>
+    </dgm:scene3d>
+    <dgm:sp3d/>
+    <dgm:txPr/>
+    <dgm:style>
+      <a:lnRef idx="1">
+        <a:scrgbClr r="0" g="0" b="0"/>
+      </a:lnRef>
+      <a:fillRef idx="0">
+        <a:scrgbClr r="0" g="0" b="0"/>
+      </a:fillRef>
+      <a:effectRef idx="0">
+        <a:scrgbClr r="0" g="0" b="0"/>
+      </a:effectRef>
+      <a:fontRef idx="minor"/>
+    </dgm:style>
+  </dgm:styleLbl>
+  <dgm:styleLbl name="callout">
+    <dgm:scene3d>
+      <a:camera prst="orthographicFront"/>
+      <a:lightRig rig="threePt" dir="t"/>
+    </dgm:scene3d>
+    <dgm:sp3d/>
+    <dgm:txPr/>
+    <dgm:style>
+      <a:lnRef idx="2">
+        <a:scrgbClr r="0" g="0" b="0"/>
+      </a:lnRef>
+      <a:fillRef idx="1">
+        <a:scrgbClr r="0" g="0" b="0"/>
+      </a:fillRef>
+      <a:effectRef idx="1">
+        <a:scrgbClr r="0" g="0" b="0"/>
+      </a:effectRef>
+      <a:fontRef idx="minor"/>
+    </dgm:style>
+  </dgm:styleLbl>
+  <dgm:styleLbl name="asst0">
+    <dgm:scene3d>
+      <a:camera prst="orthographicFront"/>
+      <a:lightRig rig="threePt" dir="t"/>
+    </dgm:scene3d>
+    <dgm:sp3d/>
+    <dgm:txPr/>
+    <dgm:style>
+      <a:lnRef idx="0">
+        <a:scrgbClr r="0" g="0" b="0"/>
+      </a:lnRef>
+      <a:fillRef idx="3">
+        <a:scrgbClr r="0" g="0" b="0"/>
+      </a:fillRef>
+      <a:effectRef idx="2">
+        <a:scrgbClr r="0" g="0" b="0"/>
+      </a:effectRef>
+      <a:fontRef idx="minor">
+        <a:schemeClr val="lt1"/>
+      </a:fontRef>
+    </dgm:style>
+  </dgm:styleLbl>
+  <dgm:styleLbl name="asst1">
+    <dgm:scene3d>
+      <a:camera prst="orthographicFront"/>
+      <a:lightRig rig="threePt" dir="t"/>
+    </dgm:scene3d>
+    <dgm:sp3d/>
+    <dgm:txPr/>
+    <dgm:style>
+      <a:lnRef idx="0">
+        <a:scrgbClr r="0" g="0" b="0"/>
+      </a:lnRef>
+      <a:fillRef idx="3">
+        <a:scrgbClr r="0" g="0" b="0"/>
+      </a:fillRef>
+      <a:effectRef idx="2">
+        <a:scrgbClr r="0" g="0" b="0"/>
+      </a:effectRef>
+      <a:fontRef idx="minor">
+        <a:schemeClr val="lt1"/>
+      </a:fontRef>
+    </dgm:style>
+  </dgm:styleLbl>
+  <dgm:styleLbl name="asst2">
+    <dgm:scene3d>
+      <a:camera prst="orthographicFront"/>
+      <a:lightRig rig="threePt" dir="t"/>
+    </dgm:scene3d>
+    <dgm:sp3d/>
+    <dgm:txPr/>
+    <dgm:style>
+      <a:lnRef idx="0">
+        <a:scrgbClr r="0" g="0" b="0"/>
+      </a:lnRef>
+      <a:fillRef idx="3">
+        <a:scrgbClr r="0" g="0" b="0"/>
+      </a:fillRef>
+      <a:effectRef idx="2">
+        <a:scrgbClr r="0" g="0" b="0"/>
+      </a:effectRef>
+      <a:fontRef idx="minor">
+        <a:schemeClr val="lt1"/>
+      </a:fontRef>
+    </dgm:style>
+  </dgm:styleLbl>
+  <dgm:styleLbl name="asst3">
+    <dgm:scene3d>
+      <a:camera prst="orthographicFront"/>
+      <a:lightRig rig="threePt" dir="t"/>
+    </dgm:scene3d>
+    <dgm:sp3d/>
+    <dgm:txPr/>
+    <dgm:style>
+      <a:lnRef idx="0">
+        <a:scrgbClr r="0" g="0" b="0"/>
+      </a:lnRef>
+      <a:fillRef idx="3">
+        <a:scrgbClr r="0" g="0" b="0"/>
+      </a:fillRef>
+      <a:effectRef idx="2">
+        <a:scrgbClr r="0" g="0" b="0"/>
+      </a:effectRef>
+      <a:fontRef idx="minor">
+        <a:schemeClr val="lt1"/>
+      </a:fontRef>
+    </dgm:style>
+  </dgm:styleLbl>
+  <dgm:styleLbl name="asst4">
+    <dgm:scene3d>
+      <a:camera prst="orthographicFront"/>
+      <a:lightRig rig="threePt" dir="t"/>
+    </dgm:scene3d>
+    <dgm:sp3d/>
+    <dgm:txPr/>
+    <dgm:style>
+      <a:lnRef idx="0">
+        <a:scrgbClr r="0" g="0" b="0"/>
+      </a:lnRef>
+      <a:fillRef idx="3">
+        <a:scrgbClr r="0" g="0" b="0"/>
+      </a:fillRef>
+      <a:effectRef idx="2">
+        <a:scrgbClr r="0" g="0" b="0"/>
+      </a:effectRef>
+      <a:fontRef idx="minor">
+        <a:schemeClr val="lt1"/>
+      </a:fontRef>
+    </dgm:style>
+  </dgm:styleLbl>
+  <dgm:styleLbl name="parChTrans2D1">
+    <dgm:scene3d>
+      <a:camera prst="orthographicFront"/>
+      <a:lightRig rig="threePt" dir="t"/>
+    </dgm:scene3d>
+    <dgm:sp3d/>
+    <dgm:txPr/>
+    <dgm:style>
+      <a:lnRef idx="0">
+        <a:scrgbClr r="0" g="0" b="0"/>
+      </a:lnRef>
+      <a:fillRef idx="3">
+        <a:scrgbClr r="0" g="0" b="0"/>
+      </a:fillRef>
+      <a:effectRef idx="2">
+        <a:scrgbClr r="0" g="0" b="0"/>
+      </a:effectRef>
+      <a:fontRef idx="minor">
+        <a:schemeClr val="lt1"/>
+      </a:fontRef>
+    </dgm:style>
+  </dgm:styleLbl>
+  <dgm:styleLbl name="parChTrans2D2">
+    <dgm:scene3d>
+      <a:camera prst="orthographicFront"/>
+      <a:lightRig rig="threePt" dir="t"/>
+    </dgm:scene3d>
+    <dgm:sp3d/>
+    <dgm:txPr/>
+    <dgm:style>
+      <a:lnRef idx="0">
+        <a:scrgbClr r="0" g="0" b="0"/>
+      </a:lnRef>
+      <a:fillRef idx="3">
+        <a:scrgbClr r="0" g="0" b="0"/>
+      </a:fillRef>
+      <a:effectRef idx="2">
+        <a:scrgbClr r="0" g="0" b="0"/>
+      </a:effectRef>
+      <a:fontRef idx="minor">
+        <a:schemeClr val="lt1"/>
+      </a:fontRef>
+    </dgm:style>
+  </dgm:styleLbl>
+  <dgm:styleLbl name="parChTrans2D3">
+    <dgm:scene3d>
+      <a:camera prst="orthographicFront"/>
+      <a:lightRig rig="threePt" dir="t"/>
+    </dgm:scene3d>
+    <dgm:sp3d/>
+    <dgm:txPr/>
+    <dgm:style>
+      <a:lnRef idx="1">
+        <a:scrgbClr r="0" g="0" b="0"/>
+      </a:lnRef>
+      <a:fillRef idx="3">
+        <a:scrgbClr r="0" g="0" b="0"/>
+      </a:fillRef>
+      <a:effectRef idx="2">
+        <a:scrgbClr r="0" g="0" b="0"/>
+      </a:effectRef>
+      <a:fontRef idx="minor">
+        <a:schemeClr val="lt1"/>
+      </a:fontRef>
+    </dgm:style>
+  </dgm:styleLbl>
+  <dgm:styleLbl name="parChTrans2D4">
+    <dgm:scene3d>
+      <a:camera prst="orthographicFront"/>
+      <a:lightRig rig="threePt" dir="t"/>
+    </dgm:scene3d>
+    <dgm:sp3d/>
+    <dgm:txPr/>
+    <dgm:style>
+      <a:lnRef idx="1">
+        <a:scrgbClr r="0" g="0" b="0"/>
+      </a:lnRef>
+      <a:fillRef idx="3">
+        <a:scrgbClr r="0" g="0" b="0"/>
+      </a:fillRef>
+      <a:effectRef idx="2">
+        <a:scrgbClr r="0" g="0" b="0"/>
+      </a:effectRef>
+      <a:fontRef idx="minor">
+        <a:schemeClr val="lt1"/>
+      </a:fontRef>
+    </dgm:style>
+  </dgm:styleLbl>
+  <dgm:styleLbl name="parChTrans1D1">
+    <dgm:scene3d>
+      <a:camera prst="orthographicFront"/>
+      <a:lightRig rig="threePt" dir="t"/>
+    </dgm:scene3d>
+    <dgm:sp3d/>
+    <dgm:txPr/>
+    <dgm:style>
+      <a:lnRef idx="1">
+        <a:scrgbClr r="0" g="0" b="0"/>
+      </a:lnRef>
+      <a:fillRef idx="0">
+        <a:scrgbClr r="0" g="0" b="0"/>
+      </a:fillRef>
+      <a:effectRef idx="0">
+        <a:scrgbClr r="0" g="0" b="0"/>
+      </a:effectRef>
+      <a:fontRef idx="minor"/>
+    </dgm:style>
+  </dgm:styleLbl>
+  <dgm:styleLbl name="parChTrans1D2">
+    <dgm:scene3d>
+      <a:camera prst="orthographicFront"/>
+      <a:lightRig rig="threePt" dir="t"/>
+    </dgm:scene3d>
+    <dgm:sp3d/>
+    <dgm:txPr/>
+    <dgm:style>
+      <a:lnRef idx="1">
+        <a:scrgbClr r="0" g="0" b="0"/>
+      </a:lnRef>
+      <a:fillRef idx="0">
+        <a:scrgbClr r="0" g="0" b="0"/>
+      </a:fillRef>
+      <a:effectRef idx="0">
+        <a:scrgbClr r="0" g="0" b="0"/>
+      </a:effectRef>
+      <a:fontRef idx="minor"/>
+    </dgm:style>
+  </dgm:styleLbl>
+  <dgm:styleLbl name="parChTrans1D3">
+    <dgm:scene3d>
+      <a:camera prst="orthographicFront"/>
+      <a:lightRig rig="threePt" dir="t"/>
+    </dgm:scene3d>
+    <dgm:sp3d/>
+    <dgm:txPr/>
+    <dgm:style>
+      <a:lnRef idx="1">
+        <a:scrgbClr r="0" g="0" b="0"/>
+      </a:lnRef>
+      <a:fillRef idx="0">
+        <a:scrgbClr r="0" g="0" b="0"/>
+      </a:fillRef>
+      <a:effectRef idx="0">
+        <a:scrgbClr r="0" g="0" b="0"/>
+      </a:effectRef>
+      <a:fontRef idx="minor"/>
+    </dgm:style>
+  </dgm:styleLbl>
+  <dgm:styleLbl name="parChTrans1D4">
+    <dgm:scene3d>
+      <a:camera prst="orthographicFront"/>
+      <a:lightRig rig="threePt" dir="t"/>
+    </dgm:scene3d>
+    <dgm:sp3d/>
+    <dgm:txPr/>
+    <dgm:style>
+      <a:lnRef idx="1">
+        <a:scrgbClr r="0" g="0" b="0"/>
+      </a:lnRef>
+      <a:fillRef idx="0">
+        <a:scrgbClr r="0" g="0" b="0"/>
+      </a:fillRef>
+      <a:effectRef idx="0">
+        <a:scrgbClr r="0" g="0" b="0"/>
+      </a:effectRef>
+      <a:fontRef idx="minor"/>
+    </dgm:style>
+  </dgm:styleLbl>
+  <dgm:styleLbl name="fgAcc1">
+    <dgm:scene3d>
+      <a:camera prst="orthographicFront"/>
+      <a:lightRig rig="threePt" dir="t"/>
+    </dgm:scene3d>
+    <dgm:sp3d/>
+    <dgm:txPr/>
+    <dgm:style>
+      <a:lnRef idx="1">
+        <a:scrgbClr r="0" g="0" b="0"/>
+      </a:lnRef>
+      <a:fillRef idx="1">
+        <a:scrgbClr r="0" g="0" b="0"/>
+      </a:fillRef>
+      <a:effectRef idx="0">
+        <a:scrgbClr r="0" g="0" b="0"/>
+      </a:effectRef>
+      <a:fontRef idx="minor"/>
+    </dgm:style>
+  </dgm:styleLbl>
+  <dgm:styleLbl name="conFgAcc1">
+    <dgm:scene3d>
+      <a:camera prst="orthographicFront"/>
+      <a:lightRig rig="threePt" dir="t"/>
+    </dgm:scene3d>
+    <dgm:sp3d/>
+    <dgm:txPr/>
+    <dgm:style>
+      <a:lnRef idx="1">
+        <a:scrgbClr r="0" g="0" b="0"/>
+      </a:lnRef>
+      <a:fillRef idx="1">
+        <a:scrgbClr r="0" g="0" b="0"/>
+      </a:fillRef>
+      <a:effectRef idx="0">
+        <a:scrgbClr r="0" g="0" b="0"/>
+      </a:effectRef>
+      <a:fontRef idx="minor"/>
+    </dgm:style>
+  </dgm:styleLbl>
+  <dgm:styleLbl name="alignAcc1">
+    <dgm:scene3d>
+      <a:camera prst="orthographicFront"/>
+      <a:lightRig rig="threePt" dir="t"/>
+    </dgm:scene3d>
+    <dgm:sp3d/>
+    <dgm:txPr/>
+    <dgm:style>
+      <a:lnRef idx="1">
+        <a:scrgbClr r="0" g="0" b="0"/>
+      </a:lnRef>
+      <a:fillRef idx="1">
+        <a:scrgbClr r="0" g="0" b="0"/>
+      </a:fillRef>
+      <a:effectRef idx="0">
+        <a:scrgbClr r="0" g="0" b="0"/>
+      </a:effectRef>
+      <a:fontRef idx="minor"/>
+    </dgm:style>
+  </dgm:styleLbl>
+  <dgm:styleLbl name="trAlignAcc1">
+    <dgm:scene3d>
+      <a:camera prst="orthographicFront"/>
+      <a:lightRig rig="threePt" dir="t"/>
+    </dgm:scene3d>
+    <dgm:sp3d/>
+    <dgm:txPr/>
+    <dgm:style>
+      <a:lnRef idx="1">
+        <a:scrgbClr r="0" g="0" b="0"/>
+      </a:lnRef>
+      <a:fillRef idx="1">
+        <a:scrgbClr r="0" g="0" b="0"/>
+      </a:fillRef>
+      <a:effectRef idx="0">
+        <a:scrgbClr r="0" g="0" b="0"/>
+      </a:effectRef>
+      <a:fontRef idx="minor"/>
+    </dgm:style>
+  </dgm:styleLbl>
+  <dgm:styleLbl name="bgAcc1">
+    <dgm:scene3d>
+      <a:camera prst="orthographicFront"/>
+      <a:lightRig rig="threePt" dir="t"/>
+    </dgm:scene3d>
+    <dgm:sp3d/>
+    <dgm:txPr/>
+    <dgm:style>
+      <a:lnRef idx="1">
+        <a:scrgbClr r="0" g="0" b="0"/>
+      </a:lnRef>
+      <a:fillRef idx="1">
+        <a:scrgbClr r="0" g="0" b="0"/>
+      </a:fillRef>
+      <a:effectRef idx="0">
+        <a:scrgbClr r="0" g="0" b="0"/>
+      </a:effectRef>
+      <a:fontRef idx="minor"/>
+    </dgm:style>
+  </dgm:styleLbl>
+  <dgm:styleLbl name="solidFgAcc1">
+    <dgm:scene3d>
+      <a:camera prst="orthographicFront"/>
+      <a:lightRig rig="threePt" dir="t"/>
+    </dgm:scene3d>
+    <dgm:sp3d/>
+    <dgm:txPr/>
+    <dgm:style>
+      <a:lnRef idx="1">
+        <a:scrgbClr r="0" g="0" b="0"/>
+      </a:lnRef>
+      <a:fillRef idx="1">
+        <a:scrgbClr r="0" g="0" b="0"/>
+      </a:fillRef>
+      <a:effectRef idx="0">
+        <a:scrgbClr r="0" g="0" b="0"/>
+      </a:effectRef>
+      <a:fontRef idx="minor"/>
+    </dgm:style>
+  </dgm:styleLbl>
+  <dgm:styleLbl name="solidAlignAcc1">
+    <dgm:scene3d>
+      <a:camera prst="orthographicFront"/>
+      <a:lightRig rig="threePt" dir="t"/>
+    </dgm:scene3d>
+    <dgm:sp3d/>
+    <dgm:txPr/>
+    <dgm:style>
+      <a:lnRef idx="1">
+        <a:scrgbClr r="0" g="0" b="0"/>
+      </a:lnRef>
+      <a:fillRef idx="1">
+        <a:scrgbClr r="0" g="0" b="0"/>
+      </a:fillRef>
+      <a:effectRef idx="0">
+        <a:scrgbClr r="0" g="0" b="0"/>
+      </a:effectRef>
+      <a:fontRef idx="minor"/>
+    </dgm:style>
+  </dgm:styleLbl>
+  <dgm:styleLbl name="solidBgAcc1">
+    <dgm:scene3d>
+      <a:camera prst="orthographicFront"/>
+      <a:lightRig rig="threePt" dir="t"/>
+    </dgm:scene3d>
+    <dgm:sp3d/>
+    <dgm:txPr/>
+    <dgm:style>
+      <a:lnRef idx="1">
+        <a:scrgbClr r="0" g="0" b="0"/>
+      </a:lnRef>
+      <a:fillRef idx="1">
+        <a:scrgbClr r="0" g="0" b="0"/>
+      </a:fillRef>
+      <a:effectRef idx="0">
+        <a:scrgbClr r="0" g="0" b="0"/>
+      </a:effectRef>
+      <a:fontRef idx="minor"/>
+    </dgm:style>
+  </dgm:styleLbl>
+  <dgm:styleLbl name="fgAccFollowNode1">
+    <dgm:scene3d>
+      <a:camera prst="orthographicFront"/>
+      <a:lightRig rig="threePt" dir="t"/>
+    </dgm:scene3d>
+    <dgm:sp3d/>
+    <dgm:txPr/>
+    <dgm:style>
+      <a:lnRef idx="1">
+        <a:scrgbClr r="0" g="0" b="0"/>
+      </a:lnRef>
+      <a:fillRef idx="1">
+        <a:scrgbClr r="0" g="0" b="0"/>
+      </a:fillRef>
+      <a:effectRef idx="0">
+        <a:scrgbClr r="0" g="0" b="0"/>
+      </a:effectRef>
+      <a:fontRef idx="minor"/>
+    </dgm:style>
+  </dgm:styleLbl>
+  <dgm:styleLbl name="alignAccFollowNode1">
+    <dgm:scene3d>
+      <a:camera prst="orthographicFront"/>
+      <a:lightRig rig="threePt" dir="t"/>
+    </dgm:scene3d>
+    <dgm:sp3d/>
+    <dgm:txPr/>
+    <dgm:style>
+      <a:lnRef idx="1">
+        <a:scrgbClr r="0" g="0" b="0"/>
+      </a:lnRef>
+      <a:fillRef idx="1">
+        <a:scrgbClr r="0" g="0" b="0"/>
+      </a:fillRef>
+      <a:effectRef idx="0">
+        <a:scrgbClr r="0" g="0" b="0"/>
+      </a:effectRef>
+      <a:fontRef idx="minor"/>
+    </dgm:style>
+  </dgm:styleLbl>
+  <dgm:styleLbl name="bgAccFollowNode1">
+    <dgm:scene3d>
+      <a:camera prst="orthographicFront"/>
+      <a:lightRig rig="threePt" dir="t"/>
+    </dgm:scene3d>
+    <dgm:sp3d/>
+    <dgm:txPr/>
+    <dgm:style>
+      <a:lnRef idx="1">
+        <a:scrgbClr r="0" g="0" b="0"/>
+      </a:lnRef>
+      <a:fillRef idx="1">
+        <a:scrgbClr r="0" g="0" b="0"/>
+      </a:fillRef>
+      <a:effectRef idx="0">
+        <a:scrgbClr r="0" g="0" b="0"/>
+      </a:effectRef>
+      <a:fontRef idx="minor"/>
+    </dgm:style>
+  </dgm:styleLbl>
+  <dgm:styleLbl name="fgAcc0">
+    <dgm:scene3d>
+      <a:camera prst="orthographicFront"/>
+      <a:lightRig rig="threePt" dir="t"/>
+    </dgm:scene3d>
+    <dgm:sp3d/>
+    <dgm:txPr/>
+    <dgm:style>
+      <a:lnRef idx="1">
+        <a:scrgbClr r="0" g="0" b="0"/>
+      </a:lnRef>
+      <a:fillRef idx="1">
+        <a:scrgbClr r="0" g="0" b="0"/>
+      </a:fillRef>
+      <a:effectRef idx="0">
+        <a:scrgbClr r="0" g="0" b="0"/>
+      </a:effectRef>
+      <a:fontRef idx="minor"/>
+    </dgm:style>
+  </dgm:styleLbl>
+  <dgm:styleLbl name="fgAcc2">
+    <dgm:scene3d>
+      <a:camera prst="orthographicFront"/>
+      <a:lightRig rig="threePt" dir="t"/>
+    </dgm:scene3d>
+    <dgm:sp3d/>
+    <dgm:txPr/>
+    <dgm:style>
+      <a:lnRef idx="1">
+        <a:scrgbClr r="0" g="0" b="0"/>
+      </a:lnRef>
+      <a:fillRef idx="1">
+        <a:scrgbClr r="0" g="0" b="0"/>
+      </a:fillRef>
+      <a:effectRef idx="0">
+        <a:scrgbClr r="0" g="0" b="0"/>
+      </a:effectRef>
+      <a:fontRef idx="minor"/>
+    </dgm:style>
+  </dgm:styleLbl>
+  <dgm:styleLbl name="fgAcc3">
+    <dgm:scene3d>
+      <a:camera prst="orthographicFront"/>
+      <a:lightRig rig="threePt" dir="t"/>
+    </dgm:scene3d>
+    <dgm:sp3d/>
+    <dgm:txPr/>
+    <dgm:style>
+      <a:lnRef idx="1">
+        <a:scrgbClr r="0" g="0" b="0"/>
+      </a:lnRef>
+      <a:fillRef idx="1">
+        <a:scrgbClr r="0" g="0" b="0"/>
+      </a:fillRef>
+      <a:effectRef idx="0">
+        <a:scrgbClr r="0" g="0" b="0"/>
+      </a:effectRef>
+      <a:fontRef idx="minor"/>
+    </dgm:style>
+  </dgm:styleLbl>
+  <dgm:styleLbl name="fgAcc4">
+    <dgm:scene3d>
+      <a:camera prst="orthographicFront"/>
+      <a:lightRig rig="threePt" dir="t"/>
+    </dgm:scene3d>
+    <dgm:sp3d/>
+    <dgm:txPr/>
+    <dgm:style>
+      <a:lnRef idx="1">
+        <a:scrgbClr r="0" g="0" b="0"/>
+      </a:lnRef>
+      <a:fillRef idx="1">
+        <a:scrgbClr r="0" g="0" b="0"/>
+      </a:fillRef>
+      <a:effectRef idx="0">
+        <a:scrgbClr r="0" g="0" b="0"/>
+      </a:effectRef>
+      <a:fontRef idx="minor"/>
+    </dgm:style>
+  </dgm:styleLbl>
+  <dgm:styleLbl name="bgShp">
+    <dgm:scene3d>
+      <a:camera prst="orthographicFront"/>
+      <a:lightRig rig="threePt" dir="t"/>
+    </dgm:scene3d>
+    <dgm:sp3d/>
+    <dgm:txPr/>
+    <dgm:style>
+      <a:lnRef idx="0">
+        <a:scrgbClr r="0" g="0" b="0"/>
+      </a:lnRef>
+      <a:fillRef idx="1">
+        <a:scrgbClr r="0" g="0" b="0"/>
+      </a:fillRef>
+      <a:effectRef idx="2">
+        <a:scrgbClr r="0" g="0" b="0"/>
+      </a:effectRef>
+      <a:fontRef idx="minor"/>
+    </dgm:style>
+  </dgm:styleLbl>
+  <dgm:styleLbl name="dkBgShp">
+    <dgm:scene3d>
+      <a:camera prst="orthographicFront"/>
+      <a:lightRig rig="threePt" dir="t"/>
+    </dgm:scene3d>
+    <dgm:sp3d/>
+    <dgm:txPr/>
+    <dgm:style>
+      <a:lnRef idx="0">
+        <a:scrgbClr r="0" g="0" b="0"/>
+      </a:lnRef>
+      <a:fillRef idx="1">
+        <a:scrgbClr r="0" g="0" b="0"/>
+      </a:fillRef>
+      <a:effectRef idx="2">
+        <a:scrgbClr r="0" g="0" b="0"/>
+      </a:effectRef>
+      <a:fontRef idx="minor"/>
+    </dgm:style>
+  </dgm:styleLbl>
+  <dgm:styleLbl name="trBgShp">
+    <dgm:scene3d>
+      <a:camera prst="orthographicFront"/>
+      <a:lightRig rig="threePt" dir="t"/>
+    </dgm:scene3d>
+    <dgm:sp3d/>
+    <dgm:txPr/>
+    <dgm:style>
+      <a:lnRef idx="0">
+        <a:scrgbClr r="0" g="0" b="0"/>
+      </a:lnRef>
+      <a:fillRef idx="1">
+        <a:scrgbClr r="0" g="0" b="0"/>
+      </a:fillRef>
+      <a:effectRef idx="0">
+        <a:scrgbClr r="0" g="0" b="0"/>
+      </a:effectRef>
+      <a:fontRef idx="minor"/>
+    </dgm:style>
+  </dgm:styleLbl>
+  <dgm:styleLbl name="fgShp">
+    <dgm:scene3d>
+      <a:camera prst="orthographicFront"/>
+      <a:lightRig rig="threePt" dir="t"/>
+    </dgm:scene3d>
+    <dgm:sp3d/>
+    <dgm:txPr/>
+    <dgm:style>
+      <a:lnRef idx="0">
+        <a:scrgbClr r="0" g="0" b="0"/>
+      </a:lnRef>
+      <a:fillRef idx="3">
+        <a:scrgbClr r="0" g="0" b="0"/>
+      </a:fillRef>
+      <a:effectRef idx="2">
+        <a:scrgbClr r="0" g="0" b="0"/>
+      </a:effectRef>
+      <a:fontRef idx="minor"/>
+    </dgm:style>
+  </dgm:styleLbl>
+  <dgm:styleLbl name="revTx">
+    <dgm:scene3d>
+      <a:camera prst="orthographicFront"/>
+      <a:lightRig rig="threePt" dir="t"/>
+    </dgm:scene3d>
+    <dgm:sp3d/>
+    <dgm:txPr/>
+    <dgm:style>
+      <a:lnRef idx="0">
+        <a:scrgbClr r="0" g="0" b="0"/>
+      </a:lnRef>
+      <a:fillRef idx="0">
+        <a:scrgbClr r="0" g="0" b="0"/>
+      </a:fillRef>
+      <a:effectRef idx="0">
+        <a:scrgbClr r="0" g="0" b="0"/>
+      </a:effectRef>
+      <a:fontRef idx="minor"/>
+    </dgm:style>
+  </dgm:styleLbl>
+</dgm:styleDef>
+</file>
+
 <file path=ppt/notesMasters/notesMaster1.xml><?xml version="1.0" encoding="utf-8"?>
 <p:notesMaster xmlns:a="http://schemas.openxmlformats.org/drawingml/2006/main" xmlns:r="http://schemas.openxmlformats.org/officeDocument/2006/relationships" xmlns:p="http://schemas.openxmlformats.org/presentationml/2006/main">
   <p:cSld>
@@ -7808,7 +9950,7 @@
           <a:p>
             <a:fld id="{4264F369-3328-482E-9729-F5BBA255A025}" type="datetimeFigureOut">
               <a:rPr lang="en-GB" smtClean="0"/>
-              <a:t>29/04/2020</a:t>
+              <a:t>30/04/2020</a:t>
             </a:fld>
             <a:endParaRPr lang="en-GB"/>
           </a:p>
@@ -8224,40 +10366,27 @@
           <a:p>
             <a:r>
               <a:rPr lang="de-DE" dirty="0"/>
-              <a:t>Ein Beispiel für einfügen. </a:t>
-            </a:r>
-          </a:p>
-          <a:p>
+              <a:t>Treiber sind gut um die REST </a:t>
+            </a:r>
             <a:r>
               <a:rPr lang="de-DE" dirty="0" err="1"/>
-              <a:t>Javascript</a:t>
+              <a:t>requests</a:t>
             </a:r>
             <a:r>
               <a:rPr lang="de-DE" dirty="0"/>
-              <a:t> ist wieder die Sprache.</a:t>
+              <a:t> nicht selbst implementieren zu müssen. </a:t>
             </a:r>
           </a:p>
           <a:p>
             <a:r>
               <a:rPr lang="de-DE" dirty="0"/>
-              <a:t>Eigentliches Objekt was erzeugt werden soll ist in JSON.</a:t>
+              <a:t>Meiste aktuelle Programmiersprachen werden von MongoDB unterstützt.</a:t>
             </a:r>
           </a:p>
           <a:p>
             <a:r>
               <a:rPr lang="de-DE" dirty="0"/>
-              <a:t>Dokument Operationen sind </a:t>
-            </a:r>
-            <a:r>
-              <a:rPr lang="de-DE" dirty="0" err="1"/>
-              <a:t>atomic</a:t>
-            </a:r>
-            <a:endParaRPr lang="de-DE" dirty="0"/>
-          </a:p>
-          <a:p>
-            <a:r>
-              <a:rPr lang="de-DE" dirty="0"/>
-              <a:t> </a:t>
+              <a:t>Selbst Programmiersprachen wie Haskell werden von der Community unterstützt</a:t>
             </a:r>
             <a:endParaRPr lang="en-GB" dirty="0"/>
           </a:p>
@@ -8289,7 +10418,7 @@
     </p:spTree>
     <p:extLst>
       <p:ext uri="{BB962C8B-B14F-4D97-AF65-F5344CB8AC3E}">
-        <p14:creationId xmlns:p14="http://schemas.microsoft.com/office/powerpoint/2010/main" val="2693207756"/>
+        <p14:creationId xmlns:p14="http://schemas.microsoft.com/office/powerpoint/2010/main" val="3933483134"/>
       </p:ext>
     </p:extLst>
   </p:cSld>
@@ -8345,7 +10474,40 @@
           <a:p>
             <a:r>
               <a:rPr lang="de-DE" dirty="0"/>
-              <a:t>Das Objekt, was wir übergeben ist diesmal ebenfalls JSON auch wenn es aussieht als würden wir dieses Objekt einfügen wollen, übergeben wir einfach eine Operation für die Datenbank in JSON.   </a:t>
+              <a:t>Ein Beispiel für einfügen. </a:t>
+            </a:r>
+          </a:p>
+          <a:p>
+            <a:r>
+              <a:rPr lang="de-DE" dirty="0" err="1"/>
+              <a:t>Javascript</a:t>
+            </a:r>
+            <a:r>
+              <a:rPr lang="de-DE" dirty="0"/>
+              <a:t> ist wieder die Sprache.</a:t>
+            </a:r>
+          </a:p>
+          <a:p>
+            <a:r>
+              <a:rPr lang="de-DE" dirty="0"/>
+              <a:t>Eigentliches Objekt was erzeugt werden soll ist in JSON.</a:t>
+            </a:r>
+          </a:p>
+          <a:p>
+            <a:r>
+              <a:rPr lang="de-DE" dirty="0"/>
+              <a:t>Dokument Operationen sind </a:t>
+            </a:r>
+            <a:r>
+              <a:rPr lang="de-DE" dirty="0" err="1"/>
+              <a:t>atomic</a:t>
+            </a:r>
+            <a:endParaRPr lang="de-DE" dirty="0"/>
+          </a:p>
+          <a:p>
+            <a:r>
+              <a:rPr lang="de-DE" dirty="0"/>
+              <a:t> </a:t>
             </a:r>
             <a:endParaRPr lang="en-GB" dirty="0"/>
           </a:p>
@@ -8377,7 +10539,204 @@
     </p:spTree>
     <p:extLst>
       <p:ext uri="{BB962C8B-B14F-4D97-AF65-F5344CB8AC3E}">
+        <p14:creationId xmlns:p14="http://schemas.microsoft.com/office/powerpoint/2010/main" val="2693207756"/>
+      </p:ext>
+    </p:extLst>
+  </p:cSld>
+  <p:clrMapOvr>
+    <a:masterClrMapping/>
+  </p:clrMapOvr>
+</p:notes>
+</file>
+
+<file path=ppt/notesSlides/notesSlide12.xml><?xml version="1.0" encoding="utf-8"?>
+<p:notes xmlns:a="http://schemas.openxmlformats.org/drawingml/2006/main" xmlns:r="http://schemas.openxmlformats.org/officeDocument/2006/relationships" xmlns:p="http://schemas.openxmlformats.org/presentationml/2006/main">
+  <p:cSld>
+    <p:spTree>
+      <p:nvGrpSpPr>
+        <p:cNvPr id="1" name=""/>
+        <p:cNvGrpSpPr/>
+        <p:nvPr/>
+      </p:nvGrpSpPr>
+      <p:grpSpPr>
+        <a:xfrm>
+          <a:off x="0" y="0"/>
+          <a:ext cx="0" cy="0"/>
+          <a:chOff x="0" y="0"/>
+          <a:chExt cx="0" cy="0"/>
+        </a:xfrm>
+      </p:grpSpPr>
+      <p:sp>
+        <p:nvSpPr>
+          <p:cNvPr id="2" name="Folienbildplatzhalter 1"/>
+          <p:cNvSpPr>
+            <a:spLocks noGrp="1" noRot="1" noChangeAspect="1"/>
+          </p:cNvSpPr>
+          <p:nvPr>
+            <p:ph type="sldImg"/>
+          </p:nvPr>
+        </p:nvSpPr>
+        <p:spPr/>
+      </p:sp>
+      <p:sp>
+        <p:nvSpPr>
+          <p:cNvPr id="3" name="Notizenplatzhalter 2"/>
+          <p:cNvSpPr>
+            <a:spLocks noGrp="1"/>
+          </p:cNvSpPr>
+          <p:nvPr>
+            <p:ph type="body" idx="1"/>
+          </p:nvPr>
+        </p:nvSpPr>
+        <p:spPr/>
+        <p:txBody>
+          <a:bodyPr/>
+          <a:lstStyle/>
+          <a:p>
+            <a:r>
+              <a:rPr lang="de-DE" dirty="0"/>
+              <a:t>Das Objekt, was wir übergeben ist diesmal ebenfalls JSON auch wenn es aussieht als würden wir dieses Objekt einfügen wollen, übergeben wir einfach eine Operation für die Datenbank in JSON.   </a:t>
+            </a:r>
+            <a:endParaRPr lang="en-GB" dirty="0"/>
+          </a:p>
+        </p:txBody>
+      </p:sp>
+      <p:sp>
+        <p:nvSpPr>
+          <p:cNvPr id="4" name="Foliennummernplatzhalter 3"/>
+          <p:cNvSpPr>
+            <a:spLocks noGrp="1"/>
+          </p:cNvSpPr>
+          <p:nvPr>
+            <p:ph type="sldNum" sz="quarter" idx="5"/>
+          </p:nvPr>
+        </p:nvSpPr>
+        <p:spPr/>
+        <p:txBody>
+          <a:bodyPr/>
+          <a:lstStyle/>
+          <a:p>
+            <a:fld id="{4C416D00-CE6F-4315-92D5-7C9B9CFBC6A4}" type="slidenum">
+              <a:rPr lang="en-GB" smtClean="0"/>
+              <a:t>16</a:t>
+            </a:fld>
+            <a:endParaRPr lang="en-GB"/>
+          </a:p>
+        </p:txBody>
+      </p:sp>
+    </p:spTree>
+    <p:extLst>
+      <p:ext uri="{BB962C8B-B14F-4D97-AF65-F5344CB8AC3E}">
         <p14:creationId xmlns:p14="http://schemas.microsoft.com/office/powerpoint/2010/main" val="2356774121"/>
+      </p:ext>
+    </p:extLst>
+  </p:cSld>
+  <p:clrMapOvr>
+    <a:masterClrMapping/>
+  </p:clrMapOvr>
+</p:notes>
+</file>
+
+<file path=ppt/notesSlides/notesSlide13.xml><?xml version="1.0" encoding="utf-8"?>
+<p:notes xmlns:a="http://schemas.openxmlformats.org/drawingml/2006/main" xmlns:r="http://schemas.openxmlformats.org/officeDocument/2006/relationships" xmlns:p="http://schemas.openxmlformats.org/presentationml/2006/main">
+  <p:cSld>
+    <p:spTree>
+      <p:nvGrpSpPr>
+        <p:cNvPr id="1" name=""/>
+        <p:cNvGrpSpPr/>
+        <p:nvPr/>
+      </p:nvGrpSpPr>
+      <p:grpSpPr>
+        <a:xfrm>
+          <a:off x="0" y="0"/>
+          <a:ext cx="0" cy="0"/>
+          <a:chOff x="0" y="0"/>
+          <a:chExt cx="0" cy="0"/>
+        </a:xfrm>
+      </p:grpSpPr>
+      <p:sp>
+        <p:nvSpPr>
+          <p:cNvPr id="2" name="Folienbildplatzhalter 1"/>
+          <p:cNvSpPr>
+            <a:spLocks noGrp="1" noRot="1" noChangeAspect="1"/>
+          </p:cNvSpPr>
+          <p:nvPr>
+            <p:ph type="sldImg"/>
+          </p:nvPr>
+        </p:nvSpPr>
+        <p:spPr/>
+      </p:sp>
+      <p:sp>
+        <p:nvSpPr>
+          <p:cNvPr id="3" name="Notizenplatzhalter 2"/>
+          <p:cNvSpPr>
+            <a:spLocks noGrp="1"/>
+          </p:cNvSpPr>
+          <p:nvPr>
+            <p:ph type="body" idx="1"/>
+          </p:nvPr>
+        </p:nvSpPr>
+        <p:spPr/>
+        <p:txBody>
+          <a:bodyPr/>
+          <a:lstStyle/>
+          <a:p>
+            <a:pPr marL="171450" indent="-171450">
+              <a:buFontTx/>
+              <a:buChar char="-"/>
+            </a:pPr>
+            <a:r>
+              <a:rPr lang="de-DE" dirty="0"/>
+              <a:t>Update </a:t>
+            </a:r>
+            <a:r>
+              <a:rPr lang="de-DE" dirty="0" err="1"/>
+              <a:t>many</a:t>
+            </a:r>
+            <a:r>
+              <a:rPr lang="de-DE" dirty="0"/>
+              <a:t> ist nicht mehr atomar. </a:t>
+            </a:r>
+          </a:p>
+          <a:p>
+            <a:pPr marL="171450" indent="-171450">
+              <a:buFontTx/>
+              <a:buChar char="-"/>
+            </a:pPr>
+            <a:r>
+              <a:rPr lang="de-DE" dirty="0"/>
+              <a:t>Es gibt wieder ein JSON Objekt das eine Abfrage ist.</a:t>
+            </a:r>
+          </a:p>
+        </p:txBody>
+      </p:sp>
+      <p:sp>
+        <p:nvSpPr>
+          <p:cNvPr id="4" name="Foliennummernplatzhalter 3"/>
+          <p:cNvSpPr>
+            <a:spLocks noGrp="1"/>
+          </p:cNvSpPr>
+          <p:nvPr>
+            <p:ph type="sldNum" sz="quarter" idx="5"/>
+          </p:nvPr>
+        </p:nvSpPr>
+        <p:spPr/>
+        <p:txBody>
+          <a:bodyPr/>
+          <a:lstStyle/>
+          <a:p>
+            <a:fld id="{4C416D00-CE6F-4315-92D5-7C9B9CFBC6A4}" type="slidenum">
+              <a:rPr lang="en-GB" smtClean="0"/>
+              <a:t>17</a:t>
+            </a:fld>
+            <a:endParaRPr lang="en-GB"/>
+          </a:p>
+        </p:txBody>
+      </p:sp>
+    </p:spTree>
+    <p:extLst>
+      <p:ext uri="{BB962C8B-B14F-4D97-AF65-F5344CB8AC3E}">
+        <p14:creationId xmlns:p14="http://schemas.microsoft.com/office/powerpoint/2010/main" val="2000573950"/>
       </p:ext>
     </p:extLst>
   </p:cSld>
@@ -9829,7 +12188,7 @@
           <a:p>
             <a:fld id="{4C416D00-CE6F-4315-92D5-7C9B9CFBC6A4}" type="slidenum">
               <a:rPr lang="en-GB" smtClean="0"/>
-              <a:t>12</a:t>
+              <a:t>11</a:t>
             </a:fld>
             <a:endParaRPr lang="en-GB"/>
           </a:p>
@@ -9838,7 +12197,7 @@
     </p:spTree>
     <p:extLst>
       <p:ext uri="{BB962C8B-B14F-4D97-AF65-F5344CB8AC3E}">
-        <p14:creationId xmlns:p14="http://schemas.microsoft.com/office/powerpoint/2010/main" val="3894398137"/>
+        <p14:creationId xmlns:p14="http://schemas.microsoft.com/office/powerpoint/2010/main" val="2218289125"/>
       </p:ext>
     </p:extLst>
   </p:cSld>
@@ -9892,30 +12251,6 @@
           <a:bodyPr/>
           <a:lstStyle/>
           <a:p>
-            <a:r>
-              <a:rPr lang="de-DE" dirty="0"/>
-              <a:t>Treiber sind gut um die REST </a:t>
-            </a:r>
-            <a:r>
-              <a:rPr lang="de-DE" dirty="0" err="1"/>
-              <a:t>requests</a:t>
-            </a:r>
-            <a:r>
-              <a:rPr lang="de-DE" dirty="0"/>
-              <a:t> nicht selbst implementieren zu müssen. </a:t>
-            </a:r>
-          </a:p>
-          <a:p>
-            <a:r>
-              <a:rPr lang="de-DE" dirty="0"/>
-              <a:t>Meiste aktuelle Programmiersprachen werden von MongoDB unterstützt.</a:t>
-            </a:r>
-          </a:p>
-          <a:p>
-            <a:r>
-              <a:rPr lang="de-DE" dirty="0"/>
-              <a:t>Selbst Programmiersprachen wie Haskell werden von der Community unterstützt</a:t>
-            </a:r>
             <a:endParaRPr lang="en-GB" dirty="0"/>
           </a:p>
         </p:txBody>
@@ -9946,7 +12281,7 @@
     </p:spTree>
     <p:extLst>
       <p:ext uri="{BB962C8B-B14F-4D97-AF65-F5344CB8AC3E}">
-        <p14:creationId xmlns:p14="http://schemas.microsoft.com/office/powerpoint/2010/main" val="3933483134"/>
+        <p14:creationId xmlns:p14="http://schemas.microsoft.com/office/powerpoint/2010/main" val="3894398137"/>
       </p:ext>
     </p:extLst>
   </p:cSld>
@@ -10678,7 +13013,7 @@
           <a:p>
             <a:fld id="{D7B90A75-4A76-48AB-B6EB-37F8ACBE3BA0}" type="datetime1">
               <a:rPr lang="de-DE" smtClean="0"/>
-              <a:t>29.04.2020</a:t>
+              <a:t>30.04.2020</a:t>
             </a:fld>
             <a:endParaRPr lang="en-GB"/>
           </a:p>
@@ -10944,7 +13279,7 @@
           <a:p>
             <a:fld id="{8ADA4B80-16FB-4731-A2F0-C2139F46DDEB}" type="datetime1">
               <a:rPr lang="de-DE" smtClean="0"/>
-              <a:t>29.04.2020</a:t>
+              <a:t>30.04.2020</a:t>
             </a:fld>
             <a:endParaRPr lang="en-GB"/>
           </a:p>
@@ -11261,7 +13596,7 @@
           <a:p>
             <a:fld id="{AC49D984-4300-4891-B16A-EB5163B0DFE1}" type="datetime1">
               <a:rPr lang="de-DE" smtClean="0"/>
-              <a:t>29.04.2020</a:t>
+              <a:t>30.04.2020</a:t>
             </a:fld>
             <a:endParaRPr lang="en-GB"/>
           </a:p>
@@ -11605,7 +13940,7 @@
           <a:p>
             <a:fld id="{283FA4E3-C682-41B1-8FC6-CB5CC8B0C444}" type="datetime1">
               <a:rPr lang="de-DE" smtClean="0"/>
-              <a:t>29.04.2020</a:t>
+              <a:t>30.04.2020</a:t>
             </a:fld>
             <a:endParaRPr lang="en-GB"/>
           </a:p>
@@ -11922,7 +14257,7 @@
           <a:p>
             <a:fld id="{8664F94E-0F7D-4965-BE20-DEC2D1422394}" type="datetime1">
               <a:rPr lang="de-DE" smtClean="0"/>
-              <a:t>29.04.2020</a:t>
+              <a:t>30.04.2020</a:t>
             </a:fld>
             <a:endParaRPr lang="en-GB"/>
           </a:p>
@@ -12318,7 +14653,7 @@
           <a:p>
             <a:fld id="{6F5B4B92-C800-4219-880A-B675FE5F5FF4}" type="datetime1">
               <a:rPr lang="de-DE" smtClean="0"/>
-              <a:t>29.04.2020</a:t>
+              <a:t>30.04.2020</a:t>
             </a:fld>
             <a:endParaRPr lang="en-GB"/>
           </a:p>
@@ -12491,7 +14826,7 @@
           <a:p>
             <a:fld id="{D24DF252-319C-4EE6-AE0A-CCAF511196EF}" type="datetime1">
               <a:rPr lang="de-DE" smtClean="0"/>
-              <a:t>29.04.2020</a:t>
+              <a:t>30.04.2020</a:t>
             </a:fld>
             <a:endParaRPr lang="en-GB"/>
           </a:p>
@@ -12674,7 +15009,7 @@
           <a:p>
             <a:fld id="{A46CE682-53E9-459E-9B79-6245DE717449}" type="datetime1">
               <a:rPr lang="de-DE" smtClean="0"/>
-              <a:t>29.04.2020</a:t>
+              <a:t>30.04.2020</a:t>
             </a:fld>
             <a:endParaRPr lang="en-GB"/>
           </a:p>
@@ -12830,7 +15165,7 @@
           <a:p>
             <a:fld id="{651B85B5-C028-4797-999F-2256A4317902}" type="datetime1">
               <a:rPr lang="de-DE" smtClean="0"/>
-              <a:t>29.04.2020</a:t>
+              <a:t>30.04.2020</a:t>
             </a:fld>
             <a:endParaRPr lang="en-GB"/>
           </a:p>
@@ -13121,7 +15456,7 @@
           <a:p>
             <a:fld id="{917390D7-F58A-4D06-A3A8-3C2BBF3A95A1}" type="datetime1">
               <a:rPr lang="de-DE" smtClean="0"/>
-              <a:t>29.04.2020</a:t>
+              <a:t>30.04.2020</a:t>
             </a:fld>
             <a:endParaRPr lang="en-GB"/>
           </a:p>
@@ -13356,7 +15691,7 @@
           <a:p>
             <a:fld id="{0BCC4A76-046E-43E7-8779-7FFDFD15A82A}" type="datetime1">
               <a:rPr lang="de-DE" smtClean="0"/>
-              <a:t>29.04.2020</a:t>
+              <a:t>30.04.2020</a:t>
             </a:fld>
             <a:endParaRPr lang="en-GB"/>
           </a:p>
@@ -13733,7 +16068,7 @@
           <a:p>
             <a:fld id="{BC0B7164-A2FC-4F89-B7FA-8BEFFB794747}" type="datetime1">
               <a:rPr lang="de-DE" smtClean="0"/>
-              <a:t>29.04.2020</a:t>
+              <a:t>30.04.2020</a:t>
             </a:fld>
             <a:endParaRPr lang="en-GB"/>
           </a:p>
@@ -13859,7 +16194,7 @@
           <a:p>
             <a:fld id="{A8C10FF6-C270-4AE3-89E5-4D43699E8F2D}" type="datetime1">
               <a:rPr lang="de-DE" smtClean="0"/>
-              <a:t>29.04.2020</a:t>
+              <a:t>30.04.2020</a:t>
             </a:fld>
             <a:endParaRPr lang="en-GB"/>
           </a:p>
@@ -13957,7 +16292,7 @@
           <a:p>
             <a:fld id="{48CF62FD-3BF2-4981-B23B-7BDB425B30AD}" type="datetime1">
               <a:rPr lang="de-DE" smtClean="0"/>
-              <a:t>29.04.2020</a:t>
+              <a:t>30.04.2020</a:t>
             </a:fld>
             <a:endParaRPr lang="en-GB"/>
           </a:p>
@@ -14215,7 +16550,7 @@
           <a:p>
             <a:fld id="{ACC0D2ED-0BE1-47D2-B858-C4EF08BEEA8D}" type="datetime1">
               <a:rPr lang="de-DE" smtClean="0"/>
-              <a:t>29.04.2020</a:t>
+              <a:t>30.04.2020</a:t>
             </a:fld>
             <a:endParaRPr lang="en-GB"/>
           </a:p>
@@ -14481,7 +16816,7 @@
           <a:p>
             <a:fld id="{7555AF90-DF49-480C-B1D7-671A2674DCD0}" type="datetime1">
               <a:rPr lang="de-DE" smtClean="0"/>
-              <a:t>29.04.2020</a:t>
+              <a:t>30.04.2020</a:t>
             </a:fld>
             <a:endParaRPr lang="en-GB"/>
           </a:p>
@@ -15227,7 +17562,7 @@
           <a:p>
             <a:fld id="{8EB23F4D-3B5F-47AA-8FE5-07FBF6AC4100}" type="datetime1">
               <a:rPr lang="de-DE" smtClean="0"/>
-              <a:t>29.04.2020</a:t>
+              <a:t>30.04.2020</a:t>
             </a:fld>
             <a:endParaRPr lang="en-GB"/>
           </a:p>
@@ -15882,7 +18217,7 @@
           <a:p>
             <a:fld id="{651B85B5-C028-4797-999F-2256A4317902}" type="datetime1">
               <a:rPr lang="de-DE" smtClean="0"/>
-              <a:t>29.04.2020</a:t>
+              <a:t>30.04.2020</a:t>
             </a:fld>
             <a:endParaRPr lang="en-GB"/>
           </a:p>
@@ -16024,13 +18359,13 @@
   <p:clrMapOvr>
     <a:masterClrMapping/>
   </p:clrMapOvr>
-  <mc:AlternateContent xmlns:mc="http://schemas.openxmlformats.org/markup-compatibility/2006">
-    <mc:Choice xmlns:p159="http://schemas.microsoft.com/office/powerpoint/2015/09/main" Requires="p159">
+  <mc:AlternateContent xmlns:mc="http://schemas.openxmlformats.org/markup-compatibility/2006" xmlns:p159="http://schemas.microsoft.com/office/powerpoint/2015/09/main">
+    <mc:Choice Requires="p159">
       <p:transition xmlns:p14="http://schemas.microsoft.com/office/powerpoint/2010/main" spd="slow" p14:dur="2000">
         <p159:morph option="byObject"/>
       </p:transition>
     </mc:Choice>
-    <mc:Fallback>
+    <mc:Fallback xmlns="">
       <p:transition spd="slow">
         <p:fade/>
       </p:transition>
@@ -16160,10 +18495,6 @@
           <a:bodyPr/>
           <a:lstStyle/>
           <a:p>
-            <a:r>
-              <a:rPr lang="de-DE" dirty="0"/>
-              <a:t>MongoDB</a:t>
-            </a:r>
             <a:endParaRPr lang="en-GB" dirty="0"/>
           </a:p>
         </p:txBody>
@@ -16193,6 +18524,42 @@
           </a:p>
         </p:txBody>
       </p:sp>
+      <p:pic>
+        <p:nvPicPr>
+          <p:cNvPr id="4" name="Grafik 3" descr="Ein Bild, das Regenschirm, Zeichnung enthält.&#10;&#10;Automatisch generierte Beschreibung">
+            <a:extLst>
+              <a:ext uri="{FF2B5EF4-FFF2-40B4-BE49-F238E27FC236}">
+                <a16:creationId xmlns:a16="http://schemas.microsoft.com/office/drawing/2014/main" id="{21E37BE9-A352-4C4C-BA9E-E4955907BBB6}"/>
+              </a:ext>
+            </a:extLst>
+          </p:cNvPr>
+          <p:cNvPicPr>
+            <a:picLocks noChangeAspect="1"/>
+          </p:cNvPicPr>
+          <p:nvPr/>
+        </p:nvPicPr>
+        <p:blipFill>
+          <a:blip r:embed="rId3">
+            <a:extLst>
+              <a:ext uri="{28A0092B-C50C-407E-A947-70E740481C1C}">
+                <a14:useLocalDpi xmlns:a14="http://schemas.microsoft.com/office/drawing/2010/main" val="0"/>
+              </a:ext>
+            </a:extLst>
+          </a:blip>
+          <a:stretch>
+            <a:fillRect/>
+          </a:stretch>
+        </p:blipFill>
+        <p:spPr>
+          <a:xfrm>
+            <a:off x="5146508" y="1471906"/>
+            <a:ext cx="4127495" cy="3914188"/>
+          </a:xfrm>
+          <a:prstGeom prst="rect">
+            <a:avLst/>
+          </a:prstGeom>
+        </p:spPr>
+      </p:pic>
     </p:spTree>
     <p:extLst>
       <p:ext uri="{BB962C8B-B14F-4D97-AF65-F5344CB8AC3E}">
@@ -16203,13 +18570,13 @@
   <p:clrMapOvr>
     <a:masterClrMapping/>
   </p:clrMapOvr>
-  <mc:AlternateContent xmlns:mc="http://schemas.openxmlformats.org/markup-compatibility/2006">
-    <mc:Choice xmlns:p159="http://schemas.microsoft.com/office/powerpoint/2015/09/main" Requires="p159">
+  <mc:AlternateContent xmlns:mc="http://schemas.openxmlformats.org/markup-compatibility/2006" xmlns:p159="http://schemas.microsoft.com/office/powerpoint/2015/09/main">
+    <mc:Choice Requires="p159">
       <p:transition xmlns:p14="http://schemas.microsoft.com/office/powerpoint/2010/main" spd="slow" p14:dur="2000">
         <p159:morph option="byObject"/>
       </p:transition>
     </mc:Choice>
-    <mc:Fallback>
+    <mc:Fallback xmlns="">
       <p:transition spd="slow">
         <p:fade/>
       </p:transition>
@@ -16219,6 +18586,203 @@
 </file>
 
 <file path=ppt/slides/slide12.xml><?xml version="1.0" encoding="utf-8"?>
+<p:sld xmlns:a="http://schemas.openxmlformats.org/drawingml/2006/main" xmlns:r="http://schemas.openxmlformats.org/officeDocument/2006/relationships" xmlns:p="http://schemas.openxmlformats.org/presentationml/2006/main">
+  <p:cSld>
+    <p:spTree>
+      <p:nvGrpSpPr>
+        <p:cNvPr id="1" name=""/>
+        <p:cNvGrpSpPr/>
+        <p:nvPr/>
+      </p:nvGrpSpPr>
+      <p:grpSpPr>
+        <a:xfrm>
+          <a:off x="0" y="0"/>
+          <a:ext cx="0" cy="0"/>
+          <a:chOff x="0" y="0"/>
+          <a:chExt cx="0" cy="0"/>
+        </a:xfrm>
+      </p:grpSpPr>
+      <p:sp>
+        <p:nvSpPr>
+          <p:cNvPr id="2" name="Inhaltsplatzhalter 1">
+            <a:extLst>
+              <a:ext uri="{FF2B5EF4-FFF2-40B4-BE49-F238E27FC236}">
+                <a16:creationId xmlns:a16="http://schemas.microsoft.com/office/drawing/2014/main" id="{16597F80-CA3E-4927-916F-23E187F4013A}"/>
+              </a:ext>
+            </a:extLst>
+          </p:cNvPr>
+          <p:cNvSpPr>
+            <a:spLocks noGrp="1"/>
+          </p:cNvSpPr>
+          <p:nvPr>
+            <p:ph idx="1"/>
+          </p:nvPr>
+        </p:nvSpPr>
+        <p:spPr/>
+        <p:txBody>
+          <a:bodyPr/>
+          <a:lstStyle/>
+          <a:p>
+            <a:r>
+              <a:rPr lang="de-DE" dirty="0"/>
+              <a:t>Einfach zu benutzen</a:t>
+            </a:r>
+          </a:p>
+          <a:p>
+            <a:r>
+              <a:rPr lang="de-DE" dirty="0"/>
+              <a:t>Schnell </a:t>
+            </a:r>
+          </a:p>
+          <a:p>
+            <a:r>
+              <a:rPr lang="de-DE" dirty="0"/>
+              <a:t>Skalierbar</a:t>
+            </a:r>
+          </a:p>
+          <a:p>
+            <a:r>
+              <a:rPr lang="de-DE" dirty="0"/>
+              <a:t>Verfügbar</a:t>
+            </a:r>
+          </a:p>
+          <a:p>
+            <a:r>
+              <a:rPr lang="de-DE" dirty="0"/>
+              <a:t>Trotz NoSQL komplexe Datenaggregation </a:t>
+            </a:r>
+          </a:p>
+        </p:txBody>
+      </p:sp>
+      <p:sp>
+        <p:nvSpPr>
+          <p:cNvPr id="3" name="Datumsplatzhalter 2">
+            <a:extLst>
+              <a:ext uri="{FF2B5EF4-FFF2-40B4-BE49-F238E27FC236}">
+                <a16:creationId xmlns:a16="http://schemas.microsoft.com/office/drawing/2014/main" id="{CC5B0158-25E4-4CD6-93A2-572DF1D7C24A}"/>
+              </a:ext>
+            </a:extLst>
+          </p:cNvPr>
+          <p:cNvSpPr>
+            <a:spLocks noGrp="1"/>
+          </p:cNvSpPr>
+          <p:nvPr>
+            <p:ph type="dt" sz="half" idx="10"/>
+          </p:nvPr>
+        </p:nvSpPr>
+        <p:spPr/>
+        <p:txBody>
+          <a:bodyPr/>
+          <a:lstStyle/>
+          <a:p>
+            <a:fld id="{651B85B5-C028-4797-999F-2256A4317902}" type="datetime1">
+              <a:rPr lang="de-DE" smtClean="0"/>
+              <a:t>30.04.2020</a:t>
+            </a:fld>
+            <a:endParaRPr lang="en-GB"/>
+          </a:p>
+        </p:txBody>
+      </p:sp>
+      <p:sp>
+        <p:nvSpPr>
+          <p:cNvPr id="4" name="Fußzeilenplatzhalter 3">
+            <a:extLst>
+              <a:ext uri="{FF2B5EF4-FFF2-40B4-BE49-F238E27FC236}">
+                <a16:creationId xmlns:a16="http://schemas.microsoft.com/office/drawing/2014/main" id="{F013A3E4-762C-47CE-B23E-73A579F71818}"/>
+              </a:ext>
+            </a:extLst>
+          </p:cNvPr>
+          <p:cNvSpPr>
+            <a:spLocks noGrp="1"/>
+          </p:cNvSpPr>
+          <p:nvPr>
+            <p:ph type="ftr" sz="quarter" idx="11"/>
+          </p:nvPr>
+        </p:nvSpPr>
+        <p:spPr/>
+        <p:txBody>
+          <a:bodyPr/>
+          <a:lstStyle/>
+          <a:p>
+            <a:r>
+              <a:rPr lang="en-GB"/>
+              <a:t>Document Stores - Victor Wolf</a:t>
+            </a:r>
+          </a:p>
+        </p:txBody>
+      </p:sp>
+      <p:sp>
+        <p:nvSpPr>
+          <p:cNvPr id="5" name="Foliennummernplatzhalter 4">
+            <a:extLst>
+              <a:ext uri="{FF2B5EF4-FFF2-40B4-BE49-F238E27FC236}">
+                <a16:creationId xmlns:a16="http://schemas.microsoft.com/office/drawing/2014/main" id="{1219161F-E931-4DA3-8787-8E07C9B7B561}"/>
+              </a:ext>
+            </a:extLst>
+          </p:cNvPr>
+          <p:cNvSpPr>
+            <a:spLocks noGrp="1"/>
+          </p:cNvSpPr>
+          <p:nvPr>
+            <p:ph type="sldNum" sz="quarter" idx="12"/>
+          </p:nvPr>
+        </p:nvSpPr>
+        <p:spPr/>
+        <p:txBody>
+          <a:bodyPr/>
+          <a:lstStyle/>
+          <a:p>
+            <a:fld id="{83E1CBDC-688B-449B-A4B9-E4A634A960D0}" type="slidenum">
+              <a:rPr lang="en-GB" smtClean="0"/>
+              <a:t>12</a:t>
+            </a:fld>
+            <a:endParaRPr lang="en-GB"/>
+          </a:p>
+        </p:txBody>
+      </p:sp>
+      <p:sp>
+        <p:nvSpPr>
+          <p:cNvPr id="6" name="Titel 5">
+            <a:extLst>
+              <a:ext uri="{FF2B5EF4-FFF2-40B4-BE49-F238E27FC236}">
+                <a16:creationId xmlns:a16="http://schemas.microsoft.com/office/drawing/2014/main" id="{D35DA563-34EF-4477-BD2E-A300205680CE}"/>
+              </a:ext>
+            </a:extLst>
+          </p:cNvPr>
+          <p:cNvSpPr>
+            <a:spLocks noGrp="1"/>
+          </p:cNvSpPr>
+          <p:nvPr>
+            <p:ph type="title"/>
+          </p:nvPr>
+        </p:nvSpPr>
+        <p:spPr/>
+        <p:txBody>
+          <a:bodyPr/>
+          <a:lstStyle/>
+          <a:p>
+            <a:r>
+              <a:rPr lang="de-DE" dirty="0"/>
+              <a:t>Versprechen</a:t>
+            </a:r>
+            <a:endParaRPr lang="en-GB" dirty="0"/>
+          </a:p>
+        </p:txBody>
+      </p:sp>
+    </p:spTree>
+    <p:extLst>
+      <p:ext uri="{BB962C8B-B14F-4D97-AF65-F5344CB8AC3E}">
+        <p14:creationId xmlns:p14="http://schemas.microsoft.com/office/powerpoint/2010/main" val="526525093"/>
+      </p:ext>
+    </p:extLst>
+  </p:cSld>
+  <p:clrMapOvr>
+    <a:masterClrMapping/>
+  </p:clrMapOvr>
+</p:sld>
+</file>
+
+<file path=ppt/slides/slide13.xml><?xml version="1.0" encoding="utf-8"?>
 <p:sld xmlns:a="http://schemas.openxmlformats.org/drawingml/2006/main" xmlns:r="http://schemas.openxmlformats.org/officeDocument/2006/relationships" xmlns:p="http://schemas.openxmlformats.org/presentationml/2006/main">
   <p:cSld>
     <p:spTree>
@@ -16373,7 +18937,7 @@
           <a:p>
             <a:fld id="{651B85B5-C028-4797-999F-2256A4317902}" type="datetime1">
               <a:rPr lang="de-DE" smtClean="0"/>
-              <a:t>29.04.2020</a:t>
+              <a:t>30.04.2020</a:t>
             </a:fld>
             <a:endParaRPr lang="en-GB"/>
           </a:p>
@@ -16430,7 +18994,7 @@
           <a:p>
             <a:fld id="{83E1CBDC-688B-449B-A4B9-E4A634A960D0}" type="slidenum">
               <a:rPr lang="en-GB" smtClean="0"/>
-              <a:t>12</a:t>
+              <a:t>13</a:t>
             </a:fld>
             <a:endParaRPr lang="en-GB"/>
           </a:p>
@@ -16505,13 +19069,13 @@
   <p:clrMapOvr>
     <a:masterClrMapping/>
   </p:clrMapOvr>
-  <mc:AlternateContent xmlns:mc="http://schemas.openxmlformats.org/markup-compatibility/2006">
-    <mc:Choice xmlns:p159="http://schemas.microsoft.com/office/powerpoint/2015/09/main" Requires="p159">
+  <mc:AlternateContent xmlns:mc="http://schemas.openxmlformats.org/markup-compatibility/2006" xmlns:p159="http://schemas.microsoft.com/office/powerpoint/2015/09/main">
+    <mc:Choice Requires="p159">
       <p:transition xmlns:p14="http://schemas.microsoft.com/office/powerpoint/2010/main" spd="slow" p14:dur="2000">
         <p159:morph option="byObject"/>
       </p:transition>
     </mc:Choice>
-    <mc:Fallback>
+    <mc:Fallback xmlns="">
       <p:transition spd="slow">
         <p:fade/>
       </p:transition>
@@ -16520,7 +19084,7 @@
 </p:sld>
 </file>
 
-<file path=ppt/slides/slide13.xml><?xml version="1.0" encoding="utf-8"?>
+<file path=ppt/slides/slide14.xml><?xml version="1.0" encoding="utf-8"?>
 <p:sld xmlns:a="http://schemas.openxmlformats.org/drawingml/2006/main" xmlns:r="http://schemas.openxmlformats.org/officeDocument/2006/relationships" xmlns:p="http://schemas.openxmlformats.org/presentationml/2006/main">
   <p:cSld>
     <p:spTree>
@@ -16595,7 +19159,7 @@
           <a:p>
             <a:fld id="{651B85B5-C028-4797-999F-2256A4317902}" type="datetime1">
               <a:rPr lang="de-DE" smtClean="0"/>
-              <a:t>29.04.2020</a:t>
+              <a:t>30.04.2020</a:t>
             </a:fld>
             <a:endParaRPr lang="en-GB"/>
           </a:p>
@@ -16652,7 +19216,7 @@
           <a:p>
             <a:fld id="{83E1CBDC-688B-449B-A4B9-E4A634A960D0}" type="slidenum">
               <a:rPr lang="en-GB" smtClean="0"/>
-              <a:t>13</a:t>
+              <a:t>14</a:t>
             </a:fld>
             <a:endParaRPr lang="en-GB"/>
           </a:p>
@@ -16877,13 +19441,13 @@
   <p:clrMapOvr>
     <a:masterClrMapping/>
   </p:clrMapOvr>
-  <mc:AlternateContent xmlns:mc="http://schemas.openxmlformats.org/markup-compatibility/2006">
-    <mc:Choice xmlns:p159="http://schemas.microsoft.com/office/powerpoint/2015/09/main" Requires="p159">
+  <mc:AlternateContent xmlns:mc="http://schemas.openxmlformats.org/markup-compatibility/2006" xmlns:p159="http://schemas.microsoft.com/office/powerpoint/2015/09/main">
+    <mc:Choice Requires="p159">
       <p:transition xmlns:p14="http://schemas.microsoft.com/office/powerpoint/2010/main" spd="slow" p14:dur="2000">
         <p159:morph option="byObject"/>
       </p:transition>
     </mc:Choice>
-    <mc:Fallback>
+    <mc:Fallback xmlns="">
       <p:transition spd="slow">
         <p:fade/>
       </p:transition>
@@ -17222,7 +19786,7 @@
 </p:sld>
 </file>
 
-<file path=ppt/slides/slide14.xml><?xml version="1.0" encoding="utf-8"?>
+<file path=ppt/slides/slide15.xml><?xml version="1.0" encoding="utf-8"?>
 <p:sld xmlns:a="http://schemas.openxmlformats.org/drawingml/2006/main" xmlns:r="http://schemas.openxmlformats.org/officeDocument/2006/relationships" xmlns:p="http://schemas.openxmlformats.org/presentationml/2006/main">
   <p:cSld>
     <p:spTree>
@@ -17294,7 +19858,7 @@
           <a:p>
             <a:fld id="{651B85B5-C028-4797-999F-2256A4317902}" type="datetime1">
               <a:rPr lang="de-DE" smtClean="0"/>
-              <a:t>29.04.2020</a:t>
+              <a:t>30.04.2020</a:t>
             </a:fld>
             <a:endParaRPr lang="en-GB"/>
           </a:p>
@@ -17351,7 +19915,7 @@
           <a:p>
             <a:fld id="{83E1CBDC-688B-449B-A4B9-E4A634A960D0}" type="slidenum">
               <a:rPr lang="en-GB" smtClean="0"/>
-              <a:t>14</a:t>
+              <a:t>15</a:t>
             </a:fld>
             <a:endParaRPr lang="en-GB"/>
           </a:p>
@@ -17404,13 +19968,13 @@
   <p:clrMapOvr>
     <a:masterClrMapping/>
   </p:clrMapOvr>
-  <mc:AlternateContent xmlns:mc="http://schemas.openxmlformats.org/markup-compatibility/2006">
-    <mc:Choice xmlns:p159="http://schemas.microsoft.com/office/powerpoint/2015/09/main" Requires="p159">
+  <mc:AlternateContent xmlns:mc="http://schemas.openxmlformats.org/markup-compatibility/2006" xmlns:p159="http://schemas.microsoft.com/office/powerpoint/2015/09/main">
+    <mc:Choice Requires="p159">
       <p:transition xmlns:p14="http://schemas.microsoft.com/office/powerpoint/2010/main" spd="slow" p14:dur="2000">
         <p159:morph option="byObject"/>
       </p:transition>
     </mc:Choice>
-    <mc:Fallback>
+    <mc:Fallback xmlns="">
       <p:transition spd="slow">
         <p:fade/>
       </p:transition>
@@ -17419,7 +19983,7 @@
 </p:sld>
 </file>
 
-<file path=ppt/slides/slide15.xml><?xml version="1.0" encoding="utf-8"?>
+<file path=ppt/slides/slide16.xml><?xml version="1.0" encoding="utf-8"?>
 <p:sld xmlns:a="http://schemas.openxmlformats.org/drawingml/2006/main" xmlns:r="http://schemas.openxmlformats.org/officeDocument/2006/relationships" xmlns:p="http://schemas.openxmlformats.org/presentationml/2006/main">
   <p:cSld>
     <p:spTree>
@@ -17491,7 +20055,7 @@
           <a:p>
             <a:fld id="{651B85B5-C028-4797-999F-2256A4317902}" type="datetime1">
               <a:rPr lang="de-DE" smtClean="0"/>
-              <a:t>29.04.2020</a:t>
+              <a:t>30.04.2020</a:t>
             </a:fld>
             <a:endParaRPr lang="en-GB"/>
           </a:p>
@@ -17548,7 +20112,7 @@
           <a:p>
             <a:fld id="{83E1CBDC-688B-449B-A4B9-E4A634A960D0}" type="slidenum">
               <a:rPr lang="en-GB" smtClean="0"/>
-              <a:t>15</a:t>
+              <a:t>16</a:t>
             </a:fld>
             <a:endParaRPr lang="en-GB"/>
           </a:p>
@@ -17604,18 +20168,388 @@
   <p:clrMapOvr>
     <a:masterClrMapping/>
   </p:clrMapOvr>
-  <mc:AlternateContent xmlns:mc="http://schemas.openxmlformats.org/markup-compatibility/2006">
-    <mc:Choice xmlns:p159="http://schemas.microsoft.com/office/powerpoint/2015/09/main" Requires="p159">
+  <mc:AlternateContent xmlns:mc="http://schemas.openxmlformats.org/markup-compatibility/2006" xmlns:p159="http://schemas.microsoft.com/office/powerpoint/2015/09/main">
+    <mc:Choice Requires="p159">
       <p:transition xmlns:p14="http://schemas.microsoft.com/office/powerpoint/2010/main" spd="slow" p14:dur="2000">
         <p159:morph option="byObject"/>
       </p:transition>
     </mc:Choice>
-    <mc:Fallback>
+    <mc:Fallback xmlns="">
       <p:transition spd="slow">
         <p:fade/>
       </p:transition>
     </mc:Fallback>
   </mc:AlternateContent>
+</p:sld>
+</file>
+
+<file path=ppt/slides/slide17.xml><?xml version="1.0" encoding="utf-8"?>
+<p:sld xmlns:a="http://schemas.openxmlformats.org/drawingml/2006/main" xmlns:r="http://schemas.openxmlformats.org/officeDocument/2006/relationships" xmlns:p="http://schemas.openxmlformats.org/presentationml/2006/main">
+  <p:cSld>
+    <p:spTree>
+      <p:nvGrpSpPr>
+        <p:cNvPr id="1" name=""/>
+        <p:cNvGrpSpPr/>
+        <p:nvPr/>
+      </p:nvGrpSpPr>
+      <p:grpSpPr>
+        <a:xfrm>
+          <a:off x="0" y="0"/>
+          <a:ext cx="0" cy="0"/>
+          <a:chOff x="0" y="0"/>
+          <a:chExt cx="0" cy="0"/>
+        </a:xfrm>
+      </p:grpSpPr>
+      <p:pic>
+        <p:nvPicPr>
+          <p:cNvPr id="7" name="Inhaltsplatzhalter 6">
+            <a:extLst>
+              <a:ext uri="{FF2B5EF4-FFF2-40B4-BE49-F238E27FC236}">
+                <a16:creationId xmlns:a16="http://schemas.microsoft.com/office/drawing/2014/main" id="{85C32F97-03B2-4E16-A238-C941E8FAD5CF}"/>
+              </a:ext>
+            </a:extLst>
+          </p:cNvPr>
+          <p:cNvPicPr>
+            <a:picLocks noGrp="1" noChangeAspect="1"/>
+          </p:cNvPicPr>
+          <p:nvPr>
+            <p:ph idx="1"/>
+          </p:nvPr>
+        </p:nvPicPr>
+        <p:blipFill>
+          <a:blip r:embed="rId3"/>
+          <a:stretch>
+            <a:fillRect/>
+          </a:stretch>
+        </p:blipFill>
+        <p:spPr>
+          <a:xfrm>
+            <a:off x="2513713" y="2733675"/>
+            <a:ext cx="6076950" cy="1390650"/>
+          </a:xfrm>
+          <a:prstGeom prst="rect">
+            <a:avLst/>
+          </a:prstGeom>
+        </p:spPr>
+      </p:pic>
+      <p:sp>
+        <p:nvSpPr>
+          <p:cNvPr id="3" name="Datumsplatzhalter 2">
+            <a:extLst>
+              <a:ext uri="{FF2B5EF4-FFF2-40B4-BE49-F238E27FC236}">
+                <a16:creationId xmlns:a16="http://schemas.microsoft.com/office/drawing/2014/main" id="{EBF6C6FD-68D5-4EE7-B231-473359C108E9}"/>
+              </a:ext>
+            </a:extLst>
+          </p:cNvPr>
+          <p:cNvSpPr>
+            <a:spLocks noGrp="1"/>
+          </p:cNvSpPr>
+          <p:nvPr>
+            <p:ph type="dt" sz="half" idx="10"/>
+          </p:nvPr>
+        </p:nvSpPr>
+        <p:spPr/>
+        <p:txBody>
+          <a:bodyPr/>
+          <a:lstStyle/>
+          <a:p>
+            <a:fld id="{651B85B5-C028-4797-999F-2256A4317902}" type="datetime1">
+              <a:rPr lang="de-DE" smtClean="0"/>
+              <a:t>30.04.2020</a:t>
+            </a:fld>
+            <a:endParaRPr lang="en-GB"/>
+          </a:p>
+        </p:txBody>
+      </p:sp>
+      <p:sp>
+        <p:nvSpPr>
+          <p:cNvPr id="4" name="Fußzeilenplatzhalter 3">
+            <a:extLst>
+              <a:ext uri="{FF2B5EF4-FFF2-40B4-BE49-F238E27FC236}">
+                <a16:creationId xmlns:a16="http://schemas.microsoft.com/office/drawing/2014/main" id="{C0251481-D1FD-4A3A-817E-8A3A0F700E61}"/>
+              </a:ext>
+            </a:extLst>
+          </p:cNvPr>
+          <p:cNvSpPr>
+            <a:spLocks noGrp="1"/>
+          </p:cNvSpPr>
+          <p:nvPr>
+            <p:ph type="ftr" sz="quarter" idx="11"/>
+          </p:nvPr>
+        </p:nvSpPr>
+        <p:spPr/>
+        <p:txBody>
+          <a:bodyPr/>
+          <a:lstStyle/>
+          <a:p>
+            <a:r>
+              <a:rPr lang="en-GB"/>
+              <a:t>Document Stores - Victor Wolf</a:t>
+            </a:r>
+          </a:p>
+        </p:txBody>
+      </p:sp>
+      <p:sp>
+        <p:nvSpPr>
+          <p:cNvPr id="5" name="Foliennummernplatzhalter 4">
+            <a:extLst>
+              <a:ext uri="{FF2B5EF4-FFF2-40B4-BE49-F238E27FC236}">
+                <a16:creationId xmlns:a16="http://schemas.microsoft.com/office/drawing/2014/main" id="{437463A8-7EB9-4941-B9FE-4CD2C5E7DEE7}"/>
+              </a:ext>
+            </a:extLst>
+          </p:cNvPr>
+          <p:cNvSpPr>
+            <a:spLocks noGrp="1"/>
+          </p:cNvSpPr>
+          <p:nvPr>
+            <p:ph type="sldNum" sz="quarter" idx="12"/>
+          </p:nvPr>
+        </p:nvSpPr>
+        <p:spPr/>
+        <p:txBody>
+          <a:bodyPr/>
+          <a:lstStyle/>
+          <a:p>
+            <a:fld id="{83E1CBDC-688B-449B-A4B9-E4A634A960D0}" type="slidenum">
+              <a:rPr lang="en-GB" smtClean="0"/>
+              <a:t>17</a:t>
+            </a:fld>
+            <a:endParaRPr lang="en-GB"/>
+          </a:p>
+        </p:txBody>
+      </p:sp>
+      <p:sp>
+        <p:nvSpPr>
+          <p:cNvPr id="6" name="Titel 5">
+            <a:extLst>
+              <a:ext uri="{FF2B5EF4-FFF2-40B4-BE49-F238E27FC236}">
+                <a16:creationId xmlns:a16="http://schemas.microsoft.com/office/drawing/2014/main" id="{BB60658F-C8A6-4B5C-A0B4-0E4F0CF76904}"/>
+              </a:ext>
+            </a:extLst>
+          </p:cNvPr>
+          <p:cNvSpPr>
+            <a:spLocks noGrp="1"/>
+          </p:cNvSpPr>
+          <p:nvPr>
+            <p:ph type="title"/>
+          </p:nvPr>
+        </p:nvSpPr>
+        <p:spPr/>
+        <p:txBody>
+          <a:bodyPr/>
+          <a:lstStyle/>
+          <a:p>
+            <a:r>
+              <a:rPr lang="de-DE" dirty="0"/>
+              <a:t>CRUD </a:t>
+            </a:r>
+            <a:r>
+              <a:rPr lang="de-DE" dirty="0" err="1"/>
+              <a:t>Operations</a:t>
+            </a:r>
+            <a:r>
+              <a:rPr lang="de-DE" dirty="0"/>
+              <a:t> - Update</a:t>
+            </a:r>
+            <a:endParaRPr lang="en-GB" dirty="0"/>
+          </a:p>
+        </p:txBody>
+      </p:sp>
+    </p:spTree>
+    <p:extLst>
+      <p:ext uri="{BB962C8B-B14F-4D97-AF65-F5344CB8AC3E}">
+        <p14:creationId xmlns:p14="http://schemas.microsoft.com/office/powerpoint/2010/main" val="903739121"/>
+      </p:ext>
+    </p:extLst>
+  </p:cSld>
+  <p:clrMapOvr>
+    <a:masterClrMapping/>
+  </p:clrMapOvr>
+</p:sld>
+</file>
+
+<file path=ppt/slides/slide18.xml><?xml version="1.0" encoding="utf-8"?>
+<p:sld xmlns:a="http://schemas.openxmlformats.org/drawingml/2006/main" xmlns:r="http://schemas.openxmlformats.org/officeDocument/2006/relationships" xmlns:p="http://schemas.openxmlformats.org/presentationml/2006/main">
+  <p:cSld>
+    <p:spTree>
+      <p:nvGrpSpPr>
+        <p:cNvPr id="1" name=""/>
+        <p:cNvGrpSpPr/>
+        <p:nvPr/>
+      </p:nvGrpSpPr>
+      <p:grpSpPr>
+        <a:xfrm>
+          <a:off x="0" y="0"/>
+          <a:ext cx="0" cy="0"/>
+          <a:chOff x="0" y="0"/>
+          <a:chExt cx="0" cy="0"/>
+        </a:xfrm>
+      </p:grpSpPr>
+      <p:pic>
+        <p:nvPicPr>
+          <p:cNvPr id="7" name="Inhaltsplatzhalter 6">
+            <a:extLst>
+              <a:ext uri="{FF2B5EF4-FFF2-40B4-BE49-F238E27FC236}">
+                <a16:creationId xmlns:a16="http://schemas.microsoft.com/office/drawing/2014/main" id="{3B9B103C-3D12-41B9-9CFD-D44DB73288CE}"/>
+              </a:ext>
+            </a:extLst>
+          </p:cNvPr>
+          <p:cNvPicPr>
+            <a:picLocks noGrp="1" noChangeAspect="1"/>
+          </p:cNvPicPr>
+          <p:nvPr>
+            <p:ph idx="1"/>
+          </p:nvPr>
+        </p:nvPicPr>
+        <p:blipFill>
+          <a:blip r:embed="rId2"/>
+          <a:stretch>
+            <a:fillRect/>
+          </a:stretch>
+        </p:blipFill>
+        <p:spPr>
+          <a:xfrm>
+            <a:off x="2208655" y="3429000"/>
+            <a:ext cx="5534025" cy="914400"/>
+          </a:xfrm>
+          <a:prstGeom prst="rect">
+            <a:avLst/>
+          </a:prstGeom>
+        </p:spPr>
+      </p:pic>
+      <p:sp>
+        <p:nvSpPr>
+          <p:cNvPr id="3" name="Datumsplatzhalter 2">
+            <a:extLst>
+              <a:ext uri="{FF2B5EF4-FFF2-40B4-BE49-F238E27FC236}">
+                <a16:creationId xmlns:a16="http://schemas.microsoft.com/office/drawing/2014/main" id="{2B4D26F9-7C45-4710-A1C2-42C0626A449E}"/>
+              </a:ext>
+            </a:extLst>
+          </p:cNvPr>
+          <p:cNvSpPr>
+            <a:spLocks noGrp="1"/>
+          </p:cNvSpPr>
+          <p:nvPr>
+            <p:ph type="dt" sz="half" idx="10"/>
+          </p:nvPr>
+        </p:nvSpPr>
+        <p:spPr/>
+        <p:txBody>
+          <a:bodyPr/>
+          <a:lstStyle/>
+          <a:p>
+            <a:fld id="{651B85B5-C028-4797-999F-2256A4317902}" type="datetime1">
+              <a:rPr lang="de-DE" smtClean="0"/>
+              <a:t>30.04.2020</a:t>
+            </a:fld>
+            <a:endParaRPr lang="en-GB"/>
+          </a:p>
+        </p:txBody>
+      </p:sp>
+      <p:sp>
+        <p:nvSpPr>
+          <p:cNvPr id="4" name="Fußzeilenplatzhalter 3">
+            <a:extLst>
+              <a:ext uri="{FF2B5EF4-FFF2-40B4-BE49-F238E27FC236}">
+                <a16:creationId xmlns:a16="http://schemas.microsoft.com/office/drawing/2014/main" id="{295BCA60-0C2F-495C-8805-A37DDE93C7BD}"/>
+              </a:ext>
+            </a:extLst>
+          </p:cNvPr>
+          <p:cNvSpPr>
+            <a:spLocks noGrp="1"/>
+          </p:cNvSpPr>
+          <p:nvPr>
+            <p:ph type="ftr" sz="quarter" idx="11"/>
+          </p:nvPr>
+        </p:nvSpPr>
+        <p:spPr/>
+        <p:txBody>
+          <a:bodyPr/>
+          <a:lstStyle/>
+          <a:p>
+            <a:r>
+              <a:rPr lang="en-GB"/>
+              <a:t>Document Stores - Victor Wolf</a:t>
+            </a:r>
+          </a:p>
+        </p:txBody>
+      </p:sp>
+      <p:sp>
+        <p:nvSpPr>
+          <p:cNvPr id="5" name="Foliennummernplatzhalter 4">
+            <a:extLst>
+              <a:ext uri="{FF2B5EF4-FFF2-40B4-BE49-F238E27FC236}">
+                <a16:creationId xmlns:a16="http://schemas.microsoft.com/office/drawing/2014/main" id="{D2A9495C-518B-4D40-8824-5F8EB50B3F48}"/>
+              </a:ext>
+            </a:extLst>
+          </p:cNvPr>
+          <p:cNvSpPr>
+            <a:spLocks noGrp="1"/>
+          </p:cNvSpPr>
+          <p:nvPr>
+            <p:ph type="sldNum" sz="quarter" idx="12"/>
+          </p:nvPr>
+        </p:nvSpPr>
+        <p:spPr/>
+        <p:txBody>
+          <a:bodyPr/>
+          <a:lstStyle/>
+          <a:p>
+            <a:fld id="{83E1CBDC-688B-449B-A4B9-E4A634A960D0}" type="slidenum">
+              <a:rPr lang="en-GB" smtClean="0"/>
+              <a:t>18</a:t>
+            </a:fld>
+            <a:endParaRPr lang="en-GB"/>
+          </a:p>
+        </p:txBody>
+      </p:sp>
+      <p:sp>
+        <p:nvSpPr>
+          <p:cNvPr id="6" name="Titel 5">
+            <a:extLst>
+              <a:ext uri="{FF2B5EF4-FFF2-40B4-BE49-F238E27FC236}">
+                <a16:creationId xmlns:a16="http://schemas.microsoft.com/office/drawing/2014/main" id="{6D28B164-6464-4F1B-97C2-01ADDAC93270}"/>
+              </a:ext>
+            </a:extLst>
+          </p:cNvPr>
+          <p:cNvSpPr>
+            <a:spLocks noGrp="1"/>
+          </p:cNvSpPr>
+          <p:nvPr>
+            <p:ph type="title"/>
+          </p:nvPr>
+        </p:nvSpPr>
+        <p:spPr/>
+        <p:txBody>
+          <a:bodyPr/>
+          <a:lstStyle/>
+          <a:p>
+            <a:r>
+              <a:rPr lang="de-DE" dirty="0"/>
+              <a:t>CRUD </a:t>
+            </a:r>
+            <a:r>
+              <a:rPr lang="de-DE" dirty="0" err="1"/>
+              <a:t>Operations</a:t>
+            </a:r>
+            <a:r>
+              <a:rPr lang="de-DE" dirty="0"/>
+              <a:t> - Deletion</a:t>
+            </a:r>
+            <a:endParaRPr lang="en-GB" dirty="0"/>
+          </a:p>
+        </p:txBody>
+      </p:sp>
+    </p:spTree>
+    <p:extLst>
+      <p:ext uri="{BB962C8B-B14F-4D97-AF65-F5344CB8AC3E}">
+        <p14:creationId xmlns:p14="http://schemas.microsoft.com/office/powerpoint/2010/main" val="632839680"/>
+      </p:ext>
+    </p:extLst>
+  </p:cSld>
+  <p:clrMapOvr>
+    <a:masterClrMapping/>
+  </p:clrMapOvr>
 </p:sld>
 </file>
 
@@ -17788,7 +20722,7 @@
           <a:p>
             <a:fld id="{8CEBD795-30DD-4530-9E80-830E82A97703}" type="datetime1">
               <a:rPr lang="de-DE" smtClean="0"/>
-              <a:t>29.04.2020</a:t>
+              <a:t>30.04.2020</a:t>
             </a:fld>
             <a:endParaRPr lang="en-GB"/>
           </a:p>
@@ -17861,13 +20795,13 @@
   <p:clrMapOvr>
     <a:masterClrMapping/>
   </p:clrMapOvr>
-  <mc:AlternateContent xmlns:mc="http://schemas.openxmlformats.org/markup-compatibility/2006">
-    <mc:Choice xmlns:p159="http://schemas.microsoft.com/office/powerpoint/2015/09/main" Requires="p159">
+  <mc:AlternateContent xmlns:mc="http://schemas.openxmlformats.org/markup-compatibility/2006" xmlns:p159="http://schemas.microsoft.com/office/powerpoint/2015/09/main">
+    <mc:Choice Requires="p159">
       <p:transition xmlns:p14="http://schemas.microsoft.com/office/powerpoint/2010/main" spd="slow" p14:dur="2000">
         <p159:morph option="byObject"/>
       </p:transition>
     </mc:Choice>
-    <mc:Fallback>
+    <mc:Fallback xmlns="">
       <p:transition spd="slow">
         <p:fade/>
       </p:transition>
@@ -17925,7 +20859,7 @@
             <a:pPr lvl="1"/>
             <a:r>
               <a:rPr lang="de-DE" dirty="0"/>
-              <a:t>Grundlagen</a:t>
+              <a:t>Versprechen</a:t>
             </a:r>
           </a:p>
           <a:p>
@@ -18023,7 +20957,7 @@
           <a:p>
             <a:fld id="{651B85B5-C028-4797-999F-2256A4317902}" type="datetime1">
               <a:rPr lang="de-DE" smtClean="0"/>
-              <a:t>29.04.2020</a:t>
+              <a:t>30.04.2020</a:t>
             </a:fld>
             <a:endParaRPr lang="en-GB"/>
           </a:p>
@@ -18125,13 +21059,13 @@
   <p:clrMapOvr>
     <a:masterClrMapping/>
   </p:clrMapOvr>
-  <mc:AlternateContent xmlns:mc="http://schemas.openxmlformats.org/markup-compatibility/2006">
-    <mc:Choice xmlns:p159="http://schemas.microsoft.com/office/powerpoint/2015/09/main" Requires="p159">
+  <mc:AlternateContent xmlns:mc="http://schemas.openxmlformats.org/markup-compatibility/2006" xmlns:p159="http://schemas.microsoft.com/office/powerpoint/2015/09/main">
+    <mc:Choice Requires="p159">
       <p:transition xmlns:p14="http://schemas.microsoft.com/office/powerpoint/2010/main" spd="slow" p14:dur="2000">
         <p159:morph option="byObject"/>
       </p:transition>
     </mc:Choice>
-    <mc:Fallback>
+    <mc:Fallback xmlns="">
       <p:transition spd="slow">
         <p:fade/>
       </p:transition>
@@ -18180,7 +21114,7 @@
           <a:p>
             <a:fld id="{651B85B5-C028-4797-999F-2256A4317902}" type="datetime1">
               <a:rPr lang="de-DE" smtClean="0"/>
-              <a:t>29.04.2020</a:t>
+              <a:t>30.04.2020</a:t>
             </a:fld>
             <a:endParaRPr lang="en-GB"/>
           </a:p>
@@ -18542,13 +21476,13 @@
   <p:clrMapOvr>
     <a:masterClrMapping/>
   </p:clrMapOvr>
-  <mc:AlternateContent xmlns:mc="http://schemas.openxmlformats.org/markup-compatibility/2006">
-    <mc:Choice xmlns:p159="http://schemas.microsoft.com/office/powerpoint/2015/09/main" Requires="p159">
+  <mc:AlternateContent xmlns:mc="http://schemas.openxmlformats.org/markup-compatibility/2006" xmlns:p159="http://schemas.microsoft.com/office/powerpoint/2015/09/main">
+    <mc:Choice Requires="p159">
       <p:transition xmlns:p14="http://schemas.microsoft.com/office/powerpoint/2010/main" spd="slow" p14:dur="2000">
         <p159:morph option="byObject"/>
       </p:transition>
     </mc:Choice>
-    <mc:Fallback>
+    <mc:Fallback xmlns="">
       <p:transition spd="slow">
         <p:fade/>
       </p:transition>
@@ -19007,7 +21941,7 @@
           <a:p>
             <a:fld id="{0BCC4A76-046E-43E7-8779-7FFDFD15A82A}" type="datetime1">
               <a:rPr lang="de-DE" smtClean="0"/>
-              <a:t>29.04.2020</a:t>
+              <a:t>30.04.2020</a:t>
             </a:fld>
             <a:endParaRPr lang="en-GB"/>
           </a:p>
@@ -19080,13 +22014,13 @@
   <p:clrMapOvr>
     <a:masterClrMapping/>
   </p:clrMapOvr>
-  <mc:AlternateContent xmlns:mc="http://schemas.openxmlformats.org/markup-compatibility/2006">
-    <mc:Choice xmlns:p159="http://schemas.microsoft.com/office/powerpoint/2015/09/main" Requires="p159">
+  <mc:AlternateContent xmlns:mc="http://schemas.openxmlformats.org/markup-compatibility/2006" xmlns:p159="http://schemas.microsoft.com/office/powerpoint/2015/09/main">
+    <mc:Choice Requires="p159">
       <p:transition xmlns:p14="http://schemas.microsoft.com/office/powerpoint/2010/main" spd="slow" p14:dur="2000">
         <p159:morph option="byObject"/>
       </p:transition>
     </mc:Choice>
-    <mc:Fallback>
+    <mc:Fallback xmlns="">
       <p:transition spd="slow">
         <p:fade/>
       </p:transition>
@@ -19314,7 +22248,7 @@
           <a:p>
             <a:fld id="{651B85B5-C028-4797-999F-2256A4317902}" type="datetime1">
               <a:rPr lang="de-DE" smtClean="0"/>
-              <a:t>29.04.2020</a:t>
+              <a:t>30.04.2020</a:t>
             </a:fld>
             <a:endParaRPr lang="en-GB"/>
           </a:p>
@@ -19452,42 +22386,34 @@
           </a:p>
         </p:txBody>
       </p:sp>
-      <p:sp>
-        <p:nvSpPr>
-          <p:cNvPr id="11" name="Textfeld 10">
+      <p:graphicFrame>
+        <p:nvGraphicFramePr>
+          <p:cNvPr id="2" name="Diagramm 1">
             <a:extLst>
               <a:ext uri="{FF2B5EF4-FFF2-40B4-BE49-F238E27FC236}">
-                <a16:creationId xmlns:a16="http://schemas.microsoft.com/office/drawing/2014/main" id="{90B47A81-66F4-4D53-A827-5D732BE54A92}"/>
+                <a16:creationId xmlns:a16="http://schemas.microsoft.com/office/drawing/2014/main" id="{B566E9CD-53A4-4A8C-9637-F6FDF1AC243D}"/>
               </a:ext>
             </a:extLst>
           </p:cNvPr>
-          <p:cNvSpPr txBox="1"/>
-          <p:nvPr/>
-        </p:nvSpPr>
-        <p:spPr>
-          <a:xfrm>
-            <a:off x="677334" y="4604657"/>
-            <a:ext cx="6629400" cy="646331"/>
-          </a:xfrm>
-          <a:prstGeom prst="rect">
-            <a:avLst/>
-          </a:prstGeom>
-          <a:noFill/>
-        </p:spPr>
-        <p:txBody>
-          <a:bodyPr wrap="square" rtlCol="0">
-            <a:spAutoFit/>
-          </a:bodyPr>
-          <a:lstStyle/>
-          <a:p>
-            <a:r>
-              <a:rPr lang="de-DE" dirty="0"/>
-              <a:t>Abfragesprache und/oder Treiber für andere Programmiersprachen</a:t>
-            </a:r>
-            <a:endParaRPr lang="en-GB" dirty="0"/>
-          </a:p>
-        </p:txBody>
-      </p:sp>
+          <p:cNvGraphicFramePr/>
+          <p:nvPr>
+            <p:extLst>
+              <p:ext uri="{D42A27DB-BD31-4B8C-83A1-F6EECF244321}">
+                <p14:modId xmlns:p14="http://schemas.microsoft.com/office/powerpoint/2010/main" val="2807952030"/>
+              </p:ext>
+            </p:extLst>
+          </p:nvPr>
+        </p:nvGraphicFramePr>
+        <p:xfrm>
+          <a:off x="677334" y="4604657"/>
+          <a:ext cx="6629400" cy="646331"/>
+        </p:xfrm>
+        <a:graphic>
+          <a:graphicData uri="http://schemas.openxmlformats.org/drawingml/2006/diagram">
+            <dgm:relIds xmlns:dgm="http://schemas.openxmlformats.org/drawingml/2006/diagram" xmlns:r="http://schemas.openxmlformats.org/officeDocument/2006/relationships" r:dm="rId4" r:lo="rId5" r:qs="rId6" r:cs="rId7"/>
+          </a:graphicData>
+        </a:graphic>
+      </p:graphicFrame>
     </p:spTree>
     <p:extLst>
       <p:ext uri="{BB962C8B-B14F-4D97-AF65-F5344CB8AC3E}">
@@ -19498,13 +22424,13 @@
   <p:clrMapOvr>
     <a:masterClrMapping/>
   </p:clrMapOvr>
-  <mc:AlternateContent xmlns:mc="http://schemas.openxmlformats.org/markup-compatibility/2006">
-    <mc:Choice xmlns:p159="http://schemas.microsoft.com/office/powerpoint/2015/09/main" Requires="p159">
+  <mc:AlternateContent xmlns:mc="http://schemas.openxmlformats.org/markup-compatibility/2006" xmlns:p159="http://schemas.microsoft.com/office/powerpoint/2015/09/main">
+    <mc:Choice Requires="p159">
       <p:transition xmlns:p14="http://schemas.microsoft.com/office/powerpoint/2010/main" spd="slow" p14:dur="2000">
         <p159:morph option="byObject"/>
       </p:transition>
     </mc:Choice>
-    <mc:Fallback>
+    <mc:Fallback xmlns="">
       <p:transition spd="slow">
         <p:fade/>
       </p:transition>
@@ -19578,7 +22504,7 @@
           <a:p>
             <a:fld id="{651B85B5-C028-4797-999F-2256A4317902}" type="datetime1">
               <a:rPr lang="de-DE" smtClean="0"/>
-              <a:t>29.04.2020</a:t>
+              <a:t>30.04.2020</a:t>
             </a:fld>
             <a:endParaRPr lang="en-GB"/>
           </a:p>
@@ -19889,7 +22815,7 @@
           <a:p>
             <a:fld id="{651B85B5-C028-4797-999F-2256A4317902}" type="datetime1">
               <a:rPr lang="de-DE" smtClean="0"/>
-              <a:t>29.04.2020</a:t>
+              <a:t>30.04.2020</a:t>
             </a:fld>
             <a:endParaRPr lang="en-GB"/>
           </a:p>
@@ -20077,13 +23003,13 @@
   <p:clrMapOvr>
     <a:masterClrMapping/>
   </p:clrMapOvr>
-  <mc:AlternateContent xmlns:mc="http://schemas.openxmlformats.org/markup-compatibility/2006">
-    <mc:Choice xmlns:p159="http://schemas.microsoft.com/office/powerpoint/2015/09/main" Requires="p159">
+  <mc:AlternateContent xmlns:mc="http://schemas.openxmlformats.org/markup-compatibility/2006" xmlns:p159="http://schemas.microsoft.com/office/powerpoint/2015/09/main">
+    <mc:Choice Requires="p159">
       <p:transition xmlns:p14="http://schemas.microsoft.com/office/powerpoint/2010/main" spd="slow" p14:dur="2000">
         <p159:morph option="byObject"/>
       </p:transition>
     </mc:Choice>
-    <mc:Fallback>
+    <mc:Fallback xmlns="">
       <p:transition spd="slow">
         <p:fade/>
       </p:transition>
@@ -20167,7 +23093,7 @@
           <a:p>
             <a:fld id="{651B85B5-C028-4797-999F-2256A4317902}" type="datetime1">
               <a:rPr lang="de-DE" smtClean="0"/>
-              <a:t>29.04.2020</a:t>
+              <a:t>30.04.2020</a:t>
             </a:fld>
             <a:endParaRPr lang="en-GB"/>
           </a:p>
@@ -20349,13 +23275,13 @@
   <p:clrMapOvr>
     <a:masterClrMapping/>
   </p:clrMapOvr>
-  <mc:AlternateContent xmlns:mc="http://schemas.openxmlformats.org/markup-compatibility/2006">
-    <mc:Choice xmlns:p159="http://schemas.microsoft.com/office/powerpoint/2015/09/main" Requires="p159">
+  <mc:AlternateContent xmlns:mc="http://schemas.openxmlformats.org/markup-compatibility/2006" xmlns:p159="http://schemas.microsoft.com/office/powerpoint/2015/09/main">
+    <mc:Choice Requires="p159">
       <p:transition xmlns:p14="http://schemas.microsoft.com/office/powerpoint/2010/main" spd="slow" p14:dur="2000">
         <p159:morph option="byObject"/>
       </p:transition>
     </mc:Choice>
-    <mc:Fallback>
+    <mc:Fallback xmlns="">
       <p:transition spd="slow">
         <p:fade/>
       </p:transition>
